--- a/OOP PART 2.pptx
+++ b/OOP PART 2.pptx
@@ -12,6 +12,29 @@
     <p:sldId id="265" r:id="rId6"/>
     <p:sldId id="264" r:id="rId7"/>
     <p:sldId id="263" r:id="rId8"/>
+    <p:sldId id="266" r:id="rId9"/>
+    <p:sldId id="267" r:id="rId10"/>
+    <p:sldId id="268" r:id="rId11"/>
+    <p:sldId id="269" r:id="rId12"/>
+    <p:sldId id="270" r:id="rId13"/>
+    <p:sldId id="271" r:id="rId14"/>
+    <p:sldId id="272" r:id="rId15"/>
+    <p:sldId id="273" r:id="rId16"/>
+    <p:sldId id="274" r:id="rId17"/>
+    <p:sldId id="275" r:id="rId18"/>
+    <p:sldId id="276" r:id="rId19"/>
+    <p:sldId id="277" r:id="rId20"/>
+    <p:sldId id="278" r:id="rId21"/>
+    <p:sldId id="279" r:id="rId22"/>
+    <p:sldId id="280" r:id="rId23"/>
+    <p:sldId id="281" r:id="rId24"/>
+    <p:sldId id="282" r:id="rId25"/>
+    <p:sldId id="283" r:id="rId26"/>
+    <p:sldId id="284" r:id="rId27"/>
+    <p:sldId id="285" r:id="rId28"/>
+    <p:sldId id="286" r:id="rId29"/>
+    <p:sldId id="287" r:id="rId30"/>
+    <p:sldId id="288" r:id="rId31"/>
   </p:sldIdLst>
   <p:sldSz cx="12192000" cy="6858000"/>
   <p:notesSz cx="6858000" cy="9144000"/>
@@ -112,7 +135,7 @@
   </p:defaultTextStyle>
   <p:extLst>
     <p:ext uri="{EFAFB233-063F-42B5-8137-9DF3F51BA10A}">
-      <p15:sldGuideLst xmlns:p15="http://schemas.microsoft.com/office/powerpoint/2012/main"/>
+      <p15:sldGuideLst xmlns:p15="http://schemas.microsoft.com/office/powerpoint/2012/main" xmlns=""/>
     </p:ext>
   </p:extLst>
 </p:presentation>
@@ -1163,7 +1186,7 @@
           </a:ln>
           <a:extLst>
             <a:ext uri="{C572A759-6A51-4108-AA02-DFA0A04FC94B}">
-              <ma14:wrappingTextBoxFlag xmlns="" xmlns:ma14="http://schemas.microsoft.com/office/mac/drawingml/2011/main" val="1"/>
+              <ma14:wrappingTextBoxFlag xmlns:ma14="http://schemas.microsoft.com/office/mac/drawingml/2011/main" xmlns="" val="1"/>
             </a:ext>
           </a:extLst>
         </p:spPr>
@@ -1843,7 +1866,7 @@
           </a:ln>
           <a:extLst>
             <a:ext uri="{C572A759-6A51-4108-AA02-DFA0A04FC94B}">
-              <ma14:wrappingTextBoxFlag xmlns="" xmlns:ma14="http://schemas.microsoft.com/office/mac/drawingml/2011/main" val="1"/>
+              <ma14:wrappingTextBoxFlag xmlns:ma14="http://schemas.microsoft.com/office/mac/drawingml/2011/main" xmlns="" val="1"/>
             </a:ext>
           </a:extLst>
         </p:spPr>
@@ -3424,7 +3447,7 @@
           </a:ln>
           <a:extLst>
             <a:ext uri="{C572A759-6A51-4108-AA02-DFA0A04FC94B}">
-              <ma14:wrappingTextBoxFlag xmlns="" xmlns:ma14="http://schemas.microsoft.com/office/mac/drawingml/2011/main" val="1"/>
+              <ma14:wrappingTextBoxFlag xmlns:ma14="http://schemas.microsoft.com/office/mac/drawingml/2011/main" xmlns="" val="1"/>
             </a:ext>
           </a:extLst>
         </p:spPr>
@@ -4278,7 +4301,7 @@
           </a:ln>
           <a:extLst>
             <a:ext uri="{C572A759-6A51-4108-AA02-DFA0A04FC94B}">
-              <ma14:wrappingTextBoxFlag xmlns="" xmlns:ma14="http://schemas.microsoft.com/office/mac/drawingml/2011/main" val="1"/>
+              <ma14:wrappingTextBoxFlag xmlns:ma14="http://schemas.microsoft.com/office/mac/drawingml/2011/main" xmlns="" val="1"/>
             </a:ext>
           </a:extLst>
         </p:spPr>
@@ -5661,7 +5684,7 @@
           </a:ln>
           <a:extLst>
             <a:ext uri="{C572A759-6A51-4108-AA02-DFA0A04FC94B}">
-              <ma14:wrappingTextBoxFlag xmlns="" xmlns:ma14="http://schemas.microsoft.com/office/mac/drawingml/2011/main" val="1"/>
+              <ma14:wrappingTextBoxFlag xmlns:ma14="http://schemas.microsoft.com/office/mac/drawingml/2011/main" xmlns="" val="1"/>
             </a:ext>
           </a:extLst>
         </p:spPr>
@@ -7137,7 +7160,7 @@
           </a:ln>
           <a:extLst>
             <a:ext uri="{C572A759-6A51-4108-AA02-DFA0A04FC94B}">
-              <ma14:wrappingTextBoxFlag xmlns="" xmlns:ma14="http://schemas.microsoft.com/office/mac/drawingml/2011/main" val="1"/>
+              <ma14:wrappingTextBoxFlag xmlns:ma14="http://schemas.microsoft.com/office/mac/drawingml/2011/main" xmlns="" val="1"/>
             </a:ext>
           </a:extLst>
         </p:spPr>
@@ -9217,7 +9240,7 @@
           </a:ln>
           <a:extLst>
             <a:ext uri="{C572A759-6A51-4108-AA02-DFA0A04FC94B}">
-              <ma14:wrappingTextBoxFlag xmlns="" xmlns:ma14="http://schemas.microsoft.com/office/mac/drawingml/2011/main" val="1"/>
+              <ma14:wrappingTextBoxFlag xmlns:ma14="http://schemas.microsoft.com/office/mac/drawingml/2011/main" xmlns="" val="1"/>
             </a:ext>
           </a:extLst>
         </p:spPr>
@@ -11788,6 +11811,2775 @@
 </p:sld>
 </file>
 
+<file path=ppt/slides/slide10.xml><?xml version="1.0" encoding="utf-8"?>
+<p:sld xmlns:a="http://schemas.openxmlformats.org/drawingml/2006/main" xmlns:r="http://schemas.openxmlformats.org/officeDocument/2006/relationships" xmlns:p="http://schemas.openxmlformats.org/presentationml/2006/main">
+  <p:cSld>
+    <p:spTree>
+      <p:nvGrpSpPr>
+        <p:cNvPr id="1" name=""/>
+        <p:cNvGrpSpPr/>
+        <p:nvPr/>
+      </p:nvGrpSpPr>
+      <p:grpSpPr>
+        <a:xfrm>
+          <a:off x="0" y="0"/>
+          <a:ext cx="0" cy="0"/>
+          <a:chOff x="0" y="0"/>
+          <a:chExt cx="0" cy="0"/>
+        </a:xfrm>
+      </p:grpSpPr>
+      <p:sp>
+        <p:nvSpPr>
+          <p:cNvPr id="2" name="Title 1"/>
+          <p:cNvSpPr>
+            <a:spLocks noGrp="1"/>
+          </p:cNvSpPr>
+          <p:nvPr>
+            <p:ph type="title"/>
+          </p:nvPr>
+        </p:nvSpPr>
+        <p:spPr/>
+        <p:txBody>
+          <a:bodyPr/>
+          <a:lstStyle/>
+          <a:p>
+            <a:r>
+              <a:rPr lang="en-US" dirty="0" smtClean="0"/>
+              <a:t>INHERITANCE</a:t>
+            </a:r>
+            <a:endParaRPr lang="ro-RO" dirty="0"/>
+          </a:p>
+        </p:txBody>
+      </p:sp>
+      <p:pic>
+        <p:nvPicPr>
+          <p:cNvPr id="1026" name="Picture 2"/>
+          <p:cNvPicPr>
+            <a:picLocks noChangeAspect="1" noChangeArrowheads="1"/>
+          </p:cNvPicPr>
+          <p:nvPr/>
+        </p:nvPicPr>
+        <p:blipFill>
+          <a:blip r:embed="rId2">
+            <a:extLst>
+              <a:ext uri="{28A0092B-C50C-407E-A947-70E740481C1C}">
+                <a14:useLocalDpi xmlns:a14="http://schemas.microsoft.com/office/drawing/2010/main" val="0"/>
+              </a:ext>
+            </a:extLst>
+          </a:blip>
+          <a:srcRect/>
+          <a:stretch>
+            <a:fillRect/>
+          </a:stretch>
+        </p:blipFill>
+        <p:spPr bwMode="auto">
+          <a:xfrm>
+            <a:off x="6878112" y="2359556"/>
+            <a:ext cx="4237510" cy="2457978"/>
+          </a:xfrm>
+          <a:prstGeom prst="rect">
+            <a:avLst/>
+          </a:prstGeom>
+          <a:noFill/>
+          <a:ln>
+            <a:noFill/>
+          </a:ln>
+          <a:effectLst/>
+          <a:extLst>
+            <a:ext uri="{909E8E84-426E-40DD-AFC4-6F175D3DCCD1}">
+              <a14:hiddenFill xmlns:a14="http://schemas.microsoft.com/office/drawing/2010/main">
+                <a:solidFill>
+                  <a:schemeClr val="accent1"/>
+                </a:solidFill>
+              </a14:hiddenFill>
+            </a:ext>
+            <a:ext uri="{91240B29-F687-4F45-9708-019B960494DF}">
+              <a14:hiddenLine xmlns:a14="http://schemas.microsoft.com/office/drawing/2010/main" w="9525">
+                <a:solidFill>
+                  <a:schemeClr val="tx1"/>
+                </a:solidFill>
+                <a:miter lim="800000"/>
+                <a:headEnd/>
+                <a:tailEnd/>
+              </a14:hiddenLine>
+            </a:ext>
+            <a:ext uri="{AF507438-7753-43E0-B8FC-AC1667EBCBE1}">
+              <a14:hiddenEffects xmlns:a14="http://schemas.microsoft.com/office/drawing/2010/main">
+                <a:effectLst>
+                  <a:outerShdw dist="35921" dir="2700000" algn="ctr" rotWithShape="0">
+                    <a:schemeClr val="bg2"/>
+                  </a:outerShdw>
+                </a:effectLst>
+              </a14:hiddenEffects>
+            </a:ext>
+          </a:extLst>
+        </p:spPr>
+      </p:pic>
+      <p:pic>
+        <p:nvPicPr>
+          <p:cNvPr id="2050" name="Picture 2"/>
+          <p:cNvPicPr>
+            <a:picLocks noChangeAspect="1" noChangeArrowheads="1"/>
+          </p:cNvPicPr>
+          <p:nvPr/>
+        </p:nvPicPr>
+        <p:blipFill>
+          <a:blip r:embed="rId3">
+            <a:extLst>
+              <a:ext uri="{28A0092B-C50C-407E-A947-70E740481C1C}">
+                <a14:useLocalDpi xmlns:a14="http://schemas.microsoft.com/office/drawing/2010/main" val="0"/>
+              </a:ext>
+            </a:extLst>
+          </a:blip>
+          <a:srcRect/>
+          <a:stretch>
+            <a:fillRect/>
+          </a:stretch>
+        </p:blipFill>
+        <p:spPr bwMode="auto">
+          <a:xfrm>
+            <a:off x="950884" y="2359556"/>
+            <a:ext cx="5808303" cy="3052166"/>
+          </a:xfrm>
+          <a:prstGeom prst="rect">
+            <a:avLst/>
+          </a:prstGeom>
+          <a:noFill/>
+          <a:ln>
+            <a:noFill/>
+          </a:ln>
+          <a:effectLst/>
+          <a:extLst>
+            <a:ext uri="{909E8E84-426E-40DD-AFC4-6F175D3DCCD1}">
+              <a14:hiddenFill xmlns:a14="http://schemas.microsoft.com/office/drawing/2010/main">
+                <a:solidFill>
+                  <a:schemeClr val="accent1"/>
+                </a:solidFill>
+              </a14:hiddenFill>
+            </a:ext>
+            <a:ext uri="{91240B29-F687-4F45-9708-019B960494DF}">
+              <a14:hiddenLine xmlns:a14="http://schemas.microsoft.com/office/drawing/2010/main" w="9525">
+                <a:solidFill>
+                  <a:schemeClr val="tx1"/>
+                </a:solidFill>
+                <a:miter lim="800000"/>
+                <a:headEnd/>
+                <a:tailEnd/>
+              </a14:hiddenLine>
+            </a:ext>
+            <a:ext uri="{AF507438-7753-43E0-B8FC-AC1667EBCBE1}">
+              <a14:hiddenEffects xmlns:a14="http://schemas.microsoft.com/office/drawing/2010/main">
+                <a:effectLst>
+                  <a:outerShdw dist="35921" dir="2700000" algn="ctr" rotWithShape="0">
+                    <a:schemeClr val="bg2"/>
+                  </a:outerShdw>
+                </a:effectLst>
+              </a14:hiddenEffects>
+            </a:ext>
+          </a:extLst>
+        </p:spPr>
+      </p:pic>
+    </p:spTree>
+    <p:extLst>
+      <p:ext uri="{BB962C8B-B14F-4D97-AF65-F5344CB8AC3E}">
+        <p14:creationId xmlns:p14="http://schemas.microsoft.com/office/powerpoint/2010/main" val="88950140"/>
+      </p:ext>
+    </p:extLst>
+  </p:cSld>
+  <p:clrMapOvr>
+    <a:masterClrMapping/>
+  </p:clrMapOvr>
+</p:sld>
+</file>
+
+<file path=ppt/slides/slide11.xml><?xml version="1.0" encoding="utf-8"?>
+<p:sld xmlns:a="http://schemas.openxmlformats.org/drawingml/2006/main" xmlns:r="http://schemas.openxmlformats.org/officeDocument/2006/relationships" xmlns:p="http://schemas.openxmlformats.org/presentationml/2006/main">
+  <p:cSld>
+    <p:spTree>
+      <p:nvGrpSpPr>
+        <p:cNvPr id="1" name=""/>
+        <p:cNvGrpSpPr/>
+        <p:nvPr/>
+      </p:nvGrpSpPr>
+      <p:grpSpPr>
+        <a:xfrm>
+          <a:off x="0" y="0"/>
+          <a:ext cx="0" cy="0"/>
+          <a:chOff x="0" y="0"/>
+          <a:chExt cx="0" cy="0"/>
+        </a:xfrm>
+      </p:grpSpPr>
+      <p:sp>
+        <p:nvSpPr>
+          <p:cNvPr id="2" name="Title 1"/>
+          <p:cNvSpPr>
+            <a:spLocks noGrp="1"/>
+          </p:cNvSpPr>
+          <p:nvPr>
+            <p:ph type="title"/>
+          </p:nvPr>
+        </p:nvSpPr>
+        <p:spPr/>
+        <p:txBody>
+          <a:bodyPr/>
+          <a:lstStyle/>
+          <a:p>
+            <a:pPr algn="ctr"/>
+            <a:r>
+              <a:rPr lang="en-US" dirty="0" smtClean="0"/>
+              <a:t>agenda</a:t>
+            </a:r>
+            <a:endParaRPr lang="en-GB" dirty="0"/>
+          </a:p>
+        </p:txBody>
+      </p:sp>
+      <p:sp>
+        <p:nvSpPr>
+          <p:cNvPr id="3" name="Content Placeholder 2"/>
+          <p:cNvSpPr>
+            <a:spLocks noGrp="1"/>
+          </p:cNvSpPr>
+          <p:nvPr>
+            <p:ph idx="14"/>
+          </p:nvPr>
+        </p:nvSpPr>
+        <p:spPr/>
+        <p:txBody>
+          <a:bodyPr/>
+          <a:lstStyle/>
+          <a:p>
+            <a:r>
+              <a:rPr lang="en-US" sz="2800" dirty="0"/>
+              <a:t>Encapsulation</a:t>
+            </a:r>
+          </a:p>
+          <a:p>
+            <a:r>
+              <a:rPr lang="en-US" sz="2800" dirty="0"/>
+              <a:t>inheritance</a:t>
+            </a:r>
+          </a:p>
+          <a:p>
+            <a:r>
+              <a:rPr lang="en-US" sz="2800" dirty="0">
+                <a:solidFill>
+                  <a:srgbClr val="DE411B"/>
+                </a:solidFill>
+              </a:rPr>
+              <a:t>Class object</a:t>
+            </a:r>
+          </a:p>
+          <a:p>
+            <a:r>
+              <a:rPr lang="en-US" sz="2800" dirty="0" smtClean="0"/>
+              <a:t>IS-a and has-a relationships</a:t>
+            </a:r>
+          </a:p>
+          <a:p>
+            <a:r>
+              <a:rPr lang="en-US" sz="2800" dirty="0" smtClean="0"/>
+              <a:t>Polymorphism</a:t>
+            </a:r>
+          </a:p>
+          <a:p>
+            <a:r>
+              <a:rPr lang="en-US" sz="2800" dirty="0" smtClean="0"/>
+              <a:t>Overriding and overloading</a:t>
+            </a:r>
+          </a:p>
+          <a:p>
+            <a:r>
+              <a:rPr lang="en-US" sz="2800" dirty="0" smtClean="0"/>
+              <a:t>Constructors</a:t>
+            </a:r>
+          </a:p>
+          <a:p>
+            <a:r>
+              <a:rPr lang="en-US" sz="2800" dirty="0" smtClean="0"/>
+              <a:t>Assignments and casting</a:t>
+            </a:r>
+            <a:endParaRPr lang="en-GB" sz="2800" dirty="0"/>
+          </a:p>
+        </p:txBody>
+      </p:sp>
+    </p:spTree>
+    <p:extLst>
+      <p:ext uri="{BB962C8B-B14F-4D97-AF65-F5344CB8AC3E}">
+        <p14:creationId xmlns:p14="http://schemas.microsoft.com/office/powerpoint/2010/main" val="3210020250"/>
+      </p:ext>
+    </p:extLst>
+  </p:cSld>
+  <p:clrMapOvr>
+    <a:masterClrMapping/>
+  </p:clrMapOvr>
+  <p:timing>
+    <p:tnLst>
+      <p:par>
+        <p:cTn id="1" dur="indefinite" restart="never" nodeType="tmRoot"/>
+      </p:par>
+    </p:tnLst>
+  </p:timing>
+</p:sld>
+</file>
+
+<file path=ppt/slides/slide12.xml><?xml version="1.0" encoding="utf-8"?>
+<p:sld xmlns:a="http://schemas.openxmlformats.org/drawingml/2006/main" xmlns:r="http://schemas.openxmlformats.org/officeDocument/2006/relationships" xmlns:p="http://schemas.openxmlformats.org/presentationml/2006/main">
+  <p:cSld>
+    <p:spTree>
+      <p:nvGrpSpPr>
+        <p:cNvPr id="1" name=""/>
+        <p:cNvGrpSpPr/>
+        <p:nvPr/>
+      </p:nvGrpSpPr>
+      <p:grpSpPr>
+        <a:xfrm>
+          <a:off x="0" y="0"/>
+          <a:ext cx="0" cy="0"/>
+          <a:chOff x="0" y="0"/>
+          <a:chExt cx="0" cy="0"/>
+        </a:xfrm>
+      </p:grpSpPr>
+      <p:sp>
+        <p:nvSpPr>
+          <p:cNvPr id="2" name="Title 1"/>
+          <p:cNvSpPr>
+            <a:spLocks noGrp="1"/>
+          </p:cNvSpPr>
+          <p:nvPr>
+            <p:ph type="title"/>
+          </p:nvPr>
+        </p:nvSpPr>
+        <p:spPr/>
+        <p:txBody>
+          <a:bodyPr/>
+          <a:lstStyle/>
+          <a:p>
+            <a:pPr algn="l"/>
+            <a:r>
+              <a:rPr lang="en-US" dirty="0" smtClean="0">
+                <a:solidFill>
+                  <a:srgbClr val="DE411B"/>
+                </a:solidFill>
+              </a:rPr>
+              <a:t/>
+            </a:r>
+            <a:br>
+              <a:rPr lang="en-US" dirty="0" smtClean="0">
+                <a:solidFill>
+                  <a:srgbClr val="DE411B"/>
+                </a:solidFill>
+              </a:rPr>
+            </a:br>
+            <a:r>
+              <a:rPr lang="en-US" dirty="0" smtClean="0">
+                <a:solidFill>
+                  <a:schemeClr val="tx1"/>
+                </a:solidFill>
+              </a:rPr>
+              <a:t>class object</a:t>
+            </a:r>
+            <a:endParaRPr lang="en-US" dirty="0"/>
+          </a:p>
+        </p:txBody>
+      </p:sp>
+      <p:sp>
+        <p:nvSpPr>
+          <p:cNvPr id="17" name="Content Placeholder 16"/>
+          <p:cNvSpPr>
+            <a:spLocks noGrp="1"/>
+          </p:cNvSpPr>
+          <p:nvPr>
+            <p:ph idx="22"/>
+          </p:nvPr>
+        </p:nvSpPr>
+        <p:spPr>
+          <a:xfrm>
+            <a:off x="1395882" y="2210319"/>
+            <a:ext cx="2879785" cy="3343815"/>
+          </a:xfrm>
+        </p:spPr>
+        <p:txBody>
+          <a:bodyPr/>
+          <a:lstStyle/>
+          <a:p>
+            <a:pPr marL="285750" indent="-285750" algn="l">
+              <a:buFont typeface="Arial" panose="020B0604020202020204" pitchFamily="34" charset="0"/>
+              <a:buChar char="•"/>
+            </a:pPr>
+            <a:r>
+              <a:rPr lang="en-US" dirty="0" smtClean="0"/>
+              <a:t>Every class in Java is a subclass of class </a:t>
+            </a:r>
+            <a:r>
+              <a:rPr lang="en-US" dirty="0" smtClean="0">
+                <a:latin typeface="Consolas" pitchFamily="49" charset="0"/>
+              </a:rPr>
+              <a:t>Object</a:t>
+            </a:r>
+          </a:p>
+          <a:p>
+            <a:pPr marL="285750" indent="-285750" algn="l">
+              <a:buFont typeface="Arial" panose="020B0604020202020204" pitchFamily="34" charset="0"/>
+              <a:buChar char="•"/>
+            </a:pPr>
+            <a:r>
+              <a:rPr lang="en-US" dirty="0"/>
+              <a:t>The </a:t>
+            </a:r>
+            <a:r>
+              <a:rPr lang="en-US" dirty="0" smtClean="0">
+                <a:latin typeface="Consolas" pitchFamily="49" charset="0"/>
+              </a:rPr>
+              <a:t>Object</a:t>
+            </a:r>
+            <a:r>
+              <a:rPr lang="en-US" dirty="0" smtClean="0"/>
+              <a:t> </a:t>
+            </a:r>
+            <a:r>
+              <a:rPr lang="en-US" dirty="0"/>
+              <a:t>class, defined in the </a:t>
+            </a:r>
+            <a:r>
+              <a:rPr lang="en-US" dirty="0" err="1">
+                <a:latin typeface="Consolas" pitchFamily="49" charset="0"/>
+              </a:rPr>
+              <a:t>java.lang</a:t>
+            </a:r>
+            <a:r>
+              <a:rPr lang="en-US" dirty="0"/>
+              <a:t> package, defines and implements behavior common to all </a:t>
+            </a:r>
+            <a:r>
+              <a:rPr lang="en-US" dirty="0" smtClean="0"/>
+              <a:t>classes</a:t>
+            </a:r>
+            <a:endParaRPr lang="en-US" dirty="0" smtClean="0">
+              <a:latin typeface="Consolas" pitchFamily="49" charset="0"/>
+            </a:endParaRPr>
+          </a:p>
+          <a:p>
+            <a:pPr marL="285750" indent="-285750" algn="l">
+              <a:buFont typeface="Arial" panose="020B0604020202020204" pitchFamily="34" charset="0"/>
+              <a:buChar char="•"/>
+            </a:pPr>
+            <a:endParaRPr lang="en-US" dirty="0" smtClean="0"/>
+          </a:p>
+        </p:txBody>
+      </p:sp>
+      <p:pic>
+        <p:nvPicPr>
+          <p:cNvPr id="3074" name="Picture 2"/>
+          <p:cNvPicPr>
+            <a:picLocks noChangeAspect="1" noChangeArrowheads="1"/>
+          </p:cNvPicPr>
+          <p:nvPr/>
+        </p:nvPicPr>
+        <p:blipFill>
+          <a:blip r:embed="rId2">
+            <a:extLst>
+              <a:ext uri="{28A0092B-C50C-407E-A947-70E740481C1C}">
+                <a14:useLocalDpi xmlns:a14="http://schemas.microsoft.com/office/drawing/2010/main" val="0"/>
+              </a:ext>
+            </a:extLst>
+          </a:blip>
+          <a:srcRect/>
+          <a:stretch>
+            <a:fillRect/>
+          </a:stretch>
+        </p:blipFill>
+        <p:spPr bwMode="auto">
+          <a:xfrm>
+            <a:off x="4691591" y="2082270"/>
+            <a:ext cx="6838950" cy="2981325"/>
+          </a:xfrm>
+          <a:prstGeom prst="rect">
+            <a:avLst/>
+          </a:prstGeom>
+          <a:noFill/>
+          <a:ln>
+            <a:noFill/>
+          </a:ln>
+          <a:effectLst/>
+          <a:extLst>
+            <a:ext uri="{909E8E84-426E-40DD-AFC4-6F175D3DCCD1}">
+              <a14:hiddenFill xmlns:a14="http://schemas.microsoft.com/office/drawing/2010/main">
+                <a:solidFill>
+                  <a:schemeClr val="accent1"/>
+                </a:solidFill>
+              </a14:hiddenFill>
+            </a:ext>
+            <a:ext uri="{91240B29-F687-4F45-9708-019B960494DF}">
+              <a14:hiddenLine xmlns:a14="http://schemas.microsoft.com/office/drawing/2010/main" w="9525">
+                <a:solidFill>
+                  <a:schemeClr val="tx1"/>
+                </a:solidFill>
+                <a:miter lim="800000"/>
+                <a:headEnd/>
+                <a:tailEnd/>
+              </a14:hiddenLine>
+            </a:ext>
+            <a:ext uri="{AF507438-7753-43E0-B8FC-AC1667EBCBE1}">
+              <a14:hiddenEffects xmlns:a14="http://schemas.microsoft.com/office/drawing/2010/main">
+                <a:effectLst>
+                  <a:outerShdw dist="35921" dir="2700000" algn="ctr" rotWithShape="0">
+                    <a:schemeClr val="bg2"/>
+                  </a:outerShdw>
+                </a:effectLst>
+              </a14:hiddenEffects>
+            </a:ext>
+          </a:extLst>
+        </p:spPr>
+      </p:pic>
+    </p:spTree>
+    <p:extLst>
+      <p:ext uri="{BB962C8B-B14F-4D97-AF65-F5344CB8AC3E}">
+        <p14:creationId xmlns:p14="http://schemas.microsoft.com/office/powerpoint/2010/main" val="272082547"/>
+      </p:ext>
+    </p:extLst>
+  </p:cSld>
+  <p:clrMapOvr>
+    <a:masterClrMapping/>
+  </p:clrMapOvr>
+</p:sld>
+</file>
+
+<file path=ppt/slides/slide13.xml><?xml version="1.0" encoding="utf-8"?>
+<p:sld xmlns:a="http://schemas.openxmlformats.org/drawingml/2006/main" xmlns:r="http://schemas.openxmlformats.org/officeDocument/2006/relationships" xmlns:p="http://schemas.openxmlformats.org/presentationml/2006/main">
+  <p:cSld>
+    <p:spTree>
+      <p:nvGrpSpPr>
+        <p:cNvPr id="1" name=""/>
+        <p:cNvGrpSpPr/>
+        <p:nvPr/>
+      </p:nvGrpSpPr>
+      <p:grpSpPr>
+        <a:xfrm>
+          <a:off x="0" y="0"/>
+          <a:ext cx="0" cy="0"/>
+          <a:chOff x="0" y="0"/>
+          <a:chExt cx="0" cy="0"/>
+        </a:xfrm>
+      </p:grpSpPr>
+      <p:sp>
+        <p:nvSpPr>
+          <p:cNvPr id="2" name="Title 1"/>
+          <p:cNvSpPr>
+            <a:spLocks noGrp="1"/>
+          </p:cNvSpPr>
+          <p:nvPr>
+            <p:ph type="title"/>
+          </p:nvPr>
+        </p:nvSpPr>
+        <p:spPr/>
+        <p:txBody>
+          <a:bodyPr/>
+          <a:lstStyle/>
+          <a:p>
+            <a:r>
+              <a:rPr lang="en-US" dirty="0">
+                <a:solidFill>
+                  <a:srgbClr val="DE411B"/>
+                </a:solidFill>
+              </a:rPr>
+              <a:t/>
+            </a:r>
+            <a:br>
+              <a:rPr lang="en-US" dirty="0">
+                <a:solidFill>
+                  <a:srgbClr val="DE411B"/>
+                </a:solidFill>
+              </a:rPr>
+            </a:br>
+            <a:r>
+              <a:rPr lang="en-US" dirty="0">
+                <a:solidFill>
+                  <a:schemeClr val="tx1"/>
+                </a:solidFill>
+              </a:rPr>
+              <a:t>class object</a:t>
+            </a:r>
+            <a:endParaRPr lang="ro-RO" dirty="0"/>
+          </a:p>
+        </p:txBody>
+      </p:sp>
+      <p:pic>
+        <p:nvPicPr>
+          <p:cNvPr id="4098" name="Picture 2"/>
+          <p:cNvPicPr>
+            <a:picLocks noChangeAspect="1" noChangeArrowheads="1"/>
+          </p:cNvPicPr>
+          <p:nvPr/>
+        </p:nvPicPr>
+        <p:blipFill>
+          <a:blip r:embed="rId2">
+            <a:extLst>
+              <a:ext uri="{28A0092B-C50C-407E-A947-70E740481C1C}">
+                <a14:useLocalDpi xmlns:a14="http://schemas.microsoft.com/office/drawing/2010/main" val="0"/>
+              </a:ext>
+            </a:extLst>
+          </a:blip>
+          <a:srcRect/>
+          <a:stretch>
+            <a:fillRect/>
+          </a:stretch>
+        </p:blipFill>
+        <p:spPr bwMode="auto">
+          <a:xfrm>
+            <a:off x="1150409" y="2455333"/>
+            <a:ext cx="4743450" cy="2438400"/>
+          </a:xfrm>
+          <a:prstGeom prst="rect">
+            <a:avLst/>
+          </a:prstGeom>
+          <a:noFill/>
+          <a:ln>
+            <a:noFill/>
+          </a:ln>
+          <a:effectLst/>
+          <a:extLst>
+            <a:ext uri="{909E8E84-426E-40DD-AFC4-6F175D3DCCD1}">
+              <a14:hiddenFill xmlns:a14="http://schemas.microsoft.com/office/drawing/2010/main">
+                <a:solidFill>
+                  <a:schemeClr val="accent1"/>
+                </a:solidFill>
+              </a14:hiddenFill>
+            </a:ext>
+            <a:ext uri="{91240B29-F687-4F45-9708-019B960494DF}">
+              <a14:hiddenLine xmlns:a14="http://schemas.microsoft.com/office/drawing/2010/main" w="9525">
+                <a:solidFill>
+                  <a:schemeClr val="tx1"/>
+                </a:solidFill>
+                <a:miter lim="800000"/>
+                <a:headEnd/>
+                <a:tailEnd/>
+              </a14:hiddenLine>
+            </a:ext>
+            <a:ext uri="{AF507438-7753-43E0-B8FC-AC1667EBCBE1}">
+              <a14:hiddenEffects xmlns:a14="http://schemas.microsoft.com/office/drawing/2010/main">
+                <a:effectLst>
+                  <a:outerShdw dist="35921" dir="2700000" algn="ctr" rotWithShape="0">
+                    <a:schemeClr val="bg2"/>
+                  </a:outerShdw>
+                </a:effectLst>
+              </a14:hiddenEffects>
+            </a:ext>
+          </a:extLst>
+        </p:spPr>
+      </p:pic>
+      <p:pic>
+        <p:nvPicPr>
+          <p:cNvPr id="4099" name="Picture 3"/>
+          <p:cNvPicPr>
+            <a:picLocks noChangeAspect="1" noChangeArrowheads="1"/>
+          </p:cNvPicPr>
+          <p:nvPr/>
+        </p:nvPicPr>
+        <p:blipFill>
+          <a:blip r:embed="rId3">
+            <a:extLst>
+              <a:ext uri="{28A0092B-C50C-407E-A947-70E740481C1C}">
+                <a14:useLocalDpi xmlns:a14="http://schemas.microsoft.com/office/drawing/2010/main" val="0"/>
+              </a:ext>
+            </a:extLst>
+          </a:blip>
+          <a:srcRect/>
+          <a:stretch>
+            <a:fillRect/>
+          </a:stretch>
+        </p:blipFill>
+        <p:spPr bwMode="auto">
+          <a:xfrm>
+            <a:off x="8685741" y="3232150"/>
+            <a:ext cx="2914650" cy="476250"/>
+          </a:xfrm>
+          <a:prstGeom prst="rect">
+            <a:avLst/>
+          </a:prstGeom>
+          <a:noFill/>
+          <a:ln>
+            <a:noFill/>
+          </a:ln>
+          <a:effectLst/>
+          <a:extLst>
+            <a:ext uri="{909E8E84-426E-40DD-AFC4-6F175D3DCCD1}">
+              <a14:hiddenFill xmlns:a14="http://schemas.microsoft.com/office/drawing/2010/main">
+                <a:solidFill>
+                  <a:schemeClr val="accent1"/>
+                </a:solidFill>
+              </a14:hiddenFill>
+            </a:ext>
+            <a:ext uri="{91240B29-F687-4F45-9708-019B960494DF}">
+              <a14:hiddenLine xmlns:a14="http://schemas.microsoft.com/office/drawing/2010/main" w="9525">
+                <a:solidFill>
+                  <a:schemeClr val="tx1"/>
+                </a:solidFill>
+                <a:miter lim="800000"/>
+                <a:headEnd/>
+                <a:tailEnd/>
+              </a14:hiddenLine>
+            </a:ext>
+            <a:ext uri="{AF507438-7753-43E0-B8FC-AC1667EBCBE1}">
+              <a14:hiddenEffects xmlns:a14="http://schemas.microsoft.com/office/drawing/2010/main">
+                <a:effectLst>
+                  <a:outerShdw dist="35921" dir="2700000" algn="ctr" rotWithShape="0">
+                    <a:schemeClr val="bg2"/>
+                  </a:outerShdw>
+                </a:effectLst>
+              </a14:hiddenEffects>
+            </a:ext>
+          </a:extLst>
+        </p:spPr>
+      </p:pic>
+      <p:cxnSp>
+        <p:nvCxnSpPr>
+          <p:cNvPr id="4" name="Straight Arrow Connector 3"/>
+          <p:cNvCxnSpPr/>
+          <p:nvPr/>
+        </p:nvCxnSpPr>
+        <p:spPr>
+          <a:xfrm>
+            <a:off x="6316133" y="3470275"/>
+            <a:ext cx="1854200" cy="0"/>
+          </a:xfrm>
+          <a:prstGeom prst="straightConnector1">
+            <a:avLst/>
+          </a:prstGeom>
+          <a:ln>
+            <a:tailEnd type="arrow"/>
+          </a:ln>
+        </p:spPr>
+        <p:style>
+          <a:lnRef idx="1">
+            <a:schemeClr val="accent1"/>
+          </a:lnRef>
+          <a:fillRef idx="0">
+            <a:schemeClr val="accent1"/>
+          </a:fillRef>
+          <a:effectRef idx="0">
+            <a:schemeClr val="accent1"/>
+          </a:effectRef>
+          <a:fontRef idx="minor">
+            <a:schemeClr val="tx1"/>
+          </a:fontRef>
+        </p:style>
+      </p:cxnSp>
+      <p:sp>
+        <p:nvSpPr>
+          <p:cNvPr id="5" name="TextBox 4"/>
+          <p:cNvSpPr txBox="1"/>
+          <p:nvPr/>
+        </p:nvSpPr>
+        <p:spPr>
+          <a:xfrm>
+            <a:off x="6807200" y="3124200"/>
+            <a:ext cx="1007533" cy="369332"/>
+          </a:xfrm>
+          <a:prstGeom prst="rect">
+            <a:avLst/>
+          </a:prstGeom>
+          <a:noFill/>
+        </p:spPr>
+        <p:txBody>
+          <a:bodyPr wrap="square" rtlCol="0">
+            <a:spAutoFit/>
+          </a:bodyPr>
+          <a:lstStyle/>
+          <a:p>
+            <a:r>
+              <a:rPr lang="en-US" dirty="0" smtClean="0"/>
+              <a:t>output</a:t>
+            </a:r>
+            <a:endParaRPr lang="ro-RO" dirty="0"/>
+          </a:p>
+        </p:txBody>
+      </p:sp>
+    </p:spTree>
+    <p:extLst>
+      <p:ext uri="{BB962C8B-B14F-4D97-AF65-F5344CB8AC3E}">
+        <p14:creationId xmlns:p14="http://schemas.microsoft.com/office/powerpoint/2010/main" val="840004726"/>
+      </p:ext>
+    </p:extLst>
+  </p:cSld>
+  <p:clrMapOvr>
+    <a:masterClrMapping/>
+  </p:clrMapOvr>
+</p:sld>
+</file>
+
+<file path=ppt/slides/slide14.xml><?xml version="1.0" encoding="utf-8"?>
+<p:sld xmlns:a="http://schemas.openxmlformats.org/drawingml/2006/main" xmlns:r="http://schemas.openxmlformats.org/officeDocument/2006/relationships" xmlns:p="http://schemas.openxmlformats.org/presentationml/2006/main">
+  <p:cSld>
+    <p:spTree>
+      <p:nvGrpSpPr>
+        <p:cNvPr id="1" name=""/>
+        <p:cNvGrpSpPr/>
+        <p:nvPr/>
+      </p:nvGrpSpPr>
+      <p:grpSpPr>
+        <a:xfrm>
+          <a:off x="0" y="0"/>
+          <a:ext cx="0" cy="0"/>
+          <a:chOff x="0" y="0"/>
+          <a:chExt cx="0" cy="0"/>
+        </a:xfrm>
+      </p:grpSpPr>
+      <p:sp>
+        <p:nvSpPr>
+          <p:cNvPr id="2" name="Title 1"/>
+          <p:cNvSpPr>
+            <a:spLocks noGrp="1"/>
+          </p:cNvSpPr>
+          <p:nvPr>
+            <p:ph type="title"/>
+          </p:nvPr>
+        </p:nvSpPr>
+        <p:spPr/>
+        <p:txBody>
+          <a:bodyPr/>
+          <a:lstStyle/>
+          <a:p>
+            <a:pPr algn="ctr"/>
+            <a:r>
+              <a:rPr lang="en-US" dirty="0" smtClean="0"/>
+              <a:t>agenda</a:t>
+            </a:r>
+            <a:endParaRPr lang="en-GB" dirty="0"/>
+          </a:p>
+        </p:txBody>
+      </p:sp>
+      <p:sp>
+        <p:nvSpPr>
+          <p:cNvPr id="3" name="Content Placeholder 2"/>
+          <p:cNvSpPr>
+            <a:spLocks noGrp="1"/>
+          </p:cNvSpPr>
+          <p:nvPr>
+            <p:ph idx="14"/>
+          </p:nvPr>
+        </p:nvSpPr>
+        <p:spPr/>
+        <p:txBody>
+          <a:bodyPr/>
+          <a:lstStyle/>
+          <a:p>
+            <a:r>
+              <a:rPr lang="en-US" sz="2800" dirty="0"/>
+              <a:t>Encapsulation</a:t>
+            </a:r>
+          </a:p>
+          <a:p>
+            <a:r>
+              <a:rPr lang="en-US" sz="2800" dirty="0"/>
+              <a:t>inheritance</a:t>
+            </a:r>
+          </a:p>
+          <a:p>
+            <a:r>
+              <a:rPr lang="en-US" sz="2800" dirty="0"/>
+              <a:t>Class object</a:t>
+            </a:r>
+          </a:p>
+          <a:p>
+            <a:r>
+              <a:rPr lang="en-US" sz="2800" dirty="0">
+                <a:solidFill>
+                  <a:srgbClr val="DE411B"/>
+                </a:solidFill>
+              </a:rPr>
+              <a:t>IS-a and has-a relationships</a:t>
+            </a:r>
+          </a:p>
+          <a:p>
+            <a:r>
+              <a:rPr lang="en-US" sz="2800" dirty="0" smtClean="0"/>
+              <a:t>Polymorphism</a:t>
+            </a:r>
+          </a:p>
+          <a:p>
+            <a:r>
+              <a:rPr lang="en-US" sz="2800" dirty="0" smtClean="0"/>
+              <a:t>Overriding and overloading</a:t>
+            </a:r>
+          </a:p>
+          <a:p>
+            <a:r>
+              <a:rPr lang="en-US" sz="2800" dirty="0" smtClean="0"/>
+              <a:t>Constructors</a:t>
+            </a:r>
+          </a:p>
+          <a:p>
+            <a:r>
+              <a:rPr lang="en-US" sz="2800" dirty="0" smtClean="0"/>
+              <a:t>Assignments and casting</a:t>
+            </a:r>
+            <a:endParaRPr lang="en-GB" sz="2800" dirty="0"/>
+          </a:p>
+        </p:txBody>
+      </p:sp>
+    </p:spTree>
+    <p:extLst>
+      <p:ext uri="{BB962C8B-B14F-4D97-AF65-F5344CB8AC3E}">
+        <p14:creationId xmlns:p14="http://schemas.microsoft.com/office/powerpoint/2010/main" val="1234839602"/>
+      </p:ext>
+    </p:extLst>
+  </p:cSld>
+  <p:clrMapOvr>
+    <a:masterClrMapping/>
+  </p:clrMapOvr>
+  <p:timing>
+    <p:tnLst>
+      <p:par>
+        <p:cTn id="1" dur="indefinite" restart="never" nodeType="tmRoot"/>
+      </p:par>
+    </p:tnLst>
+  </p:timing>
+</p:sld>
+</file>
+
+<file path=ppt/slides/slide15.xml><?xml version="1.0" encoding="utf-8"?>
+<p:sld xmlns:a="http://schemas.openxmlformats.org/drawingml/2006/main" xmlns:r="http://schemas.openxmlformats.org/officeDocument/2006/relationships" xmlns:p="http://schemas.openxmlformats.org/presentationml/2006/main">
+  <p:cSld>
+    <p:spTree>
+      <p:nvGrpSpPr>
+        <p:cNvPr id="1" name=""/>
+        <p:cNvGrpSpPr/>
+        <p:nvPr/>
+      </p:nvGrpSpPr>
+      <p:grpSpPr>
+        <a:xfrm>
+          <a:off x="0" y="0"/>
+          <a:ext cx="0" cy="0"/>
+          <a:chOff x="0" y="0"/>
+          <a:chExt cx="0" cy="0"/>
+        </a:xfrm>
+      </p:grpSpPr>
+      <p:sp>
+        <p:nvSpPr>
+          <p:cNvPr id="2" name="Title 1"/>
+          <p:cNvSpPr>
+            <a:spLocks noGrp="1"/>
+          </p:cNvSpPr>
+          <p:nvPr>
+            <p:ph type="title"/>
+          </p:nvPr>
+        </p:nvSpPr>
+        <p:spPr/>
+        <p:txBody>
+          <a:bodyPr/>
+          <a:lstStyle/>
+          <a:p>
+            <a:r>
+              <a:rPr lang="en-US" dirty="0" smtClean="0">
+                <a:solidFill>
+                  <a:schemeClr val="tx1"/>
+                </a:solidFill>
+              </a:rPr>
+              <a:t/>
+            </a:r>
+            <a:br>
+              <a:rPr lang="en-US" dirty="0" smtClean="0">
+                <a:solidFill>
+                  <a:schemeClr val="tx1"/>
+                </a:solidFill>
+              </a:rPr>
+            </a:br>
+            <a:r>
+              <a:rPr lang="en-US" dirty="0">
+                <a:solidFill>
+                  <a:schemeClr val="tx1"/>
+                </a:solidFill>
+              </a:rPr>
+              <a:t>IS-a and has-a relationships</a:t>
+            </a:r>
+            <a:endParaRPr lang="en-US" dirty="0">
+              <a:solidFill>
+                <a:schemeClr val="tx1"/>
+              </a:solidFill>
+            </a:endParaRPr>
+          </a:p>
+        </p:txBody>
+      </p:sp>
+      <p:sp>
+        <p:nvSpPr>
+          <p:cNvPr id="17" name="Content Placeholder 16"/>
+          <p:cNvSpPr>
+            <a:spLocks noGrp="1"/>
+          </p:cNvSpPr>
+          <p:nvPr>
+            <p:ph idx="22"/>
+          </p:nvPr>
+        </p:nvSpPr>
+        <p:spPr>
+          <a:xfrm>
+            <a:off x="1395883" y="2548466"/>
+            <a:ext cx="4488452" cy="3268134"/>
+          </a:xfrm>
+        </p:spPr>
+        <p:txBody>
+          <a:bodyPr/>
+          <a:lstStyle/>
+          <a:p>
+            <a:pPr marL="285750" indent="-285750" algn="l">
+              <a:buFont typeface="Arial" panose="020B0604020202020204" pitchFamily="34" charset="0"/>
+              <a:buChar char="•"/>
+            </a:pPr>
+            <a:r>
+              <a:rPr lang="en-US" dirty="0" smtClean="0"/>
+              <a:t>The concept of IS-A is based on class inheritance</a:t>
+            </a:r>
+            <a:endParaRPr lang="en-US" dirty="0" smtClean="0">
+              <a:latin typeface="Consolas" pitchFamily="49" charset="0"/>
+            </a:endParaRPr>
+          </a:p>
+          <a:p>
+            <a:pPr marL="285750" indent="-285750" algn="l">
+              <a:buFont typeface="Arial" panose="020B0604020202020204" pitchFamily="34" charset="0"/>
+              <a:buChar char="•"/>
+            </a:pPr>
+            <a:r>
+              <a:rPr lang="en-US" dirty="0" smtClean="0"/>
+              <a:t>In Java the IS-A relationship is expressed through the keyword </a:t>
+            </a:r>
+            <a:r>
+              <a:rPr lang="en-US" dirty="0" smtClean="0">
+                <a:latin typeface="Consolas" pitchFamily="49" charset="0"/>
+              </a:rPr>
+              <a:t>extends </a:t>
+            </a:r>
+            <a:r>
+              <a:rPr lang="en-US" dirty="0" smtClean="0"/>
+              <a:t>(for classes) and </a:t>
+            </a:r>
+            <a:r>
+              <a:rPr lang="en-US" dirty="0" smtClean="0">
+                <a:latin typeface="Consolas" pitchFamily="49" charset="0"/>
+              </a:rPr>
+              <a:t>implements </a:t>
+            </a:r>
+            <a:r>
+              <a:rPr lang="en-US" dirty="0" smtClean="0"/>
+              <a:t>(for interfaces)</a:t>
+            </a:r>
+          </a:p>
+          <a:p>
+            <a:pPr marL="285750" indent="-285750" algn="l">
+              <a:buFont typeface="Arial" panose="020B0604020202020204" pitchFamily="34" charset="0"/>
+              <a:buChar char="•"/>
+            </a:pPr>
+            <a:r>
+              <a:rPr lang="en-US" dirty="0" smtClean="0">
+                <a:latin typeface="Consolas" pitchFamily="49" charset="0"/>
+              </a:rPr>
+              <a:t>Mammal </a:t>
+            </a:r>
+            <a:r>
+              <a:rPr lang="en-US" dirty="0" smtClean="0"/>
+              <a:t>IS-A  </a:t>
+            </a:r>
+            <a:r>
+              <a:rPr lang="en-US" dirty="0" smtClean="0">
+                <a:latin typeface="Consolas" pitchFamily="49" charset="0"/>
+              </a:rPr>
+              <a:t>Animal</a:t>
+            </a:r>
+          </a:p>
+          <a:p>
+            <a:pPr marL="285750" indent="-285750" algn="l">
+              <a:buFont typeface="Arial" panose="020B0604020202020204" pitchFamily="34" charset="0"/>
+              <a:buChar char="•"/>
+            </a:pPr>
+            <a:r>
+              <a:rPr lang="en-US" dirty="0" smtClean="0">
+                <a:latin typeface="Consolas" pitchFamily="49" charset="0"/>
+              </a:rPr>
+              <a:t>Zebra </a:t>
+            </a:r>
+            <a:r>
+              <a:rPr lang="en-US" dirty="0" smtClean="0"/>
+              <a:t>IS-A</a:t>
+            </a:r>
+            <a:r>
+              <a:rPr lang="en-US" dirty="0" smtClean="0">
+                <a:latin typeface="Consolas" pitchFamily="49" charset="0"/>
+              </a:rPr>
+              <a:t> Mammal</a:t>
+            </a:r>
+          </a:p>
+          <a:p>
+            <a:pPr marL="285750" indent="-285750" algn="l">
+              <a:buFont typeface="Arial" panose="020B0604020202020204" pitchFamily="34" charset="0"/>
+              <a:buChar char="•"/>
+            </a:pPr>
+            <a:r>
+              <a:rPr lang="en-US" dirty="0" smtClean="0">
+                <a:latin typeface="Consolas" pitchFamily="49" charset="0"/>
+              </a:rPr>
+              <a:t>Zebra </a:t>
+            </a:r>
+            <a:r>
+              <a:rPr lang="en-US" dirty="0" smtClean="0"/>
+              <a:t>IS-A</a:t>
+            </a:r>
+            <a:r>
+              <a:rPr lang="en-US" dirty="0" smtClean="0">
+                <a:latin typeface="Consolas" pitchFamily="49" charset="0"/>
+              </a:rPr>
+              <a:t> Animal</a:t>
+            </a:r>
+          </a:p>
+          <a:p>
+            <a:pPr marL="285750" indent="-285750" algn="l">
+              <a:buFont typeface="Arial" panose="020B0604020202020204" pitchFamily="34" charset="0"/>
+              <a:buChar char="•"/>
+            </a:pPr>
+            <a:endParaRPr lang="en-US" dirty="0" smtClean="0">
+              <a:latin typeface="Consolas" pitchFamily="49" charset="0"/>
+            </a:endParaRPr>
+          </a:p>
+          <a:p>
+            <a:pPr algn="l"/>
+            <a:endParaRPr lang="en-US" dirty="0" smtClean="0">
+              <a:latin typeface="Consolas" pitchFamily="49" charset="0"/>
+            </a:endParaRPr>
+          </a:p>
+          <a:p>
+            <a:pPr marL="285750" indent="-285750" algn="l">
+              <a:buFont typeface="Arial" panose="020B0604020202020204" pitchFamily="34" charset="0"/>
+              <a:buChar char="•"/>
+            </a:pPr>
+            <a:endParaRPr lang="en-US" dirty="0" smtClean="0"/>
+          </a:p>
+        </p:txBody>
+      </p:sp>
+      <p:sp>
+        <p:nvSpPr>
+          <p:cNvPr id="5" name="Content Placeholder 2"/>
+          <p:cNvSpPr>
+            <a:spLocks noGrp="1"/>
+          </p:cNvSpPr>
+          <p:nvPr>
+            <p:ph idx="19"/>
+          </p:nvPr>
+        </p:nvSpPr>
+        <p:spPr>
+          <a:xfrm>
+            <a:off x="3556100" y="1663407"/>
+            <a:ext cx="4790956" cy="424732"/>
+          </a:xfrm>
+        </p:spPr>
+        <p:txBody>
+          <a:bodyPr/>
+          <a:lstStyle/>
+          <a:p>
+            <a:r>
+              <a:rPr lang="en-US" dirty="0" smtClean="0"/>
+              <a:t>IS-a</a:t>
+            </a:r>
+            <a:endParaRPr lang="en-US" dirty="0"/>
+          </a:p>
+        </p:txBody>
+      </p:sp>
+      <p:sp>
+        <p:nvSpPr>
+          <p:cNvPr id="3" name="TextBox 2"/>
+          <p:cNvSpPr txBox="1"/>
+          <p:nvPr/>
+        </p:nvSpPr>
+        <p:spPr>
+          <a:xfrm>
+            <a:off x="7766052" y="2623865"/>
+            <a:ext cx="1113365" cy="369332"/>
+          </a:xfrm>
+          <a:prstGeom prst="rect">
+            <a:avLst/>
+          </a:prstGeom>
+          <a:noFill/>
+          <a:ln>
+            <a:solidFill>
+              <a:schemeClr val="tx1"/>
+            </a:solidFill>
+          </a:ln>
+        </p:spPr>
+        <p:txBody>
+          <a:bodyPr wrap="square" rtlCol="0">
+            <a:spAutoFit/>
+          </a:bodyPr>
+          <a:lstStyle/>
+          <a:p>
+            <a:r>
+              <a:rPr lang="en-US" dirty="0" smtClean="0"/>
+              <a:t>ANIMAL</a:t>
+            </a:r>
+            <a:endParaRPr lang="ro-RO" dirty="0"/>
+          </a:p>
+        </p:txBody>
+      </p:sp>
+      <p:sp>
+        <p:nvSpPr>
+          <p:cNvPr id="7" name="TextBox 6"/>
+          <p:cNvSpPr txBox="1"/>
+          <p:nvPr/>
+        </p:nvSpPr>
+        <p:spPr>
+          <a:xfrm>
+            <a:off x="6798736" y="3656799"/>
+            <a:ext cx="3047998" cy="369332"/>
+          </a:xfrm>
+          <a:prstGeom prst="rect">
+            <a:avLst/>
+          </a:prstGeom>
+          <a:noFill/>
+          <a:ln>
+            <a:solidFill>
+              <a:schemeClr val="tx1"/>
+            </a:solidFill>
+          </a:ln>
+        </p:spPr>
+        <p:txBody>
+          <a:bodyPr wrap="square" rtlCol="0">
+            <a:spAutoFit/>
+          </a:bodyPr>
+          <a:lstStyle/>
+          <a:p>
+            <a:r>
+              <a:rPr lang="en-US" dirty="0" smtClean="0"/>
+              <a:t>MAMMAL extends ANIMAL</a:t>
+            </a:r>
+            <a:endParaRPr lang="ro-RO" dirty="0"/>
+          </a:p>
+        </p:txBody>
+      </p:sp>
+      <p:sp>
+        <p:nvSpPr>
+          <p:cNvPr id="8" name="TextBox 7"/>
+          <p:cNvSpPr txBox="1"/>
+          <p:nvPr/>
+        </p:nvSpPr>
+        <p:spPr>
+          <a:xfrm>
+            <a:off x="6798735" y="4705064"/>
+            <a:ext cx="3047999" cy="369332"/>
+          </a:xfrm>
+          <a:prstGeom prst="rect">
+            <a:avLst/>
+          </a:prstGeom>
+          <a:noFill/>
+          <a:ln>
+            <a:solidFill>
+              <a:schemeClr val="tx1"/>
+            </a:solidFill>
+          </a:ln>
+        </p:spPr>
+        <p:txBody>
+          <a:bodyPr wrap="square" rtlCol="0">
+            <a:spAutoFit/>
+          </a:bodyPr>
+          <a:lstStyle/>
+          <a:p>
+            <a:r>
+              <a:rPr lang="en-US" dirty="0" smtClean="0"/>
+              <a:t>ZEBRA extends MAMMAL</a:t>
+            </a:r>
+            <a:endParaRPr lang="ro-RO" dirty="0"/>
+          </a:p>
+        </p:txBody>
+      </p:sp>
+      <p:cxnSp>
+        <p:nvCxnSpPr>
+          <p:cNvPr id="6" name="Straight Arrow Connector 5"/>
+          <p:cNvCxnSpPr>
+            <a:stCxn id="8" idx="0"/>
+            <a:endCxn id="7" idx="2"/>
+          </p:cNvCxnSpPr>
+          <p:nvPr/>
+        </p:nvCxnSpPr>
+        <p:spPr>
+          <a:xfrm flipV="1">
+            <a:off x="8322735" y="4026131"/>
+            <a:ext cx="0" cy="678933"/>
+          </a:xfrm>
+          <a:prstGeom prst="straightConnector1">
+            <a:avLst/>
+          </a:prstGeom>
+          <a:ln>
+            <a:tailEnd type="arrow"/>
+          </a:ln>
+        </p:spPr>
+        <p:style>
+          <a:lnRef idx="1">
+            <a:schemeClr val="accent1"/>
+          </a:lnRef>
+          <a:fillRef idx="0">
+            <a:schemeClr val="accent1"/>
+          </a:fillRef>
+          <a:effectRef idx="0">
+            <a:schemeClr val="accent1"/>
+          </a:effectRef>
+          <a:fontRef idx="minor">
+            <a:schemeClr val="tx1"/>
+          </a:fontRef>
+        </p:style>
+      </p:cxnSp>
+      <p:cxnSp>
+        <p:nvCxnSpPr>
+          <p:cNvPr id="14" name="Straight Arrow Connector 13"/>
+          <p:cNvCxnSpPr>
+            <a:stCxn id="7" idx="0"/>
+            <a:endCxn id="3" idx="2"/>
+          </p:cNvCxnSpPr>
+          <p:nvPr/>
+        </p:nvCxnSpPr>
+        <p:spPr>
+          <a:xfrm flipV="1">
+            <a:off x="8322735" y="2993197"/>
+            <a:ext cx="0" cy="663602"/>
+          </a:xfrm>
+          <a:prstGeom prst="straightConnector1">
+            <a:avLst/>
+          </a:prstGeom>
+          <a:ln>
+            <a:tailEnd type="arrow"/>
+          </a:ln>
+        </p:spPr>
+        <p:style>
+          <a:lnRef idx="1">
+            <a:schemeClr val="accent1"/>
+          </a:lnRef>
+          <a:fillRef idx="0">
+            <a:schemeClr val="accent1"/>
+          </a:fillRef>
+          <a:effectRef idx="0">
+            <a:schemeClr val="accent1"/>
+          </a:effectRef>
+          <a:fontRef idx="minor">
+            <a:schemeClr val="tx1"/>
+          </a:fontRef>
+        </p:style>
+      </p:cxnSp>
+    </p:spTree>
+    <p:extLst>
+      <p:ext uri="{BB962C8B-B14F-4D97-AF65-F5344CB8AC3E}">
+        <p14:creationId xmlns:p14="http://schemas.microsoft.com/office/powerpoint/2010/main" val="3105751427"/>
+      </p:ext>
+    </p:extLst>
+  </p:cSld>
+  <p:clrMapOvr>
+    <a:masterClrMapping/>
+  </p:clrMapOvr>
+</p:sld>
+</file>
+
+<file path=ppt/slides/slide16.xml><?xml version="1.0" encoding="utf-8"?>
+<p:sld xmlns:a="http://schemas.openxmlformats.org/drawingml/2006/main" xmlns:r="http://schemas.openxmlformats.org/officeDocument/2006/relationships" xmlns:p="http://schemas.openxmlformats.org/presentationml/2006/main">
+  <p:cSld>
+    <p:spTree>
+      <p:nvGrpSpPr>
+        <p:cNvPr id="1" name=""/>
+        <p:cNvGrpSpPr/>
+        <p:nvPr/>
+      </p:nvGrpSpPr>
+      <p:grpSpPr>
+        <a:xfrm>
+          <a:off x="0" y="0"/>
+          <a:ext cx="0" cy="0"/>
+          <a:chOff x="0" y="0"/>
+          <a:chExt cx="0" cy="0"/>
+        </a:xfrm>
+      </p:grpSpPr>
+      <p:sp>
+        <p:nvSpPr>
+          <p:cNvPr id="2" name="Title 1"/>
+          <p:cNvSpPr>
+            <a:spLocks noGrp="1"/>
+          </p:cNvSpPr>
+          <p:nvPr>
+            <p:ph type="title"/>
+          </p:nvPr>
+        </p:nvSpPr>
+        <p:spPr/>
+        <p:txBody>
+          <a:bodyPr/>
+          <a:lstStyle/>
+          <a:p>
+            <a:r>
+              <a:rPr lang="en-US" dirty="0" smtClean="0">
+                <a:solidFill>
+                  <a:schemeClr val="tx1"/>
+                </a:solidFill>
+              </a:rPr>
+              <a:t/>
+            </a:r>
+            <a:br>
+              <a:rPr lang="en-US" dirty="0" smtClean="0">
+                <a:solidFill>
+                  <a:schemeClr val="tx1"/>
+                </a:solidFill>
+              </a:rPr>
+            </a:br>
+            <a:r>
+              <a:rPr lang="en-US" dirty="0">
+                <a:solidFill>
+                  <a:schemeClr val="tx1"/>
+                </a:solidFill>
+              </a:rPr>
+              <a:t>IS-a and has-a relationships</a:t>
+            </a:r>
+            <a:endParaRPr lang="en-US" dirty="0">
+              <a:solidFill>
+                <a:schemeClr val="tx1"/>
+              </a:solidFill>
+            </a:endParaRPr>
+          </a:p>
+        </p:txBody>
+      </p:sp>
+      <p:sp>
+        <p:nvSpPr>
+          <p:cNvPr id="17" name="Content Placeholder 16"/>
+          <p:cNvSpPr>
+            <a:spLocks noGrp="1"/>
+          </p:cNvSpPr>
+          <p:nvPr>
+            <p:ph idx="22"/>
+          </p:nvPr>
+        </p:nvSpPr>
+        <p:spPr>
+          <a:xfrm>
+            <a:off x="1395883" y="2548466"/>
+            <a:ext cx="4488452" cy="1591734"/>
+          </a:xfrm>
+        </p:spPr>
+        <p:txBody>
+          <a:bodyPr/>
+          <a:lstStyle/>
+          <a:p>
+            <a:pPr marL="285750" indent="-285750" algn="l">
+              <a:buFont typeface="Arial" panose="020B0604020202020204" pitchFamily="34" charset="0"/>
+              <a:buChar char="•"/>
+            </a:pPr>
+            <a:r>
+              <a:rPr lang="en-US" dirty="0" smtClean="0"/>
+              <a:t>HAS-A relationships are based on usage, rather than inheritance</a:t>
+            </a:r>
+            <a:endParaRPr lang="en-US" dirty="0" smtClean="0">
+              <a:latin typeface="Consolas" pitchFamily="49" charset="0"/>
+            </a:endParaRPr>
+          </a:p>
+          <a:p>
+            <a:pPr marL="285750" indent="-285750" algn="l">
+              <a:buFont typeface="Arial" panose="020B0604020202020204" pitchFamily="34" charset="0"/>
+              <a:buChar char="•"/>
+            </a:pPr>
+            <a:r>
+              <a:rPr lang="en-US" dirty="0" smtClean="0"/>
+              <a:t>Class A HAS-A B is code in class A has a reference to an instance of class B</a:t>
+            </a:r>
+          </a:p>
+          <a:p>
+            <a:pPr marL="285750" indent="-285750" algn="l">
+              <a:buFont typeface="Arial" panose="020B0604020202020204" pitchFamily="34" charset="0"/>
+              <a:buChar char="•"/>
+            </a:pPr>
+            <a:r>
+              <a:rPr lang="en-US" dirty="0" smtClean="0">
+                <a:latin typeface="Consolas" pitchFamily="49" charset="0"/>
+              </a:rPr>
+              <a:t>Parrot </a:t>
+            </a:r>
+            <a:r>
+              <a:rPr lang="en-US" dirty="0" smtClean="0"/>
+              <a:t>HAS-A</a:t>
+            </a:r>
+            <a:r>
+              <a:rPr lang="en-US" dirty="0" smtClean="0">
+                <a:latin typeface="Consolas" pitchFamily="49" charset="0"/>
+              </a:rPr>
+              <a:t> Nest</a:t>
+            </a:r>
+          </a:p>
+          <a:p>
+            <a:pPr algn="l"/>
+            <a:endParaRPr lang="en-US" dirty="0" smtClean="0">
+              <a:latin typeface="Consolas" pitchFamily="49" charset="0"/>
+            </a:endParaRPr>
+          </a:p>
+          <a:p>
+            <a:pPr marL="285750" indent="-285750" algn="l">
+              <a:buFont typeface="Arial" panose="020B0604020202020204" pitchFamily="34" charset="0"/>
+              <a:buChar char="•"/>
+            </a:pPr>
+            <a:endParaRPr lang="en-US" dirty="0" smtClean="0"/>
+          </a:p>
+        </p:txBody>
+      </p:sp>
+      <p:sp>
+        <p:nvSpPr>
+          <p:cNvPr id="5" name="Content Placeholder 2"/>
+          <p:cNvSpPr>
+            <a:spLocks noGrp="1"/>
+          </p:cNvSpPr>
+          <p:nvPr>
+            <p:ph idx="19"/>
+          </p:nvPr>
+        </p:nvSpPr>
+        <p:spPr>
+          <a:xfrm>
+            <a:off x="3556100" y="1663407"/>
+            <a:ext cx="4790956" cy="424732"/>
+          </a:xfrm>
+        </p:spPr>
+        <p:txBody>
+          <a:bodyPr/>
+          <a:lstStyle/>
+          <a:p>
+            <a:r>
+              <a:rPr lang="en-US" dirty="0" smtClean="0"/>
+              <a:t>HAS</a:t>
+            </a:r>
+            <a:r>
+              <a:rPr lang="en-US" dirty="0" smtClean="0"/>
+              <a:t>-a</a:t>
+            </a:r>
+            <a:endParaRPr lang="en-US" dirty="0"/>
+          </a:p>
+        </p:txBody>
+      </p:sp>
+      <p:pic>
+        <p:nvPicPr>
+          <p:cNvPr id="5122" name="Picture 2"/>
+          <p:cNvPicPr>
+            <a:picLocks noChangeAspect="1" noChangeArrowheads="1"/>
+          </p:cNvPicPr>
+          <p:nvPr/>
+        </p:nvPicPr>
+        <p:blipFill>
+          <a:blip r:embed="rId2">
+            <a:extLst>
+              <a:ext uri="{28A0092B-C50C-407E-A947-70E740481C1C}">
+                <a14:useLocalDpi xmlns:a14="http://schemas.microsoft.com/office/drawing/2010/main" val="0"/>
+              </a:ext>
+            </a:extLst>
+          </a:blip>
+          <a:srcRect/>
+          <a:stretch>
+            <a:fillRect/>
+          </a:stretch>
+        </p:blipFill>
+        <p:spPr bwMode="auto">
+          <a:xfrm>
+            <a:off x="5991225" y="2595563"/>
+            <a:ext cx="5086350" cy="1362075"/>
+          </a:xfrm>
+          <a:prstGeom prst="rect">
+            <a:avLst/>
+          </a:prstGeom>
+          <a:noFill/>
+          <a:ln>
+            <a:noFill/>
+          </a:ln>
+          <a:effectLst/>
+          <a:extLst>
+            <a:ext uri="{909E8E84-426E-40DD-AFC4-6F175D3DCCD1}">
+              <a14:hiddenFill xmlns:a14="http://schemas.microsoft.com/office/drawing/2010/main">
+                <a:solidFill>
+                  <a:schemeClr val="accent1"/>
+                </a:solidFill>
+              </a14:hiddenFill>
+            </a:ext>
+            <a:ext uri="{91240B29-F687-4F45-9708-019B960494DF}">
+              <a14:hiddenLine xmlns:a14="http://schemas.microsoft.com/office/drawing/2010/main" w="9525">
+                <a:solidFill>
+                  <a:schemeClr val="tx1"/>
+                </a:solidFill>
+                <a:miter lim="800000"/>
+                <a:headEnd/>
+                <a:tailEnd/>
+              </a14:hiddenLine>
+            </a:ext>
+            <a:ext uri="{AF507438-7753-43E0-B8FC-AC1667EBCBE1}">
+              <a14:hiddenEffects xmlns:a14="http://schemas.microsoft.com/office/drawing/2010/main">
+                <a:effectLst>
+                  <a:outerShdw dist="35921" dir="2700000" algn="ctr" rotWithShape="0">
+                    <a:schemeClr val="bg2"/>
+                  </a:outerShdw>
+                </a:effectLst>
+              </a14:hiddenEffects>
+            </a:ext>
+          </a:extLst>
+        </p:spPr>
+      </p:pic>
+      <p:pic>
+        <p:nvPicPr>
+          <p:cNvPr id="5123" name="Picture 3"/>
+          <p:cNvPicPr>
+            <a:picLocks noChangeAspect="1" noChangeArrowheads="1"/>
+          </p:cNvPicPr>
+          <p:nvPr/>
+        </p:nvPicPr>
+        <p:blipFill>
+          <a:blip r:embed="rId3">
+            <a:extLst>
+              <a:ext uri="{28A0092B-C50C-407E-A947-70E740481C1C}">
+                <a14:useLocalDpi xmlns:a14="http://schemas.microsoft.com/office/drawing/2010/main" val="0"/>
+              </a:ext>
+            </a:extLst>
+          </a:blip>
+          <a:srcRect/>
+          <a:stretch>
+            <a:fillRect/>
+          </a:stretch>
+        </p:blipFill>
+        <p:spPr bwMode="auto">
+          <a:xfrm>
+            <a:off x="5991225" y="4385204"/>
+            <a:ext cx="2676525" cy="1000125"/>
+          </a:xfrm>
+          <a:prstGeom prst="rect">
+            <a:avLst/>
+          </a:prstGeom>
+          <a:noFill/>
+          <a:ln>
+            <a:noFill/>
+          </a:ln>
+          <a:effectLst/>
+          <a:extLst>
+            <a:ext uri="{909E8E84-426E-40DD-AFC4-6F175D3DCCD1}">
+              <a14:hiddenFill xmlns:a14="http://schemas.microsoft.com/office/drawing/2010/main">
+                <a:solidFill>
+                  <a:schemeClr val="accent1"/>
+                </a:solidFill>
+              </a14:hiddenFill>
+            </a:ext>
+            <a:ext uri="{91240B29-F687-4F45-9708-019B960494DF}">
+              <a14:hiddenLine xmlns:a14="http://schemas.microsoft.com/office/drawing/2010/main" w="9525">
+                <a:solidFill>
+                  <a:schemeClr val="tx1"/>
+                </a:solidFill>
+                <a:miter lim="800000"/>
+                <a:headEnd/>
+                <a:tailEnd/>
+              </a14:hiddenLine>
+            </a:ext>
+            <a:ext uri="{AF507438-7753-43E0-B8FC-AC1667EBCBE1}">
+              <a14:hiddenEffects xmlns:a14="http://schemas.microsoft.com/office/drawing/2010/main">
+                <a:effectLst>
+                  <a:outerShdw dist="35921" dir="2700000" algn="ctr" rotWithShape="0">
+                    <a:schemeClr val="bg2"/>
+                  </a:outerShdw>
+                </a:effectLst>
+              </a14:hiddenEffects>
+            </a:ext>
+          </a:extLst>
+        </p:spPr>
+      </p:pic>
+      <p:graphicFrame>
+        <p:nvGraphicFramePr>
+          <p:cNvPr id="4" name="Table 3"/>
+          <p:cNvGraphicFramePr>
+            <a:graphicFrameLocks noGrp="1"/>
+          </p:cNvGraphicFramePr>
+          <p:nvPr>
+            <p:extLst>
+              <p:ext uri="{D42A27DB-BD31-4B8C-83A1-F6EECF244321}">
+                <p14:modId xmlns:p14="http://schemas.microsoft.com/office/powerpoint/2010/main" val="818497437"/>
+              </p:ext>
+            </p:extLst>
+          </p:nvPr>
+        </p:nvGraphicFramePr>
+        <p:xfrm>
+          <a:off x="1346199" y="4385204"/>
+          <a:ext cx="1574800" cy="1166561"/>
+        </p:xfrm>
+        <a:graphic>
+          <a:graphicData uri="http://schemas.openxmlformats.org/drawingml/2006/table">
+            <a:tbl>
+              <a:tblPr firstRow="1" bandRow="1">
+                <a:tableStyleId>{2D5ABB26-0587-4C30-8999-92F81FD0307C}</a:tableStyleId>
+              </a:tblPr>
+              <a:tblGrid>
+                <a:gridCol w="1574800"/>
+              </a:tblGrid>
+              <a:tr h="328844">
+                <a:tc>
+                  <a:txBody>
+                    <a:bodyPr/>
+                    <a:lstStyle/>
+                    <a:p>
+                      <a:r>
+                        <a:rPr lang="en-US" b="1" dirty="0" smtClean="0"/>
+                        <a:t>Parrot</a:t>
+                      </a:r>
+                      <a:endParaRPr lang="ro-RO" b="1" dirty="0"/>
+                    </a:p>
+                  </a:txBody>
+                  <a:tcPr>
+                    <a:lnL w="12700" cap="flat" cmpd="sng" algn="ctr">
+                      <a:solidFill>
+                        <a:schemeClr val="tx1"/>
+                      </a:solidFill>
+                      <a:prstDash val="solid"/>
+                      <a:round/>
+                      <a:headEnd type="none" w="med" len="med"/>
+                      <a:tailEnd type="none" w="med" len="med"/>
+                    </a:lnL>
+                    <a:lnR w="12700" cap="flat" cmpd="sng" algn="ctr">
+                      <a:solidFill>
+                        <a:schemeClr val="tx1"/>
+                      </a:solidFill>
+                      <a:prstDash val="solid"/>
+                      <a:round/>
+                      <a:headEnd type="none" w="med" len="med"/>
+                      <a:tailEnd type="none" w="med" len="med"/>
+                    </a:lnR>
+                    <a:lnT w="12700" cap="flat" cmpd="sng" algn="ctr">
+                      <a:solidFill>
+                        <a:schemeClr val="tx1"/>
+                      </a:solidFill>
+                      <a:prstDash val="solid"/>
+                      <a:round/>
+                      <a:headEnd type="none" w="med" len="med"/>
+                      <a:tailEnd type="none" w="med" len="med"/>
+                    </a:lnT>
+                    <a:lnB w="12700" cap="flat" cmpd="sng" algn="ctr">
+                      <a:solidFill>
+                        <a:schemeClr val="tx1"/>
+                      </a:solidFill>
+                      <a:prstDash val="solid"/>
+                      <a:round/>
+                      <a:headEnd type="none" w="med" len="med"/>
+                      <a:tailEnd type="none" w="med" len="med"/>
+                    </a:lnB>
+                  </a:tcPr>
+                </a:tc>
+              </a:tr>
+              <a:tr h="328844">
+                <a:tc>
+                  <a:txBody>
+                    <a:bodyPr/>
+                    <a:lstStyle/>
+                    <a:p>
+                      <a:r>
+                        <a:rPr lang="en-US" dirty="0" smtClean="0">
+                          <a:latin typeface="Consolas" pitchFamily="49" charset="0"/>
+                        </a:rPr>
+                        <a:t>Nest</a:t>
+                      </a:r>
+                      <a:r>
+                        <a:rPr lang="en-US" baseline="0" dirty="0" smtClean="0">
+                          <a:latin typeface="Consolas" pitchFamily="49" charset="0"/>
+                        </a:rPr>
+                        <a:t> n</a:t>
+                      </a:r>
+                      <a:endParaRPr lang="ro-RO" dirty="0">
+                        <a:latin typeface="Consolas" pitchFamily="49" charset="0"/>
+                      </a:endParaRPr>
+                    </a:p>
+                  </a:txBody>
+                  <a:tcPr>
+                    <a:lnL w="12700" cap="flat" cmpd="sng" algn="ctr">
+                      <a:solidFill>
+                        <a:schemeClr val="tx1"/>
+                      </a:solidFill>
+                      <a:prstDash val="solid"/>
+                      <a:round/>
+                      <a:headEnd type="none" w="med" len="med"/>
+                      <a:tailEnd type="none" w="med" len="med"/>
+                    </a:lnL>
+                    <a:lnR w="12700" cap="flat" cmpd="sng" algn="ctr">
+                      <a:solidFill>
+                        <a:schemeClr val="tx1"/>
+                      </a:solidFill>
+                      <a:prstDash val="solid"/>
+                      <a:round/>
+                      <a:headEnd type="none" w="med" len="med"/>
+                      <a:tailEnd type="none" w="med" len="med"/>
+                    </a:lnR>
+                    <a:lnT w="12700" cap="flat" cmpd="sng" algn="ctr">
+                      <a:solidFill>
+                        <a:schemeClr val="tx1"/>
+                      </a:solidFill>
+                      <a:prstDash val="solid"/>
+                      <a:round/>
+                      <a:headEnd type="none" w="med" len="med"/>
+                      <a:tailEnd type="none" w="med" len="med"/>
+                    </a:lnT>
+                    <a:lnB w="12700" cap="flat" cmpd="sng" algn="ctr">
+                      <a:solidFill>
+                        <a:schemeClr val="tx1"/>
+                      </a:solidFill>
+                      <a:prstDash val="solid"/>
+                      <a:round/>
+                      <a:headEnd type="none" w="med" len="med"/>
+                      <a:tailEnd type="none" w="med" len="med"/>
+                    </a:lnB>
+                  </a:tcPr>
+                </a:tc>
+              </a:tr>
+              <a:tr h="435041">
+                <a:tc>
+                  <a:txBody>
+                    <a:bodyPr/>
+                    <a:lstStyle/>
+                    <a:p>
+                      <a:r>
+                        <a:rPr lang="en-US" dirty="0" err="1" smtClean="0">
+                          <a:latin typeface="Consolas" pitchFamily="49" charset="0"/>
+                        </a:rPr>
+                        <a:t>buildNest</a:t>
+                      </a:r>
+                      <a:r>
+                        <a:rPr lang="en-US" dirty="0" smtClean="0">
+                          <a:latin typeface="Consolas" pitchFamily="49" charset="0"/>
+                        </a:rPr>
+                        <a:t>()</a:t>
+                      </a:r>
+                      <a:endParaRPr lang="ro-RO" dirty="0">
+                        <a:latin typeface="Consolas" pitchFamily="49" charset="0"/>
+                      </a:endParaRPr>
+                    </a:p>
+                  </a:txBody>
+                  <a:tcPr>
+                    <a:lnL w="12700" cap="flat" cmpd="sng" algn="ctr">
+                      <a:solidFill>
+                        <a:schemeClr val="tx1"/>
+                      </a:solidFill>
+                      <a:prstDash val="solid"/>
+                      <a:round/>
+                      <a:headEnd type="none" w="med" len="med"/>
+                      <a:tailEnd type="none" w="med" len="med"/>
+                    </a:lnL>
+                    <a:lnR w="12700" cap="flat" cmpd="sng" algn="ctr">
+                      <a:solidFill>
+                        <a:schemeClr val="tx1"/>
+                      </a:solidFill>
+                      <a:prstDash val="solid"/>
+                      <a:round/>
+                      <a:headEnd type="none" w="med" len="med"/>
+                      <a:tailEnd type="none" w="med" len="med"/>
+                    </a:lnR>
+                    <a:lnT w="12700" cap="flat" cmpd="sng" algn="ctr">
+                      <a:solidFill>
+                        <a:schemeClr val="tx1"/>
+                      </a:solidFill>
+                      <a:prstDash val="solid"/>
+                      <a:round/>
+                      <a:headEnd type="none" w="med" len="med"/>
+                      <a:tailEnd type="none" w="med" len="med"/>
+                    </a:lnT>
+                    <a:lnB w="12700" cap="flat" cmpd="sng" algn="ctr">
+                      <a:solidFill>
+                        <a:schemeClr val="tx1"/>
+                      </a:solidFill>
+                      <a:prstDash val="solid"/>
+                      <a:round/>
+                      <a:headEnd type="none" w="med" len="med"/>
+                      <a:tailEnd type="none" w="med" len="med"/>
+                    </a:lnB>
+                  </a:tcPr>
+                </a:tc>
+              </a:tr>
+            </a:tbl>
+          </a:graphicData>
+        </a:graphic>
+      </p:graphicFrame>
+      <p:graphicFrame>
+        <p:nvGraphicFramePr>
+          <p:cNvPr id="9" name="Table 8"/>
+          <p:cNvGraphicFramePr>
+            <a:graphicFrameLocks noGrp="1"/>
+          </p:cNvGraphicFramePr>
+          <p:nvPr>
+            <p:extLst>
+              <p:ext uri="{D42A27DB-BD31-4B8C-83A1-F6EECF244321}">
+                <p14:modId xmlns:p14="http://schemas.microsoft.com/office/powerpoint/2010/main" val="815492351"/>
+              </p:ext>
+            </p:extLst>
+          </p:nvPr>
+        </p:nvGraphicFramePr>
+        <p:xfrm>
+          <a:off x="3615267" y="4541898"/>
+          <a:ext cx="1684866" cy="816699"/>
+        </p:xfrm>
+        <a:graphic>
+          <a:graphicData uri="http://schemas.openxmlformats.org/drawingml/2006/table">
+            <a:tbl>
+              <a:tblPr firstRow="1" bandRow="1">
+                <a:tableStyleId>{2D5ABB26-0587-4C30-8999-92F81FD0307C}</a:tableStyleId>
+              </a:tblPr>
+              <a:tblGrid>
+                <a:gridCol w="1684866"/>
+              </a:tblGrid>
+              <a:tr h="307297">
+                <a:tc>
+                  <a:txBody>
+                    <a:bodyPr/>
+                    <a:lstStyle/>
+                    <a:p>
+                      <a:r>
+                        <a:rPr lang="en-US" b="1" dirty="0" smtClean="0"/>
+                        <a:t>Nest</a:t>
+                      </a:r>
+                      <a:endParaRPr lang="ro-RO" b="1" dirty="0"/>
+                    </a:p>
+                  </a:txBody>
+                  <a:tcPr>
+                    <a:lnL w="12700" cap="flat" cmpd="sng" algn="ctr">
+                      <a:solidFill>
+                        <a:schemeClr val="tx1"/>
+                      </a:solidFill>
+                      <a:prstDash val="solid"/>
+                      <a:round/>
+                      <a:headEnd type="none" w="med" len="med"/>
+                      <a:tailEnd type="none" w="med" len="med"/>
+                    </a:lnL>
+                    <a:lnR w="12700" cap="flat" cmpd="sng" algn="ctr">
+                      <a:solidFill>
+                        <a:schemeClr val="tx1"/>
+                      </a:solidFill>
+                      <a:prstDash val="solid"/>
+                      <a:round/>
+                      <a:headEnd type="none" w="med" len="med"/>
+                      <a:tailEnd type="none" w="med" len="med"/>
+                    </a:lnR>
+                    <a:lnT w="12700" cap="flat" cmpd="sng" algn="ctr">
+                      <a:solidFill>
+                        <a:schemeClr val="tx1"/>
+                      </a:solidFill>
+                      <a:prstDash val="solid"/>
+                      <a:round/>
+                      <a:headEnd type="none" w="med" len="med"/>
+                      <a:tailEnd type="none" w="med" len="med"/>
+                    </a:lnT>
+                    <a:lnB w="12700" cap="flat" cmpd="sng" algn="ctr">
+                      <a:solidFill>
+                        <a:schemeClr val="tx1"/>
+                      </a:solidFill>
+                      <a:prstDash val="solid"/>
+                      <a:round/>
+                      <a:headEnd type="none" w="med" len="med"/>
+                      <a:tailEnd type="none" w="med" len="med"/>
+                    </a:lnB>
+                  </a:tcPr>
+                </a:tc>
+              </a:tr>
+              <a:tr h="450939">
+                <a:tc>
+                  <a:txBody>
+                    <a:bodyPr/>
+                    <a:lstStyle/>
+                    <a:p>
+                      <a:r>
+                        <a:rPr lang="en-US" dirty="0" err="1" smtClean="0">
+                          <a:latin typeface="Consolas" pitchFamily="49" charset="0"/>
+                        </a:rPr>
+                        <a:t>buildNest</a:t>
+                      </a:r>
+                      <a:r>
+                        <a:rPr lang="en-US" dirty="0" smtClean="0">
+                          <a:latin typeface="Consolas" pitchFamily="49" charset="0"/>
+                        </a:rPr>
+                        <a:t>()</a:t>
+                      </a:r>
+                      <a:endParaRPr lang="ro-RO" dirty="0">
+                        <a:latin typeface="Consolas" pitchFamily="49" charset="0"/>
+                      </a:endParaRPr>
+                    </a:p>
+                  </a:txBody>
+                  <a:tcPr>
+                    <a:lnL w="12700" cap="flat" cmpd="sng" algn="ctr">
+                      <a:solidFill>
+                        <a:schemeClr val="tx1"/>
+                      </a:solidFill>
+                      <a:prstDash val="solid"/>
+                      <a:round/>
+                      <a:headEnd type="none" w="med" len="med"/>
+                      <a:tailEnd type="none" w="med" len="med"/>
+                    </a:lnL>
+                    <a:lnR w="12700" cap="flat" cmpd="sng" algn="ctr">
+                      <a:solidFill>
+                        <a:schemeClr val="tx1"/>
+                      </a:solidFill>
+                      <a:prstDash val="solid"/>
+                      <a:round/>
+                      <a:headEnd type="none" w="med" len="med"/>
+                      <a:tailEnd type="none" w="med" len="med"/>
+                    </a:lnR>
+                    <a:lnT w="12700" cap="flat" cmpd="sng" algn="ctr">
+                      <a:solidFill>
+                        <a:schemeClr val="tx1"/>
+                      </a:solidFill>
+                      <a:prstDash val="solid"/>
+                      <a:round/>
+                      <a:headEnd type="none" w="med" len="med"/>
+                      <a:tailEnd type="none" w="med" len="med"/>
+                    </a:lnT>
+                    <a:lnB w="12700" cap="flat" cmpd="sng" algn="ctr">
+                      <a:solidFill>
+                        <a:schemeClr val="tx1"/>
+                      </a:solidFill>
+                      <a:prstDash val="solid"/>
+                      <a:round/>
+                      <a:headEnd type="none" w="med" len="med"/>
+                      <a:tailEnd type="none" w="med" len="med"/>
+                    </a:lnB>
+                  </a:tcPr>
+                </a:tc>
+              </a:tr>
+            </a:tbl>
+          </a:graphicData>
+        </a:graphic>
+      </p:graphicFrame>
+      <p:cxnSp>
+        <p:nvCxnSpPr>
+          <p:cNvPr id="11" name="Straight Arrow Connector 10"/>
+          <p:cNvCxnSpPr/>
+          <p:nvPr/>
+        </p:nvCxnSpPr>
+        <p:spPr>
+          <a:xfrm flipV="1">
+            <a:off x="2921000" y="5156200"/>
+            <a:ext cx="702733" cy="169333"/>
+          </a:xfrm>
+          <a:prstGeom prst="straightConnector1">
+            <a:avLst/>
+          </a:prstGeom>
+          <a:ln>
+            <a:prstDash val="sysDash"/>
+            <a:tailEnd type="arrow"/>
+          </a:ln>
+        </p:spPr>
+        <p:style>
+          <a:lnRef idx="1">
+            <a:schemeClr val="accent1"/>
+          </a:lnRef>
+          <a:fillRef idx="0">
+            <a:schemeClr val="accent1"/>
+          </a:fillRef>
+          <a:effectRef idx="0">
+            <a:schemeClr val="accent1"/>
+          </a:effectRef>
+          <a:fontRef idx="minor">
+            <a:schemeClr val="tx1"/>
+          </a:fontRef>
+        </p:style>
+      </p:cxnSp>
+    </p:spTree>
+    <p:extLst>
+      <p:ext uri="{BB962C8B-B14F-4D97-AF65-F5344CB8AC3E}">
+        <p14:creationId xmlns:p14="http://schemas.microsoft.com/office/powerpoint/2010/main" val="36473810"/>
+      </p:ext>
+    </p:extLst>
+  </p:cSld>
+  <p:clrMapOvr>
+    <a:masterClrMapping/>
+  </p:clrMapOvr>
+</p:sld>
+</file>
+
+<file path=ppt/slides/slide17.xml><?xml version="1.0" encoding="utf-8"?>
+<p:sld xmlns:a="http://schemas.openxmlformats.org/drawingml/2006/main" xmlns:r="http://schemas.openxmlformats.org/officeDocument/2006/relationships" xmlns:p="http://schemas.openxmlformats.org/presentationml/2006/main">
+  <p:cSld>
+    <p:spTree>
+      <p:nvGrpSpPr>
+        <p:cNvPr id="1" name=""/>
+        <p:cNvGrpSpPr/>
+        <p:nvPr/>
+      </p:nvGrpSpPr>
+      <p:grpSpPr>
+        <a:xfrm>
+          <a:off x="0" y="0"/>
+          <a:ext cx="0" cy="0"/>
+          <a:chOff x="0" y="0"/>
+          <a:chExt cx="0" cy="0"/>
+        </a:xfrm>
+      </p:grpSpPr>
+      <p:sp>
+        <p:nvSpPr>
+          <p:cNvPr id="2" name="Title 1"/>
+          <p:cNvSpPr>
+            <a:spLocks noGrp="1"/>
+          </p:cNvSpPr>
+          <p:nvPr>
+            <p:ph type="title"/>
+          </p:nvPr>
+        </p:nvSpPr>
+        <p:spPr/>
+        <p:txBody>
+          <a:bodyPr/>
+          <a:lstStyle/>
+          <a:p>
+            <a:pPr algn="ctr"/>
+            <a:r>
+              <a:rPr lang="en-US" dirty="0" smtClean="0"/>
+              <a:t>agenda</a:t>
+            </a:r>
+            <a:endParaRPr lang="en-GB" dirty="0"/>
+          </a:p>
+        </p:txBody>
+      </p:sp>
+      <p:sp>
+        <p:nvSpPr>
+          <p:cNvPr id="3" name="Content Placeholder 2"/>
+          <p:cNvSpPr>
+            <a:spLocks noGrp="1"/>
+          </p:cNvSpPr>
+          <p:nvPr>
+            <p:ph idx="14"/>
+          </p:nvPr>
+        </p:nvSpPr>
+        <p:spPr/>
+        <p:txBody>
+          <a:bodyPr/>
+          <a:lstStyle/>
+          <a:p>
+            <a:r>
+              <a:rPr lang="en-US" sz="2800" dirty="0"/>
+              <a:t>Encapsulation</a:t>
+            </a:r>
+          </a:p>
+          <a:p>
+            <a:r>
+              <a:rPr lang="en-US" sz="2800" dirty="0"/>
+              <a:t>inheritance</a:t>
+            </a:r>
+          </a:p>
+          <a:p>
+            <a:r>
+              <a:rPr lang="en-US" sz="2800" dirty="0"/>
+              <a:t>Class object</a:t>
+            </a:r>
+          </a:p>
+          <a:p>
+            <a:r>
+              <a:rPr lang="en-US" sz="2800" dirty="0"/>
+              <a:t>IS-a and has-a relationships</a:t>
+            </a:r>
+          </a:p>
+          <a:p>
+            <a:r>
+              <a:rPr lang="en-US" sz="2800" dirty="0">
+                <a:solidFill>
+                  <a:srgbClr val="DE411B"/>
+                </a:solidFill>
+              </a:rPr>
+              <a:t>Polymorphism</a:t>
+            </a:r>
+          </a:p>
+          <a:p>
+            <a:r>
+              <a:rPr lang="en-US" sz="2800" dirty="0" smtClean="0"/>
+              <a:t>Overriding and overloading</a:t>
+            </a:r>
+          </a:p>
+          <a:p>
+            <a:r>
+              <a:rPr lang="en-US" sz="2800" dirty="0" smtClean="0"/>
+              <a:t>Constructors</a:t>
+            </a:r>
+          </a:p>
+          <a:p>
+            <a:r>
+              <a:rPr lang="en-US" sz="2800" dirty="0" smtClean="0"/>
+              <a:t>Assignments and casting</a:t>
+            </a:r>
+            <a:endParaRPr lang="en-GB" sz="2800" dirty="0"/>
+          </a:p>
+        </p:txBody>
+      </p:sp>
+    </p:spTree>
+    <p:extLst>
+      <p:ext uri="{BB962C8B-B14F-4D97-AF65-F5344CB8AC3E}">
+        <p14:creationId xmlns:p14="http://schemas.microsoft.com/office/powerpoint/2010/main" val="2342371153"/>
+      </p:ext>
+    </p:extLst>
+  </p:cSld>
+  <p:clrMapOvr>
+    <a:masterClrMapping/>
+  </p:clrMapOvr>
+  <p:timing>
+    <p:tnLst>
+      <p:par>
+        <p:cTn id="1" dur="indefinite" restart="never" nodeType="tmRoot"/>
+      </p:par>
+    </p:tnLst>
+  </p:timing>
+</p:sld>
+</file>
+
+<file path=ppt/slides/slide18.xml><?xml version="1.0" encoding="utf-8"?>
+<p:sld xmlns:a="http://schemas.openxmlformats.org/drawingml/2006/main" xmlns:r="http://schemas.openxmlformats.org/officeDocument/2006/relationships" xmlns:p="http://schemas.openxmlformats.org/presentationml/2006/main">
+  <p:cSld>
+    <p:spTree>
+      <p:nvGrpSpPr>
+        <p:cNvPr id="1" name=""/>
+        <p:cNvGrpSpPr/>
+        <p:nvPr/>
+      </p:nvGrpSpPr>
+      <p:grpSpPr>
+        <a:xfrm>
+          <a:off x="0" y="0"/>
+          <a:ext cx="0" cy="0"/>
+          <a:chOff x="0" y="0"/>
+          <a:chExt cx="0" cy="0"/>
+        </a:xfrm>
+      </p:grpSpPr>
+      <p:sp>
+        <p:nvSpPr>
+          <p:cNvPr id="2" name="Title 1"/>
+          <p:cNvSpPr>
+            <a:spLocks noGrp="1"/>
+          </p:cNvSpPr>
+          <p:nvPr>
+            <p:ph type="title"/>
+          </p:nvPr>
+        </p:nvSpPr>
+        <p:spPr/>
+        <p:txBody>
+          <a:bodyPr/>
+          <a:lstStyle/>
+          <a:p>
+            <a:pPr algn="l"/>
+            <a:r>
+              <a:rPr lang="en-US" dirty="0" smtClean="0">
+                <a:solidFill>
+                  <a:srgbClr val="DE411B"/>
+                </a:solidFill>
+              </a:rPr>
+              <a:t/>
+            </a:r>
+            <a:br>
+              <a:rPr lang="en-US" dirty="0" smtClean="0">
+                <a:solidFill>
+                  <a:srgbClr val="DE411B"/>
+                </a:solidFill>
+              </a:rPr>
+            </a:br>
+            <a:r>
+              <a:rPr lang="en-US" dirty="0" err="1" smtClean="0">
+                <a:solidFill>
+                  <a:schemeClr val="tx1"/>
+                </a:solidFill>
+              </a:rPr>
+              <a:t>POlymorphism</a:t>
+            </a:r>
+            <a:endParaRPr lang="en-US" dirty="0"/>
+          </a:p>
+        </p:txBody>
+      </p:sp>
+      <p:sp>
+        <p:nvSpPr>
+          <p:cNvPr id="17" name="Content Placeholder 16"/>
+          <p:cNvSpPr>
+            <a:spLocks noGrp="1"/>
+          </p:cNvSpPr>
+          <p:nvPr>
+            <p:ph idx="22"/>
+          </p:nvPr>
+        </p:nvSpPr>
+        <p:spPr>
+          <a:xfrm>
+            <a:off x="1395882" y="2210319"/>
+            <a:ext cx="4632385" cy="3538548"/>
+          </a:xfrm>
+        </p:spPr>
+        <p:txBody>
+          <a:bodyPr/>
+          <a:lstStyle/>
+          <a:p>
+            <a:pPr marL="285750" indent="-285750" algn="l">
+              <a:buFont typeface="Arial" panose="020B0604020202020204" pitchFamily="34" charset="0"/>
+              <a:buChar char="•"/>
+            </a:pPr>
+            <a:r>
+              <a:rPr lang="en-US" dirty="0" smtClean="0"/>
+              <a:t>Poly = many, </a:t>
+            </a:r>
+            <a:r>
+              <a:rPr lang="en-US" dirty="0" err="1" smtClean="0"/>
+              <a:t>morphos</a:t>
+            </a:r>
+            <a:r>
+              <a:rPr lang="en-US" dirty="0" smtClean="0"/>
+              <a:t> = forms</a:t>
+            </a:r>
+          </a:p>
+          <a:p>
+            <a:pPr marL="285750" indent="-285750" algn="l">
+              <a:buFont typeface="Arial" panose="020B0604020202020204" pitchFamily="34" charset="0"/>
+              <a:buChar char="•"/>
+            </a:pPr>
+            <a:r>
+              <a:rPr lang="en-US" dirty="0" smtClean="0"/>
+              <a:t>Any Java object that can pass more than one IS-A test is polymorphic</a:t>
+            </a:r>
+          </a:p>
+          <a:p>
+            <a:pPr marL="285750" indent="-285750" algn="l">
+              <a:buFont typeface="Arial" panose="020B0604020202020204" pitchFamily="34" charset="0"/>
+              <a:buChar char="•"/>
+            </a:pPr>
+            <a:r>
+              <a:rPr lang="en-US" dirty="0" smtClean="0"/>
+              <a:t>The ability to </a:t>
+            </a:r>
+            <a:r>
+              <a:rPr lang="en-US" dirty="0"/>
+              <a:t>create </a:t>
+            </a:r>
+            <a:r>
+              <a:rPr lang="en-US" dirty="0" smtClean="0"/>
+              <a:t>methods </a:t>
+            </a:r>
+            <a:r>
+              <a:rPr lang="en-US" dirty="0"/>
+              <a:t>or reference variables which </a:t>
+            </a:r>
+            <a:r>
+              <a:rPr lang="en-US" dirty="0" smtClean="0"/>
+              <a:t>behave </a:t>
+            </a:r>
+            <a:r>
+              <a:rPr lang="en-US" dirty="0"/>
+              <a:t>differently in different programmatic </a:t>
+            </a:r>
+            <a:r>
+              <a:rPr lang="en-US" dirty="0" smtClean="0"/>
+              <a:t>contexts</a:t>
+            </a:r>
+          </a:p>
+          <a:p>
+            <a:pPr marL="285750" indent="-285750" algn="l">
+              <a:buFont typeface="Arial" panose="020B0604020202020204" pitchFamily="34" charset="0"/>
+              <a:buChar char="•"/>
+            </a:pPr>
+            <a:r>
+              <a:rPr lang="ro-RO" dirty="0"/>
+              <a:t>The </a:t>
+            </a:r>
+            <a:r>
+              <a:rPr lang="ro-RO" dirty="0">
+                <a:solidFill>
+                  <a:schemeClr val="accent1"/>
+                </a:solidFill>
+              </a:rPr>
+              <a:t>reference</a:t>
+            </a:r>
+            <a:r>
+              <a:rPr lang="ro-RO" dirty="0"/>
+              <a:t> variable’s type (not the object’s type) determines which methods </a:t>
+            </a:r>
+            <a:r>
+              <a:rPr lang="ro-RO" b="1" dirty="0"/>
+              <a:t>can</a:t>
+            </a:r>
+            <a:r>
+              <a:rPr lang="ro-RO" dirty="0"/>
+              <a:t> be called (the rest are simply not visible</a:t>
+            </a:r>
+            <a:r>
+              <a:rPr lang="ro-RO" dirty="0" smtClean="0"/>
+              <a:t>)</a:t>
+            </a:r>
+            <a:endParaRPr lang="en-US" dirty="0" smtClean="0"/>
+          </a:p>
+          <a:p>
+            <a:pPr marL="285750" indent="-285750" algn="l">
+              <a:buFont typeface="Arial" panose="020B0604020202020204" pitchFamily="34" charset="0"/>
+              <a:buChar char="•"/>
+            </a:pPr>
+            <a:endParaRPr lang="ro-RO" dirty="0"/>
+          </a:p>
+          <a:p>
+            <a:pPr marL="285750" indent="-285750" algn="l">
+              <a:buFont typeface="Arial" panose="020B0604020202020204" pitchFamily="34" charset="0"/>
+              <a:buChar char="•"/>
+            </a:pPr>
+            <a:endParaRPr lang="en-US" dirty="0" smtClean="0">
+              <a:latin typeface="Consolas" pitchFamily="49" charset="0"/>
+            </a:endParaRPr>
+          </a:p>
+          <a:p>
+            <a:pPr marL="285750" indent="-285750" algn="l">
+              <a:buFont typeface="Arial" panose="020B0604020202020204" pitchFamily="34" charset="0"/>
+              <a:buChar char="•"/>
+            </a:pPr>
+            <a:endParaRPr lang="en-US" dirty="0" smtClean="0"/>
+          </a:p>
+        </p:txBody>
+      </p:sp>
+      <p:sp>
+        <p:nvSpPr>
+          <p:cNvPr id="5" name="Content Placeholder 16"/>
+          <p:cNvSpPr>
+            <a:spLocks noGrp="1"/>
+          </p:cNvSpPr>
+          <p:nvPr>
+            <p:ph idx="22"/>
+          </p:nvPr>
+        </p:nvSpPr>
+        <p:spPr>
+          <a:xfrm>
+            <a:off x="6475882" y="2167986"/>
+            <a:ext cx="4632385" cy="3538548"/>
+          </a:xfrm>
+        </p:spPr>
+        <p:txBody>
+          <a:bodyPr/>
+          <a:lstStyle/>
+          <a:p>
+            <a:pPr marL="285750" indent="-285750" algn="l">
+              <a:buFont typeface="Arial" panose="020B0604020202020204" pitchFamily="34" charset="0"/>
+              <a:buChar char="•"/>
+            </a:pPr>
+            <a:r>
+              <a:rPr lang="ro-RO" dirty="0"/>
+              <a:t>The </a:t>
+            </a:r>
+            <a:r>
+              <a:rPr lang="ro-RO" dirty="0">
+                <a:solidFill>
+                  <a:schemeClr val="accent1"/>
+                </a:solidFill>
+              </a:rPr>
+              <a:t>object</a:t>
+            </a:r>
+            <a:r>
+              <a:rPr lang="ro-RO" dirty="0"/>
+              <a:t> type</a:t>
+            </a:r>
+            <a:r>
+              <a:rPr lang="ro-RO" b="1" dirty="0"/>
+              <a:t> </a:t>
+            </a:r>
+            <a:r>
+              <a:rPr lang="ro-RO" dirty="0"/>
+              <a:t>determines which method </a:t>
+            </a:r>
+            <a:r>
+              <a:rPr lang="ro-RO" b="1" dirty="0"/>
+              <a:t>is</a:t>
+            </a:r>
+            <a:r>
+              <a:rPr lang="ro-RO" dirty="0"/>
+              <a:t> actually </a:t>
+            </a:r>
+            <a:r>
+              <a:rPr lang="ro-RO" dirty="0" smtClean="0"/>
+              <a:t>called</a:t>
+            </a:r>
+            <a:endParaRPr lang="en-US" dirty="0" smtClean="0"/>
+          </a:p>
+          <a:p>
+            <a:pPr marL="285750" indent="-285750" algn="l">
+              <a:buFont typeface="Arial" panose="020B0604020202020204" pitchFamily="34" charset="0"/>
+              <a:buChar char="•"/>
+            </a:pPr>
+            <a:r>
+              <a:rPr lang="en-US" dirty="0" smtClean="0"/>
+              <a:t>Polymorphic method invocations apply only to </a:t>
+            </a:r>
+            <a:r>
+              <a:rPr lang="en-US" dirty="0" smtClean="0">
+                <a:solidFill>
+                  <a:schemeClr val="accent1"/>
+                </a:solidFill>
+              </a:rPr>
+              <a:t>instance methods</a:t>
+            </a:r>
+            <a:r>
+              <a:rPr lang="en-US" dirty="0" smtClean="0"/>
+              <a:t>, not static methods, not variables</a:t>
+            </a:r>
+          </a:p>
+          <a:p>
+            <a:pPr marL="285750" indent="-285750" algn="l">
+              <a:buFont typeface="Arial" panose="020B0604020202020204" pitchFamily="34" charset="0"/>
+              <a:buChar char="•"/>
+            </a:pPr>
+            <a:r>
+              <a:rPr lang="en-US" dirty="0" smtClean="0"/>
+              <a:t>Only overridden instance methods are dynamically invoked based on the real object’s type</a:t>
+            </a:r>
+          </a:p>
+        </p:txBody>
+      </p:sp>
+    </p:spTree>
+    <p:extLst>
+      <p:ext uri="{BB962C8B-B14F-4D97-AF65-F5344CB8AC3E}">
+        <p14:creationId xmlns:p14="http://schemas.microsoft.com/office/powerpoint/2010/main" val="3411901859"/>
+      </p:ext>
+    </p:extLst>
+  </p:cSld>
+  <p:clrMapOvr>
+    <a:masterClrMapping/>
+  </p:clrMapOvr>
+</p:sld>
+</file>
+
+<file path=ppt/slides/slide19.xml><?xml version="1.0" encoding="utf-8"?>
+<p:sld xmlns:a="http://schemas.openxmlformats.org/drawingml/2006/main" xmlns:r="http://schemas.openxmlformats.org/officeDocument/2006/relationships" xmlns:p="http://schemas.openxmlformats.org/presentationml/2006/main">
+  <p:cSld>
+    <p:spTree>
+      <p:nvGrpSpPr>
+        <p:cNvPr id="1" name=""/>
+        <p:cNvGrpSpPr/>
+        <p:nvPr/>
+      </p:nvGrpSpPr>
+      <p:grpSpPr>
+        <a:xfrm>
+          <a:off x="0" y="0"/>
+          <a:ext cx="0" cy="0"/>
+          <a:chOff x="0" y="0"/>
+          <a:chExt cx="0" cy="0"/>
+        </a:xfrm>
+      </p:grpSpPr>
+      <p:sp>
+        <p:nvSpPr>
+          <p:cNvPr id="2" name="Title 1"/>
+          <p:cNvSpPr>
+            <a:spLocks noGrp="1"/>
+          </p:cNvSpPr>
+          <p:nvPr>
+            <p:ph type="title"/>
+          </p:nvPr>
+        </p:nvSpPr>
+        <p:spPr/>
+        <p:txBody>
+          <a:bodyPr/>
+          <a:lstStyle/>
+          <a:p>
+            <a:r>
+              <a:rPr lang="en-US" dirty="0">
+                <a:solidFill>
+                  <a:srgbClr val="DE411B"/>
+                </a:solidFill>
+              </a:rPr>
+              <a:t/>
+            </a:r>
+            <a:br>
+              <a:rPr lang="en-US" dirty="0">
+                <a:solidFill>
+                  <a:srgbClr val="DE411B"/>
+                </a:solidFill>
+              </a:rPr>
+            </a:br>
+            <a:r>
+              <a:rPr lang="en-US" dirty="0" err="1">
+                <a:solidFill>
+                  <a:schemeClr val="tx1"/>
+                </a:solidFill>
+              </a:rPr>
+              <a:t>POlymorphism</a:t>
+            </a:r>
+            <a:endParaRPr lang="ro-RO" dirty="0"/>
+          </a:p>
+        </p:txBody>
+      </p:sp>
+      <p:pic>
+        <p:nvPicPr>
+          <p:cNvPr id="6146" name="Picture 2"/>
+          <p:cNvPicPr>
+            <a:picLocks noChangeAspect="1" noChangeArrowheads="1"/>
+          </p:cNvPicPr>
+          <p:nvPr/>
+        </p:nvPicPr>
+        <p:blipFill>
+          <a:blip r:embed="rId2">
+            <a:extLst>
+              <a:ext uri="{28A0092B-C50C-407E-A947-70E740481C1C}">
+                <a14:useLocalDpi xmlns:a14="http://schemas.microsoft.com/office/drawing/2010/main" val="0"/>
+              </a:ext>
+            </a:extLst>
+          </a:blip>
+          <a:srcRect/>
+          <a:stretch>
+            <a:fillRect/>
+          </a:stretch>
+        </p:blipFill>
+        <p:spPr bwMode="auto">
+          <a:xfrm>
+            <a:off x="1067859" y="3444347"/>
+            <a:ext cx="4705350" cy="1628775"/>
+          </a:xfrm>
+          <a:prstGeom prst="rect">
+            <a:avLst/>
+          </a:prstGeom>
+          <a:noFill/>
+          <a:ln>
+            <a:noFill/>
+          </a:ln>
+          <a:effectLst/>
+          <a:extLst>
+            <a:ext uri="{909E8E84-426E-40DD-AFC4-6F175D3DCCD1}">
+              <a14:hiddenFill xmlns:a14="http://schemas.microsoft.com/office/drawing/2010/main">
+                <a:solidFill>
+                  <a:schemeClr val="accent1"/>
+                </a:solidFill>
+              </a14:hiddenFill>
+            </a:ext>
+            <a:ext uri="{91240B29-F687-4F45-9708-019B960494DF}">
+              <a14:hiddenLine xmlns:a14="http://schemas.microsoft.com/office/drawing/2010/main" w="9525">
+                <a:solidFill>
+                  <a:schemeClr val="tx1"/>
+                </a:solidFill>
+                <a:miter lim="800000"/>
+                <a:headEnd/>
+                <a:tailEnd/>
+              </a14:hiddenLine>
+            </a:ext>
+            <a:ext uri="{AF507438-7753-43E0-B8FC-AC1667EBCBE1}">
+              <a14:hiddenEffects xmlns:a14="http://schemas.microsoft.com/office/drawing/2010/main">
+                <a:effectLst>
+                  <a:outerShdw dist="35921" dir="2700000" algn="ctr" rotWithShape="0">
+                    <a:schemeClr val="bg2"/>
+                  </a:outerShdw>
+                </a:effectLst>
+              </a14:hiddenEffects>
+            </a:ext>
+          </a:extLst>
+        </p:spPr>
+      </p:pic>
+      <p:pic>
+        <p:nvPicPr>
+          <p:cNvPr id="6147" name="Picture 3"/>
+          <p:cNvPicPr>
+            <a:picLocks noChangeAspect="1" noChangeArrowheads="1"/>
+          </p:cNvPicPr>
+          <p:nvPr/>
+        </p:nvPicPr>
+        <p:blipFill>
+          <a:blip r:embed="rId3">
+            <a:extLst>
+              <a:ext uri="{28A0092B-C50C-407E-A947-70E740481C1C}">
+                <a14:useLocalDpi xmlns:a14="http://schemas.microsoft.com/office/drawing/2010/main" val="0"/>
+              </a:ext>
+            </a:extLst>
+          </a:blip>
+          <a:srcRect/>
+          <a:stretch>
+            <a:fillRect/>
+          </a:stretch>
+        </p:blipFill>
+        <p:spPr bwMode="auto">
+          <a:xfrm>
+            <a:off x="1048808" y="2381779"/>
+            <a:ext cx="2371725" cy="638175"/>
+          </a:xfrm>
+          <a:prstGeom prst="rect">
+            <a:avLst/>
+          </a:prstGeom>
+          <a:noFill/>
+          <a:ln>
+            <a:noFill/>
+          </a:ln>
+          <a:effectLst/>
+          <a:extLst>
+            <a:ext uri="{909E8E84-426E-40DD-AFC4-6F175D3DCCD1}">
+              <a14:hiddenFill xmlns:a14="http://schemas.microsoft.com/office/drawing/2010/main">
+                <a:solidFill>
+                  <a:schemeClr val="accent1"/>
+                </a:solidFill>
+              </a14:hiddenFill>
+            </a:ext>
+            <a:ext uri="{91240B29-F687-4F45-9708-019B960494DF}">
+              <a14:hiddenLine xmlns:a14="http://schemas.microsoft.com/office/drawing/2010/main" w="9525">
+                <a:solidFill>
+                  <a:schemeClr val="tx1"/>
+                </a:solidFill>
+                <a:miter lim="800000"/>
+                <a:headEnd/>
+                <a:tailEnd/>
+              </a14:hiddenLine>
+            </a:ext>
+            <a:ext uri="{AF507438-7753-43E0-B8FC-AC1667EBCBE1}">
+              <a14:hiddenEffects xmlns:a14="http://schemas.microsoft.com/office/drawing/2010/main">
+                <a:effectLst>
+                  <a:outerShdw dist="35921" dir="2700000" algn="ctr" rotWithShape="0">
+                    <a:schemeClr val="bg2"/>
+                  </a:outerShdw>
+                </a:effectLst>
+              </a14:hiddenEffects>
+            </a:ext>
+          </a:extLst>
+        </p:spPr>
+      </p:pic>
+      <p:pic>
+        <p:nvPicPr>
+          <p:cNvPr id="6148" name="Picture 4"/>
+          <p:cNvPicPr>
+            <a:picLocks noChangeAspect="1" noChangeArrowheads="1"/>
+          </p:cNvPicPr>
+          <p:nvPr/>
+        </p:nvPicPr>
+        <p:blipFill>
+          <a:blip r:embed="rId4">
+            <a:extLst>
+              <a:ext uri="{28A0092B-C50C-407E-A947-70E740481C1C}">
+                <a14:useLocalDpi xmlns:a14="http://schemas.microsoft.com/office/drawing/2010/main" val="0"/>
+              </a:ext>
+            </a:extLst>
+          </a:blip>
+          <a:srcRect/>
+          <a:stretch>
+            <a:fillRect/>
+          </a:stretch>
+        </p:blipFill>
+        <p:spPr bwMode="auto">
+          <a:xfrm>
+            <a:off x="6753225" y="2381779"/>
+            <a:ext cx="3562350" cy="1219200"/>
+          </a:xfrm>
+          <a:prstGeom prst="rect">
+            <a:avLst/>
+          </a:prstGeom>
+          <a:noFill/>
+          <a:ln>
+            <a:noFill/>
+          </a:ln>
+          <a:effectLst/>
+          <a:extLst>
+            <a:ext uri="{909E8E84-426E-40DD-AFC4-6F175D3DCCD1}">
+              <a14:hiddenFill xmlns:a14="http://schemas.microsoft.com/office/drawing/2010/main">
+                <a:solidFill>
+                  <a:schemeClr val="accent1"/>
+                </a:solidFill>
+              </a14:hiddenFill>
+            </a:ext>
+            <a:ext uri="{91240B29-F687-4F45-9708-019B960494DF}">
+              <a14:hiddenLine xmlns:a14="http://schemas.microsoft.com/office/drawing/2010/main" w="9525">
+                <a:solidFill>
+                  <a:schemeClr val="tx1"/>
+                </a:solidFill>
+                <a:miter lim="800000"/>
+                <a:headEnd/>
+                <a:tailEnd/>
+              </a14:hiddenLine>
+            </a:ext>
+            <a:ext uri="{AF507438-7753-43E0-B8FC-AC1667EBCBE1}">
+              <a14:hiddenEffects xmlns:a14="http://schemas.microsoft.com/office/drawing/2010/main">
+                <a:effectLst>
+                  <a:outerShdw dist="35921" dir="2700000" algn="ctr" rotWithShape="0">
+                    <a:schemeClr val="bg2"/>
+                  </a:outerShdw>
+                </a:effectLst>
+              </a14:hiddenEffects>
+            </a:ext>
+          </a:extLst>
+        </p:spPr>
+      </p:pic>
+    </p:spTree>
+    <p:extLst>
+      <p:ext uri="{BB962C8B-B14F-4D97-AF65-F5344CB8AC3E}">
+        <p14:creationId xmlns:p14="http://schemas.microsoft.com/office/powerpoint/2010/main" val="1830290520"/>
+      </p:ext>
+    </p:extLst>
+  </p:cSld>
+  <p:clrMapOvr>
+    <a:masterClrMapping/>
+  </p:clrMapOvr>
+</p:sld>
+</file>
+
 <file path=ppt/slides/slide2.xml><?xml version="1.0" encoding="utf-8"?>
 <p:sld xmlns:a="http://schemas.openxmlformats.org/drawingml/2006/main" xmlns:r="http://schemas.openxmlformats.org/officeDocument/2006/relationships" xmlns:p="http://schemas.openxmlformats.org/presentationml/2006/main">
   <p:cSld>
@@ -11908,6 +14700,2447 @@
   <p:clrMapOvr>
     <a:masterClrMapping/>
   </p:clrMapOvr>
+</p:sld>
+</file>
+
+<file path=ppt/slides/slide20.xml><?xml version="1.0" encoding="utf-8"?>
+<p:sld xmlns:a="http://schemas.openxmlformats.org/drawingml/2006/main" xmlns:r="http://schemas.openxmlformats.org/officeDocument/2006/relationships" xmlns:p="http://schemas.openxmlformats.org/presentationml/2006/main">
+  <p:cSld>
+    <p:spTree>
+      <p:nvGrpSpPr>
+        <p:cNvPr id="1" name=""/>
+        <p:cNvGrpSpPr/>
+        <p:nvPr/>
+      </p:nvGrpSpPr>
+      <p:grpSpPr>
+        <a:xfrm>
+          <a:off x="0" y="0"/>
+          <a:ext cx="0" cy="0"/>
+          <a:chOff x="0" y="0"/>
+          <a:chExt cx="0" cy="0"/>
+        </a:xfrm>
+      </p:grpSpPr>
+      <p:sp>
+        <p:nvSpPr>
+          <p:cNvPr id="2" name="Title 1"/>
+          <p:cNvSpPr>
+            <a:spLocks noGrp="1"/>
+          </p:cNvSpPr>
+          <p:nvPr>
+            <p:ph type="title"/>
+          </p:nvPr>
+        </p:nvSpPr>
+        <p:spPr/>
+        <p:txBody>
+          <a:bodyPr/>
+          <a:lstStyle/>
+          <a:p>
+            <a:pPr algn="ctr"/>
+            <a:r>
+              <a:rPr lang="en-US" dirty="0" smtClean="0"/>
+              <a:t>agenda</a:t>
+            </a:r>
+            <a:endParaRPr lang="en-GB" dirty="0"/>
+          </a:p>
+        </p:txBody>
+      </p:sp>
+      <p:sp>
+        <p:nvSpPr>
+          <p:cNvPr id="3" name="Content Placeholder 2"/>
+          <p:cNvSpPr>
+            <a:spLocks noGrp="1"/>
+          </p:cNvSpPr>
+          <p:nvPr>
+            <p:ph idx="14"/>
+          </p:nvPr>
+        </p:nvSpPr>
+        <p:spPr/>
+        <p:txBody>
+          <a:bodyPr/>
+          <a:lstStyle/>
+          <a:p>
+            <a:r>
+              <a:rPr lang="en-US" sz="2800" dirty="0"/>
+              <a:t>Encapsulation</a:t>
+            </a:r>
+          </a:p>
+          <a:p>
+            <a:r>
+              <a:rPr lang="en-US" sz="2800" dirty="0"/>
+              <a:t>inheritance</a:t>
+            </a:r>
+          </a:p>
+          <a:p>
+            <a:r>
+              <a:rPr lang="en-US" sz="2800" dirty="0"/>
+              <a:t>Class object</a:t>
+            </a:r>
+          </a:p>
+          <a:p>
+            <a:r>
+              <a:rPr lang="en-US" sz="2800" dirty="0"/>
+              <a:t>IS-a and has-a relationships</a:t>
+            </a:r>
+          </a:p>
+          <a:p>
+            <a:r>
+              <a:rPr lang="en-US" sz="2800" dirty="0"/>
+              <a:t>Polymorphism</a:t>
+            </a:r>
+          </a:p>
+          <a:p>
+            <a:r>
+              <a:rPr lang="en-US" sz="2800" dirty="0">
+                <a:solidFill>
+                  <a:srgbClr val="DE411B"/>
+                </a:solidFill>
+              </a:rPr>
+              <a:t>Overriding and overloading</a:t>
+            </a:r>
+          </a:p>
+          <a:p>
+            <a:r>
+              <a:rPr lang="en-US" sz="2800" dirty="0" smtClean="0"/>
+              <a:t>Constructors</a:t>
+            </a:r>
+          </a:p>
+          <a:p>
+            <a:r>
+              <a:rPr lang="en-US" sz="2800" dirty="0" smtClean="0"/>
+              <a:t>Assignments and casting</a:t>
+            </a:r>
+            <a:endParaRPr lang="en-GB" sz="2800" dirty="0"/>
+          </a:p>
+        </p:txBody>
+      </p:sp>
+    </p:spTree>
+    <p:extLst>
+      <p:ext uri="{BB962C8B-B14F-4D97-AF65-F5344CB8AC3E}">
+        <p14:creationId xmlns:p14="http://schemas.microsoft.com/office/powerpoint/2010/main" val="2789478335"/>
+      </p:ext>
+    </p:extLst>
+  </p:cSld>
+  <p:clrMapOvr>
+    <a:masterClrMapping/>
+  </p:clrMapOvr>
+  <p:timing>
+    <p:tnLst>
+      <p:par>
+        <p:cTn id="1" dur="indefinite" restart="never" nodeType="tmRoot"/>
+      </p:par>
+    </p:tnLst>
+  </p:timing>
+</p:sld>
+</file>
+
+<file path=ppt/slides/slide21.xml><?xml version="1.0" encoding="utf-8"?>
+<p:sld xmlns:a="http://schemas.openxmlformats.org/drawingml/2006/main" xmlns:r="http://schemas.openxmlformats.org/officeDocument/2006/relationships" xmlns:p="http://schemas.openxmlformats.org/presentationml/2006/main">
+  <p:cSld>
+    <p:spTree>
+      <p:nvGrpSpPr>
+        <p:cNvPr id="1" name=""/>
+        <p:cNvGrpSpPr/>
+        <p:nvPr/>
+      </p:nvGrpSpPr>
+      <p:grpSpPr>
+        <a:xfrm>
+          <a:off x="0" y="0"/>
+          <a:ext cx="0" cy="0"/>
+          <a:chOff x="0" y="0"/>
+          <a:chExt cx="0" cy="0"/>
+        </a:xfrm>
+      </p:grpSpPr>
+      <p:sp>
+        <p:nvSpPr>
+          <p:cNvPr id="2" name="Title 1"/>
+          <p:cNvSpPr>
+            <a:spLocks noGrp="1"/>
+          </p:cNvSpPr>
+          <p:nvPr>
+            <p:ph type="title"/>
+          </p:nvPr>
+        </p:nvSpPr>
+        <p:spPr/>
+        <p:txBody>
+          <a:bodyPr/>
+          <a:lstStyle/>
+          <a:p>
+            <a:pPr algn="l"/>
+            <a:r>
+              <a:rPr lang="en-US" dirty="0" smtClean="0">
+                <a:solidFill>
+                  <a:srgbClr val="DE411B"/>
+                </a:solidFill>
+              </a:rPr>
+              <a:t/>
+            </a:r>
+            <a:br>
+              <a:rPr lang="en-US" dirty="0" smtClean="0">
+                <a:solidFill>
+                  <a:srgbClr val="DE411B"/>
+                </a:solidFill>
+              </a:rPr>
+            </a:br>
+            <a:r>
+              <a:rPr lang="en-US" dirty="0" smtClean="0">
+                <a:solidFill>
+                  <a:schemeClr val="tx1"/>
+                </a:solidFill>
+              </a:rPr>
+              <a:t>overriding and overloading</a:t>
+            </a:r>
+            <a:endParaRPr lang="en-US" dirty="0"/>
+          </a:p>
+        </p:txBody>
+      </p:sp>
+      <p:sp>
+        <p:nvSpPr>
+          <p:cNvPr id="17" name="Content Placeholder 16"/>
+          <p:cNvSpPr>
+            <a:spLocks noGrp="1"/>
+          </p:cNvSpPr>
+          <p:nvPr>
+            <p:ph idx="22"/>
+          </p:nvPr>
+        </p:nvSpPr>
+        <p:spPr>
+          <a:xfrm>
+            <a:off x="1395882" y="2210319"/>
+            <a:ext cx="4632385" cy="3538548"/>
+          </a:xfrm>
+        </p:spPr>
+        <p:txBody>
+          <a:bodyPr/>
+          <a:lstStyle/>
+          <a:p>
+            <a:pPr marL="285750" indent="-285750" algn="l">
+              <a:buFont typeface="Arial" panose="020B0604020202020204" pitchFamily="34" charset="0"/>
+              <a:buChar char="•"/>
+            </a:pPr>
+            <a:r>
+              <a:rPr lang="en-US" dirty="0" smtClean="0"/>
+              <a:t>Overriding is the ability to define behavior that’s specific to a particular subclass type</a:t>
+            </a:r>
+          </a:p>
+          <a:p>
+            <a:pPr marL="285750" indent="-285750" algn="l">
+              <a:buFont typeface="Arial" panose="020B0604020202020204" pitchFamily="34" charset="0"/>
+              <a:buChar char="•"/>
+            </a:pPr>
+            <a:r>
+              <a:rPr lang="en-US" dirty="0" smtClean="0"/>
+              <a:t>The</a:t>
+            </a:r>
+            <a:r>
+              <a:rPr lang="en-US" dirty="0"/>
+              <a:t> argument list in </a:t>
+            </a:r>
+            <a:r>
+              <a:rPr lang="en-US" dirty="0" smtClean="0"/>
+              <a:t>the overridden </a:t>
+            </a:r>
+            <a:r>
+              <a:rPr lang="en-US" dirty="0"/>
+              <a:t>and overriding methods must be </a:t>
+            </a:r>
+            <a:r>
+              <a:rPr lang="en-US" dirty="0" smtClean="0"/>
+              <a:t>exactly the </a:t>
+            </a:r>
+            <a:r>
+              <a:rPr lang="en-US" dirty="0"/>
+              <a:t>same</a:t>
+            </a:r>
+          </a:p>
+          <a:p>
+            <a:pPr marL="285750" indent="-285750" algn="l">
+              <a:buFont typeface="Arial" panose="020B0604020202020204" pitchFamily="34" charset="0"/>
+              <a:buChar char="•"/>
+            </a:pPr>
+            <a:r>
+              <a:rPr lang="en-US" dirty="0"/>
+              <a:t>The return type of </a:t>
+            </a:r>
+            <a:r>
+              <a:rPr lang="en-US" dirty="0" smtClean="0"/>
+              <a:t>the overriding </a:t>
+            </a:r>
+            <a:r>
+              <a:rPr lang="en-US" dirty="0"/>
+              <a:t>method can be </a:t>
+            </a:r>
+            <a:r>
+              <a:rPr lang="en-US" dirty="0" smtClean="0"/>
+              <a:t>a child </a:t>
+            </a:r>
+            <a:r>
+              <a:rPr lang="en-US" dirty="0"/>
+              <a:t>class </a:t>
+            </a:r>
+            <a:r>
+              <a:rPr lang="en-US" dirty="0" smtClean="0"/>
+              <a:t>of the </a:t>
+            </a:r>
+            <a:r>
+              <a:rPr lang="en-US" dirty="0"/>
+              <a:t>return type declared in </a:t>
+            </a:r>
+            <a:r>
+              <a:rPr lang="en-US" dirty="0" smtClean="0"/>
+              <a:t>the overridden method</a:t>
+            </a:r>
+          </a:p>
+          <a:p>
+            <a:pPr marL="285750" indent="-285750" algn="l">
+              <a:buFont typeface="Arial" panose="020B0604020202020204" pitchFamily="34" charset="0"/>
+              <a:buChar char="•"/>
+            </a:pPr>
+            <a:r>
+              <a:rPr lang="en-US" dirty="0" smtClean="0"/>
+              <a:t>The version of the overridden method is decided at runtime based on object type</a:t>
+            </a:r>
+            <a:endParaRPr lang="ro-RO" dirty="0"/>
+          </a:p>
+          <a:p>
+            <a:pPr marL="285750" indent="-285750" algn="l">
+              <a:buFont typeface="Arial" panose="020B0604020202020204" pitchFamily="34" charset="0"/>
+              <a:buChar char="•"/>
+            </a:pPr>
+            <a:endParaRPr lang="en-US" dirty="0" smtClean="0">
+              <a:latin typeface="Consolas" pitchFamily="49" charset="0"/>
+            </a:endParaRPr>
+          </a:p>
+          <a:p>
+            <a:pPr marL="285750" indent="-285750" algn="l">
+              <a:buFont typeface="Arial" panose="020B0604020202020204" pitchFamily="34" charset="0"/>
+              <a:buChar char="•"/>
+            </a:pPr>
+            <a:endParaRPr lang="en-US" dirty="0" smtClean="0"/>
+          </a:p>
+        </p:txBody>
+      </p:sp>
+      <p:sp>
+        <p:nvSpPr>
+          <p:cNvPr id="6" name="Content Placeholder 2"/>
+          <p:cNvSpPr>
+            <a:spLocks noGrp="1"/>
+          </p:cNvSpPr>
+          <p:nvPr>
+            <p:ph idx="19"/>
+          </p:nvPr>
+        </p:nvSpPr>
+        <p:spPr>
+          <a:xfrm>
+            <a:off x="3556100" y="1663407"/>
+            <a:ext cx="4790956" cy="424732"/>
+          </a:xfrm>
+        </p:spPr>
+        <p:txBody>
+          <a:bodyPr/>
+          <a:lstStyle/>
+          <a:p>
+            <a:r>
+              <a:rPr lang="en-US" dirty="0" smtClean="0"/>
+              <a:t>overriding</a:t>
+            </a:r>
+            <a:endParaRPr lang="en-US" dirty="0"/>
+          </a:p>
+        </p:txBody>
+      </p:sp>
+      <p:sp>
+        <p:nvSpPr>
+          <p:cNvPr id="7" name="Content Placeholder 16"/>
+          <p:cNvSpPr txBox="1">
+            <a:spLocks/>
+          </p:cNvSpPr>
+          <p:nvPr/>
+        </p:nvSpPr>
+        <p:spPr>
+          <a:xfrm>
+            <a:off x="6484348" y="2184919"/>
+            <a:ext cx="4632385" cy="3538548"/>
+          </a:xfrm>
+          <a:prstGeom prst="rect">
+            <a:avLst/>
+          </a:prstGeom>
+        </p:spPr>
+        <p:txBody>
+          <a:bodyPr vert="horz" lIns="0" tIns="45720" rIns="91440" bIns="45720" rtlCol="0" anchor="t" anchorCtr="0">
+            <a:noAutofit/>
+          </a:bodyPr>
+          <a:lstStyle>
+            <a:lvl1pPr marL="0" marR="0" indent="0" algn="ctr" defTabSz="914400" rtl="0" eaLnBrk="1" fontAlgn="auto" latinLnBrk="0" hangingPunct="1">
+              <a:lnSpc>
+                <a:spcPct val="90000"/>
+              </a:lnSpc>
+              <a:spcBef>
+                <a:spcPts val="1000"/>
+              </a:spcBef>
+              <a:spcAft>
+                <a:spcPts val="0"/>
+              </a:spcAft>
+              <a:buClrTx/>
+              <a:buSzTx/>
+              <a:buFont typeface="Arial" panose="020B0604020202020204" pitchFamily="34" charset="0"/>
+              <a:buNone/>
+              <a:tabLst/>
+              <a:defRPr lang="en-US" sz="1800" b="0" kern="1200" cap="none" baseline="0" dirty="0" smtClean="0">
+                <a:solidFill>
+                  <a:schemeClr val="tx1"/>
+                </a:solidFill>
+                <a:latin typeface="+mn-lt"/>
+                <a:ea typeface="Arial" charset="0"/>
+                <a:cs typeface="Arial" charset="0"/>
+              </a:defRPr>
+            </a:lvl1pPr>
+            <a:lvl2pPr marL="0" indent="0" algn="l" defTabSz="914400" rtl="0" eaLnBrk="1" latinLnBrk="0" hangingPunct="1">
+              <a:lnSpc>
+                <a:spcPct val="90000"/>
+              </a:lnSpc>
+              <a:spcBef>
+                <a:spcPts val="500"/>
+              </a:spcBef>
+              <a:buFont typeface="Arial" panose="020B0604020202020204" pitchFamily="34" charset="0"/>
+              <a:buNone/>
+              <a:defRPr sz="1600" kern="1200">
+                <a:solidFill>
+                  <a:srgbClr val="4A4E52"/>
+                </a:solidFill>
+                <a:latin typeface="+mn-lt"/>
+                <a:ea typeface="+mn-ea"/>
+                <a:cs typeface="+mn-cs"/>
+              </a:defRPr>
+            </a:lvl2pPr>
+            <a:lvl3pPr marL="1257300" indent="-342900" algn="l" defTabSz="914400" rtl="0" eaLnBrk="1" latinLnBrk="0" hangingPunct="1">
+              <a:lnSpc>
+                <a:spcPct val="90000"/>
+              </a:lnSpc>
+              <a:spcBef>
+                <a:spcPts val="500"/>
+              </a:spcBef>
+              <a:buClr>
+                <a:srgbClr val="81ADB5"/>
+              </a:buClr>
+              <a:buFont typeface="Arial" panose="020B0604020202020204" pitchFamily="34" charset="0"/>
+              <a:buChar char="•"/>
+              <a:defRPr sz="1600" kern="1200">
+                <a:solidFill>
+                  <a:srgbClr val="4A4E52"/>
+                </a:solidFill>
+                <a:latin typeface="+mn-lt"/>
+                <a:ea typeface="+mn-ea"/>
+                <a:cs typeface="+mn-cs"/>
+              </a:defRPr>
+            </a:lvl3pPr>
+            <a:lvl4pPr marL="1600200" indent="-228600" algn="l" defTabSz="914400" rtl="0" eaLnBrk="1" latinLnBrk="0" hangingPunct="1">
+              <a:lnSpc>
+                <a:spcPct val="90000"/>
+              </a:lnSpc>
+              <a:spcBef>
+                <a:spcPts val="500"/>
+              </a:spcBef>
+              <a:buFont typeface="Calibri" panose="020F0502020204030204" pitchFamily="34" charset="0"/>
+              <a:buChar char="-"/>
+              <a:defRPr sz="1500" kern="1200">
+                <a:solidFill>
+                  <a:srgbClr val="4A4E52"/>
+                </a:solidFill>
+                <a:latin typeface="+mn-lt"/>
+                <a:ea typeface="+mn-ea"/>
+                <a:cs typeface="+mn-cs"/>
+              </a:defRPr>
+            </a:lvl4pPr>
+            <a:lvl5pPr marL="2057400" indent="-228600" algn="l" defTabSz="914400" rtl="0" eaLnBrk="1" latinLnBrk="0" hangingPunct="1">
+              <a:lnSpc>
+                <a:spcPct val="90000"/>
+              </a:lnSpc>
+              <a:spcBef>
+                <a:spcPts val="500"/>
+              </a:spcBef>
+              <a:buFont typeface="Arial" panose="020B0604020202020204" pitchFamily="34" charset="0"/>
+              <a:buChar char="•"/>
+              <a:defRPr sz="1800" kern="1200">
+                <a:solidFill>
+                  <a:srgbClr val="4A4E52"/>
+                </a:solidFill>
+                <a:latin typeface="+mn-lt"/>
+                <a:ea typeface="+mn-ea"/>
+                <a:cs typeface="+mn-cs"/>
+              </a:defRPr>
+            </a:lvl5pPr>
+            <a:lvl6pPr marL="2514600" indent="-228600" algn="l" defTabSz="914400" rtl="0" eaLnBrk="1" latinLnBrk="0" hangingPunct="1">
+              <a:lnSpc>
+                <a:spcPct val="90000"/>
+              </a:lnSpc>
+              <a:spcBef>
+                <a:spcPts val="500"/>
+              </a:spcBef>
+              <a:buFont typeface="Arial" panose="020B0604020202020204" pitchFamily="34" charset="0"/>
+              <a:buChar char="•"/>
+              <a:defRPr sz="1800" kern="1200">
+                <a:solidFill>
+                  <a:schemeClr val="tx1"/>
+                </a:solidFill>
+                <a:latin typeface="+mn-lt"/>
+                <a:ea typeface="+mn-ea"/>
+                <a:cs typeface="+mn-cs"/>
+              </a:defRPr>
+            </a:lvl6pPr>
+            <a:lvl7pPr marL="2971800" indent="-228600" algn="l" defTabSz="914400" rtl="0" eaLnBrk="1" latinLnBrk="0" hangingPunct="1">
+              <a:lnSpc>
+                <a:spcPct val="90000"/>
+              </a:lnSpc>
+              <a:spcBef>
+                <a:spcPts val="500"/>
+              </a:spcBef>
+              <a:buFont typeface="Arial" panose="020B0604020202020204" pitchFamily="34" charset="0"/>
+              <a:buChar char="•"/>
+              <a:defRPr sz="1800" kern="1200">
+                <a:solidFill>
+                  <a:schemeClr val="tx1"/>
+                </a:solidFill>
+                <a:latin typeface="+mn-lt"/>
+                <a:ea typeface="+mn-ea"/>
+                <a:cs typeface="+mn-cs"/>
+              </a:defRPr>
+            </a:lvl7pPr>
+            <a:lvl8pPr marL="3429000" indent="-228600" algn="l" defTabSz="914400" rtl="0" eaLnBrk="1" latinLnBrk="0" hangingPunct="1">
+              <a:lnSpc>
+                <a:spcPct val="90000"/>
+              </a:lnSpc>
+              <a:spcBef>
+                <a:spcPts val="500"/>
+              </a:spcBef>
+              <a:buFont typeface="Arial" panose="020B0604020202020204" pitchFamily="34" charset="0"/>
+              <a:buChar char="•"/>
+              <a:defRPr sz="1800" kern="1200">
+                <a:solidFill>
+                  <a:schemeClr val="tx1"/>
+                </a:solidFill>
+                <a:latin typeface="+mn-lt"/>
+                <a:ea typeface="+mn-ea"/>
+                <a:cs typeface="+mn-cs"/>
+              </a:defRPr>
+            </a:lvl8pPr>
+            <a:lvl9pPr marL="3886200" indent="-228600" algn="l" defTabSz="914400" rtl="0" eaLnBrk="1" latinLnBrk="0" hangingPunct="1">
+              <a:lnSpc>
+                <a:spcPct val="90000"/>
+              </a:lnSpc>
+              <a:spcBef>
+                <a:spcPts val="500"/>
+              </a:spcBef>
+              <a:buFont typeface="Arial" panose="020B0604020202020204" pitchFamily="34" charset="0"/>
+              <a:buChar char="•"/>
+              <a:defRPr sz="1800" kern="1200">
+                <a:solidFill>
+                  <a:schemeClr val="tx1"/>
+                </a:solidFill>
+                <a:latin typeface="+mn-lt"/>
+                <a:ea typeface="+mn-ea"/>
+                <a:cs typeface="+mn-cs"/>
+              </a:defRPr>
+            </a:lvl9pPr>
+          </a:lstStyle>
+          <a:p>
+            <a:pPr marL="285750" indent="-285750" algn="l">
+              <a:buFont typeface="Arial" panose="020B0604020202020204" pitchFamily="34" charset="0"/>
+              <a:buChar char="•"/>
+            </a:pPr>
+            <a:r>
+              <a:rPr lang="en-US" dirty="0" smtClean="0"/>
+              <a:t>The overriding </a:t>
+            </a:r>
+            <a:r>
+              <a:rPr lang="en-US" dirty="0"/>
+              <a:t>method can not reduce the access scope of </a:t>
+            </a:r>
+            <a:r>
+              <a:rPr lang="en-US" dirty="0" smtClean="0"/>
+              <a:t>the overridden </a:t>
+            </a:r>
+            <a:r>
+              <a:rPr lang="en-US" dirty="0"/>
+              <a:t>method. (same/wider access</a:t>
+            </a:r>
+            <a:r>
+              <a:rPr lang="en-US" dirty="0" smtClean="0"/>
+              <a:t>)</a:t>
+            </a:r>
+          </a:p>
+          <a:p>
+            <a:pPr marL="285750" indent="-285750" algn="l">
+              <a:buFont typeface="Arial" panose="020B0604020202020204" pitchFamily="34" charset="0"/>
+              <a:buChar char="•"/>
+            </a:pPr>
+            <a:r>
+              <a:rPr lang="en-US" dirty="0"/>
+              <a:t>In Java </a:t>
+            </a:r>
+            <a:r>
+              <a:rPr lang="en-US" dirty="0">
+                <a:latin typeface="Consolas" pitchFamily="49" charset="0"/>
+              </a:rPr>
+              <a:t>private</a:t>
+            </a:r>
+            <a:r>
+              <a:rPr lang="en-US" dirty="0"/>
+              <a:t>, </a:t>
+            </a:r>
+            <a:r>
+              <a:rPr lang="en-US" dirty="0">
+                <a:latin typeface="Consolas" pitchFamily="49" charset="0"/>
+              </a:rPr>
+              <a:t>static</a:t>
+            </a:r>
+            <a:r>
+              <a:rPr lang="en-US" dirty="0"/>
+              <a:t> and </a:t>
+            </a:r>
+            <a:r>
+              <a:rPr lang="en-US" dirty="0">
+                <a:latin typeface="Consolas" pitchFamily="49" charset="0"/>
+              </a:rPr>
+              <a:t>final</a:t>
+            </a:r>
+            <a:r>
+              <a:rPr lang="en-US" dirty="0"/>
+              <a:t> methods can not be overridden in any way</a:t>
+            </a:r>
+          </a:p>
+          <a:p>
+            <a:pPr marL="285750" indent="-285750" algn="l">
+              <a:buFont typeface="Arial" panose="020B0604020202020204" pitchFamily="34" charset="0"/>
+              <a:buChar char="•"/>
+            </a:pPr>
+            <a:endParaRPr lang="en-US" dirty="0"/>
+          </a:p>
+          <a:p>
+            <a:pPr marL="285750" indent="-285750" algn="l">
+              <a:buFont typeface="Arial" panose="020B0604020202020204" pitchFamily="34" charset="0"/>
+              <a:buChar char="•"/>
+            </a:pPr>
+            <a:endParaRPr lang="en-US" dirty="0" smtClean="0"/>
+          </a:p>
+          <a:p>
+            <a:pPr marL="285750" indent="-285750" algn="l">
+              <a:buFont typeface="Arial" panose="020B0604020202020204" pitchFamily="34" charset="0"/>
+              <a:buChar char="•"/>
+            </a:pPr>
+            <a:endParaRPr lang="en-US" dirty="0" smtClean="0">
+              <a:latin typeface="Consolas" pitchFamily="49" charset="0"/>
+            </a:endParaRPr>
+          </a:p>
+          <a:p>
+            <a:pPr marL="285750" indent="-285750" algn="l">
+              <a:buFont typeface="Arial" panose="020B0604020202020204" pitchFamily="34" charset="0"/>
+              <a:buChar char="•"/>
+            </a:pPr>
+            <a:endParaRPr lang="en-US" dirty="0"/>
+          </a:p>
+        </p:txBody>
+      </p:sp>
+    </p:spTree>
+    <p:extLst>
+      <p:ext uri="{BB962C8B-B14F-4D97-AF65-F5344CB8AC3E}">
+        <p14:creationId xmlns:p14="http://schemas.microsoft.com/office/powerpoint/2010/main" val="465508325"/>
+      </p:ext>
+    </p:extLst>
+  </p:cSld>
+  <p:clrMapOvr>
+    <a:masterClrMapping/>
+  </p:clrMapOvr>
+</p:sld>
+</file>
+
+<file path=ppt/slides/slide22.xml><?xml version="1.0" encoding="utf-8"?>
+<p:sld xmlns:a="http://schemas.openxmlformats.org/drawingml/2006/main" xmlns:r="http://schemas.openxmlformats.org/officeDocument/2006/relationships" xmlns:p="http://schemas.openxmlformats.org/presentationml/2006/main">
+  <p:cSld>
+    <p:spTree>
+      <p:nvGrpSpPr>
+        <p:cNvPr id="1" name=""/>
+        <p:cNvGrpSpPr/>
+        <p:nvPr/>
+      </p:nvGrpSpPr>
+      <p:grpSpPr>
+        <a:xfrm>
+          <a:off x="0" y="0"/>
+          <a:ext cx="0" cy="0"/>
+          <a:chOff x="0" y="0"/>
+          <a:chExt cx="0" cy="0"/>
+        </a:xfrm>
+      </p:grpSpPr>
+      <p:sp>
+        <p:nvSpPr>
+          <p:cNvPr id="2" name="Title 1"/>
+          <p:cNvSpPr>
+            <a:spLocks noGrp="1"/>
+          </p:cNvSpPr>
+          <p:nvPr>
+            <p:ph type="title"/>
+          </p:nvPr>
+        </p:nvSpPr>
+        <p:spPr/>
+        <p:txBody>
+          <a:bodyPr/>
+          <a:lstStyle/>
+          <a:p>
+            <a:r>
+              <a:rPr lang="en-US" dirty="0">
+                <a:solidFill>
+                  <a:srgbClr val="DE411B"/>
+                </a:solidFill>
+              </a:rPr>
+              <a:t/>
+            </a:r>
+            <a:br>
+              <a:rPr lang="en-US" dirty="0">
+                <a:solidFill>
+                  <a:srgbClr val="DE411B"/>
+                </a:solidFill>
+              </a:rPr>
+            </a:br>
+            <a:r>
+              <a:rPr lang="en-US" dirty="0">
+                <a:solidFill>
+                  <a:schemeClr val="tx1"/>
+                </a:solidFill>
+              </a:rPr>
+              <a:t>overriding and overloading</a:t>
+            </a:r>
+            <a:endParaRPr lang="ro-RO" dirty="0"/>
+          </a:p>
+        </p:txBody>
+      </p:sp>
+      <p:sp>
+        <p:nvSpPr>
+          <p:cNvPr id="6" name="Content Placeholder 2"/>
+          <p:cNvSpPr>
+            <a:spLocks noGrp="1"/>
+          </p:cNvSpPr>
+          <p:nvPr>
+            <p:ph idx="19"/>
+          </p:nvPr>
+        </p:nvSpPr>
+        <p:spPr>
+          <a:xfrm>
+            <a:off x="3739089" y="1621073"/>
+            <a:ext cx="4790956" cy="424732"/>
+          </a:xfrm>
+        </p:spPr>
+        <p:txBody>
+          <a:bodyPr/>
+          <a:lstStyle/>
+          <a:p>
+            <a:r>
+              <a:rPr lang="en-US" dirty="0" smtClean="0"/>
+              <a:t>overriding</a:t>
+            </a:r>
+            <a:endParaRPr lang="en-US" dirty="0"/>
+          </a:p>
+        </p:txBody>
+      </p:sp>
+      <p:pic>
+        <p:nvPicPr>
+          <p:cNvPr id="7170" name="Picture 2"/>
+          <p:cNvPicPr>
+            <a:picLocks noChangeAspect="1" noChangeArrowheads="1"/>
+          </p:cNvPicPr>
+          <p:nvPr/>
+        </p:nvPicPr>
+        <p:blipFill>
+          <a:blip r:embed="rId2">
+            <a:extLst>
+              <a:ext uri="{28A0092B-C50C-407E-A947-70E740481C1C}">
+                <a14:useLocalDpi xmlns:a14="http://schemas.microsoft.com/office/drawing/2010/main" val="0"/>
+              </a:ext>
+            </a:extLst>
+          </a:blip>
+          <a:srcRect/>
+          <a:stretch>
+            <a:fillRect/>
+          </a:stretch>
+        </p:blipFill>
+        <p:spPr bwMode="auto">
+          <a:xfrm>
+            <a:off x="1038750" y="2603500"/>
+            <a:ext cx="5457825" cy="647700"/>
+          </a:xfrm>
+          <a:prstGeom prst="rect">
+            <a:avLst/>
+          </a:prstGeom>
+          <a:noFill/>
+          <a:ln>
+            <a:noFill/>
+          </a:ln>
+          <a:effectLst/>
+          <a:extLst>
+            <a:ext uri="{909E8E84-426E-40DD-AFC4-6F175D3DCCD1}">
+              <a14:hiddenFill xmlns:a14="http://schemas.microsoft.com/office/drawing/2010/main">
+                <a:solidFill>
+                  <a:schemeClr val="accent1"/>
+                </a:solidFill>
+              </a14:hiddenFill>
+            </a:ext>
+            <a:ext uri="{91240B29-F687-4F45-9708-019B960494DF}">
+              <a14:hiddenLine xmlns:a14="http://schemas.microsoft.com/office/drawing/2010/main" w="9525">
+                <a:solidFill>
+                  <a:schemeClr val="tx1"/>
+                </a:solidFill>
+                <a:miter lim="800000"/>
+                <a:headEnd/>
+                <a:tailEnd/>
+              </a14:hiddenLine>
+            </a:ext>
+            <a:ext uri="{AF507438-7753-43E0-B8FC-AC1667EBCBE1}">
+              <a14:hiddenEffects xmlns:a14="http://schemas.microsoft.com/office/drawing/2010/main">
+                <a:effectLst>
+                  <a:outerShdw dist="35921" dir="2700000" algn="ctr" rotWithShape="0">
+                    <a:schemeClr val="bg2"/>
+                  </a:outerShdw>
+                </a:effectLst>
+              </a14:hiddenEffects>
+            </a:ext>
+          </a:extLst>
+        </p:spPr>
+      </p:pic>
+      <p:pic>
+        <p:nvPicPr>
+          <p:cNvPr id="7171" name="Picture 3"/>
+          <p:cNvPicPr>
+            <a:picLocks noChangeAspect="1" noChangeArrowheads="1"/>
+          </p:cNvPicPr>
+          <p:nvPr/>
+        </p:nvPicPr>
+        <p:blipFill>
+          <a:blip r:embed="rId3">
+            <a:extLst>
+              <a:ext uri="{28A0092B-C50C-407E-A947-70E740481C1C}">
+                <a14:useLocalDpi xmlns:a14="http://schemas.microsoft.com/office/drawing/2010/main" val="0"/>
+              </a:ext>
+            </a:extLst>
+          </a:blip>
+          <a:srcRect/>
+          <a:stretch>
+            <a:fillRect/>
+          </a:stretch>
+        </p:blipFill>
+        <p:spPr bwMode="auto">
+          <a:xfrm>
+            <a:off x="1038749" y="3539066"/>
+            <a:ext cx="5286375" cy="1257300"/>
+          </a:xfrm>
+          <a:prstGeom prst="rect">
+            <a:avLst/>
+          </a:prstGeom>
+          <a:noFill/>
+          <a:ln>
+            <a:noFill/>
+          </a:ln>
+          <a:effectLst/>
+          <a:extLst>
+            <a:ext uri="{909E8E84-426E-40DD-AFC4-6F175D3DCCD1}">
+              <a14:hiddenFill xmlns:a14="http://schemas.microsoft.com/office/drawing/2010/main">
+                <a:solidFill>
+                  <a:schemeClr val="accent1"/>
+                </a:solidFill>
+              </a14:hiddenFill>
+            </a:ext>
+            <a:ext uri="{91240B29-F687-4F45-9708-019B960494DF}">
+              <a14:hiddenLine xmlns:a14="http://schemas.microsoft.com/office/drawing/2010/main" w="9525">
+                <a:solidFill>
+                  <a:schemeClr val="tx1"/>
+                </a:solidFill>
+                <a:miter lim="800000"/>
+                <a:headEnd/>
+                <a:tailEnd/>
+              </a14:hiddenLine>
+            </a:ext>
+            <a:ext uri="{AF507438-7753-43E0-B8FC-AC1667EBCBE1}">
+              <a14:hiddenEffects xmlns:a14="http://schemas.microsoft.com/office/drawing/2010/main">
+                <a:effectLst>
+                  <a:outerShdw dist="35921" dir="2700000" algn="ctr" rotWithShape="0">
+                    <a:schemeClr val="bg2"/>
+                  </a:outerShdw>
+                </a:effectLst>
+              </a14:hiddenEffects>
+            </a:ext>
+          </a:extLst>
+        </p:spPr>
+      </p:pic>
+      <p:pic>
+        <p:nvPicPr>
+          <p:cNvPr id="7172" name="Picture 4"/>
+          <p:cNvPicPr>
+            <a:picLocks noChangeAspect="1" noChangeArrowheads="1"/>
+          </p:cNvPicPr>
+          <p:nvPr/>
+        </p:nvPicPr>
+        <p:blipFill>
+          <a:blip r:embed="rId4">
+            <a:extLst>
+              <a:ext uri="{28A0092B-C50C-407E-A947-70E740481C1C}">
+                <a14:useLocalDpi xmlns:a14="http://schemas.microsoft.com/office/drawing/2010/main" val="0"/>
+              </a:ext>
+            </a:extLst>
+          </a:blip>
+          <a:srcRect/>
+          <a:stretch>
+            <a:fillRect/>
+          </a:stretch>
+        </p:blipFill>
+        <p:spPr bwMode="auto">
+          <a:xfrm>
+            <a:off x="6805609" y="2603500"/>
+            <a:ext cx="5229225" cy="1228725"/>
+          </a:xfrm>
+          <a:prstGeom prst="rect">
+            <a:avLst/>
+          </a:prstGeom>
+          <a:noFill/>
+          <a:ln>
+            <a:noFill/>
+          </a:ln>
+          <a:effectLst/>
+          <a:extLst>
+            <a:ext uri="{909E8E84-426E-40DD-AFC4-6F175D3DCCD1}">
+              <a14:hiddenFill xmlns:a14="http://schemas.microsoft.com/office/drawing/2010/main">
+                <a:solidFill>
+                  <a:schemeClr val="accent1"/>
+                </a:solidFill>
+              </a14:hiddenFill>
+            </a:ext>
+            <a:ext uri="{91240B29-F687-4F45-9708-019B960494DF}">
+              <a14:hiddenLine xmlns:a14="http://schemas.microsoft.com/office/drawing/2010/main" w="9525">
+                <a:solidFill>
+                  <a:schemeClr val="tx1"/>
+                </a:solidFill>
+                <a:miter lim="800000"/>
+                <a:headEnd/>
+                <a:tailEnd/>
+              </a14:hiddenLine>
+            </a:ext>
+            <a:ext uri="{AF507438-7753-43E0-B8FC-AC1667EBCBE1}">
+              <a14:hiddenEffects xmlns:a14="http://schemas.microsoft.com/office/drawing/2010/main">
+                <a:effectLst>
+                  <a:outerShdw dist="35921" dir="2700000" algn="ctr" rotWithShape="0">
+                    <a:schemeClr val="bg2"/>
+                  </a:outerShdw>
+                </a:effectLst>
+              </a14:hiddenEffects>
+            </a:ext>
+          </a:extLst>
+        </p:spPr>
+      </p:pic>
+    </p:spTree>
+    <p:extLst>
+      <p:ext uri="{BB962C8B-B14F-4D97-AF65-F5344CB8AC3E}">
+        <p14:creationId xmlns:p14="http://schemas.microsoft.com/office/powerpoint/2010/main" val="283387248"/>
+      </p:ext>
+    </p:extLst>
+  </p:cSld>
+  <p:clrMapOvr>
+    <a:masterClrMapping/>
+  </p:clrMapOvr>
+</p:sld>
+</file>
+
+<file path=ppt/slides/slide23.xml><?xml version="1.0" encoding="utf-8"?>
+<p:sld xmlns:a="http://schemas.openxmlformats.org/drawingml/2006/main" xmlns:r="http://schemas.openxmlformats.org/officeDocument/2006/relationships" xmlns:p="http://schemas.openxmlformats.org/presentationml/2006/main">
+  <p:cSld>
+    <p:spTree>
+      <p:nvGrpSpPr>
+        <p:cNvPr id="1" name=""/>
+        <p:cNvGrpSpPr/>
+        <p:nvPr/>
+      </p:nvGrpSpPr>
+      <p:grpSpPr>
+        <a:xfrm>
+          <a:off x="0" y="0"/>
+          <a:ext cx="0" cy="0"/>
+          <a:chOff x="0" y="0"/>
+          <a:chExt cx="0" cy="0"/>
+        </a:xfrm>
+      </p:grpSpPr>
+      <p:sp>
+        <p:nvSpPr>
+          <p:cNvPr id="2" name="Title 1"/>
+          <p:cNvSpPr>
+            <a:spLocks noGrp="1"/>
+          </p:cNvSpPr>
+          <p:nvPr>
+            <p:ph type="title"/>
+          </p:nvPr>
+        </p:nvSpPr>
+        <p:spPr/>
+        <p:txBody>
+          <a:bodyPr/>
+          <a:lstStyle/>
+          <a:p>
+            <a:pPr algn="l"/>
+            <a:r>
+              <a:rPr lang="en-US" dirty="0" smtClean="0">
+                <a:solidFill>
+                  <a:srgbClr val="DE411B"/>
+                </a:solidFill>
+              </a:rPr>
+              <a:t/>
+            </a:r>
+            <a:br>
+              <a:rPr lang="en-US" dirty="0" smtClean="0">
+                <a:solidFill>
+                  <a:srgbClr val="DE411B"/>
+                </a:solidFill>
+              </a:rPr>
+            </a:br>
+            <a:r>
+              <a:rPr lang="en-US" dirty="0" smtClean="0">
+                <a:solidFill>
+                  <a:schemeClr val="tx1"/>
+                </a:solidFill>
+              </a:rPr>
+              <a:t>overriding and overloading</a:t>
+            </a:r>
+            <a:endParaRPr lang="en-US" dirty="0"/>
+          </a:p>
+        </p:txBody>
+      </p:sp>
+      <p:sp>
+        <p:nvSpPr>
+          <p:cNvPr id="17" name="Content Placeholder 16"/>
+          <p:cNvSpPr>
+            <a:spLocks noGrp="1"/>
+          </p:cNvSpPr>
+          <p:nvPr>
+            <p:ph idx="22"/>
+          </p:nvPr>
+        </p:nvSpPr>
+        <p:spPr>
+          <a:xfrm>
+            <a:off x="1395882" y="2210319"/>
+            <a:ext cx="4632385" cy="3817948"/>
+          </a:xfrm>
+        </p:spPr>
+        <p:txBody>
+          <a:bodyPr/>
+          <a:lstStyle/>
+          <a:p>
+            <a:pPr marL="285750" indent="-285750" algn="l">
+              <a:buFont typeface="Arial" panose="020B0604020202020204" pitchFamily="34" charset="0"/>
+              <a:buChar char="•"/>
+            </a:pPr>
+            <a:r>
+              <a:rPr lang="en-US" dirty="0" smtClean="0"/>
+              <a:t>Overloaded methods let you reuse the same method name in a class, but with different arguments (and, optionally, a different return type)</a:t>
+            </a:r>
+          </a:p>
+          <a:p>
+            <a:pPr marL="285750" indent="-285750" algn="l">
+              <a:buFont typeface="Arial" panose="020B0604020202020204" pitchFamily="34" charset="0"/>
+              <a:buChar char="•"/>
+            </a:pPr>
+            <a:r>
+              <a:rPr lang="en-US" dirty="0" smtClean="0"/>
+              <a:t>Overloaded methods MUST change the argument list</a:t>
+            </a:r>
+          </a:p>
+          <a:p>
+            <a:pPr marL="285750" indent="-285750" algn="l">
+              <a:buFont typeface="Arial" panose="020B0604020202020204" pitchFamily="34" charset="0"/>
+              <a:buChar char="•"/>
+            </a:pPr>
+            <a:r>
+              <a:rPr lang="en-US" dirty="0"/>
+              <a:t>Overloaded </a:t>
+            </a:r>
+            <a:r>
+              <a:rPr lang="en-US" dirty="0" smtClean="0"/>
+              <a:t>methods CAN change the return type</a:t>
+            </a:r>
+          </a:p>
+          <a:p>
+            <a:pPr marL="285750" indent="-285750" algn="l">
+              <a:buFont typeface="Arial" panose="020B0604020202020204" pitchFamily="34" charset="0"/>
+              <a:buChar char="•"/>
+            </a:pPr>
+            <a:r>
+              <a:rPr lang="en-US" dirty="0"/>
+              <a:t>Overloaded </a:t>
+            </a:r>
+            <a:r>
+              <a:rPr lang="en-US" dirty="0" smtClean="0"/>
+              <a:t>methods CAN change the access modifier</a:t>
+            </a:r>
+          </a:p>
+          <a:p>
+            <a:pPr marL="285750" indent="-285750" algn="l">
+              <a:buFont typeface="Arial" panose="020B0604020202020204" pitchFamily="34" charset="0"/>
+              <a:buChar char="•"/>
+            </a:pPr>
+            <a:r>
+              <a:rPr lang="en-US" dirty="0" smtClean="0"/>
+              <a:t>The reference type (not the object type) – passed at compile time - determines which overloaded method is invoked</a:t>
+            </a:r>
+          </a:p>
+          <a:p>
+            <a:pPr marL="285750" indent="-285750" algn="l">
+              <a:buFont typeface="Arial" panose="020B0604020202020204" pitchFamily="34" charset="0"/>
+              <a:buChar char="•"/>
+            </a:pPr>
+            <a:endParaRPr lang="ro-RO" dirty="0"/>
+          </a:p>
+          <a:p>
+            <a:pPr marL="285750" indent="-285750" algn="l">
+              <a:buFont typeface="Arial" panose="020B0604020202020204" pitchFamily="34" charset="0"/>
+              <a:buChar char="•"/>
+            </a:pPr>
+            <a:endParaRPr lang="en-US" dirty="0" smtClean="0">
+              <a:latin typeface="Consolas" pitchFamily="49" charset="0"/>
+            </a:endParaRPr>
+          </a:p>
+          <a:p>
+            <a:pPr marL="285750" indent="-285750" algn="l">
+              <a:buFont typeface="Arial" panose="020B0604020202020204" pitchFamily="34" charset="0"/>
+              <a:buChar char="•"/>
+            </a:pPr>
+            <a:endParaRPr lang="en-US" dirty="0" smtClean="0"/>
+          </a:p>
+        </p:txBody>
+      </p:sp>
+      <p:sp>
+        <p:nvSpPr>
+          <p:cNvPr id="6" name="Content Placeholder 2"/>
+          <p:cNvSpPr>
+            <a:spLocks noGrp="1"/>
+          </p:cNvSpPr>
+          <p:nvPr>
+            <p:ph idx="19"/>
+          </p:nvPr>
+        </p:nvSpPr>
+        <p:spPr>
+          <a:xfrm>
+            <a:off x="3556100" y="1663407"/>
+            <a:ext cx="4790956" cy="424732"/>
+          </a:xfrm>
+        </p:spPr>
+        <p:txBody>
+          <a:bodyPr/>
+          <a:lstStyle/>
+          <a:p>
+            <a:r>
+              <a:rPr lang="en-US" dirty="0" smtClean="0"/>
+              <a:t>overloading</a:t>
+            </a:r>
+            <a:endParaRPr lang="en-US" dirty="0"/>
+          </a:p>
+        </p:txBody>
+      </p:sp>
+      <p:pic>
+        <p:nvPicPr>
+          <p:cNvPr id="8196" name="Picture 4"/>
+          <p:cNvPicPr>
+            <a:picLocks noChangeAspect="1" noChangeArrowheads="1"/>
+          </p:cNvPicPr>
+          <p:nvPr/>
+        </p:nvPicPr>
+        <p:blipFill>
+          <a:blip r:embed="rId2">
+            <a:extLst>
+              <a:ext uri="{28A0092B-C50C-407E-A947-70E740481C1C}">
+                <a14:useLocalDpi xmlns:a14="http://schemas.microsoft.com/office/drawing/2010/main" val="0"/>
+              </a:ext>
+            </a:extLst>
+          </a:blip>
+          <a:srcRect/>
+          <a:stretch>
+            <a:fillRect/>
+          </a:stretch>
+        </p:blipFill>
+        <p:spPr bwMode="auto">
+          <a:xfrm>
+            <a:off x="6031442" y="3223155"/>
+            <a:ext cx="5581650" cy="885825"/>
+          </a:xfrm>
+          <a:prstGeom prst="rect">
+            <a:avLst/>
+          </a:prstGeom>
+          <a:noFill/>
+          <a:ln>
+            <a:noFill/>
+          </a:ln>
+          <a:effectLst/>
+          <a:extLst>
+            <a:ext uri="{909E8E84-426E-40DD-AFC4-6F175D3DCCD1}">
+              <a14:hiddenFill xmlns:a14="http://schemas.microsoft.com/office/drawing/2010/main">
+                <a:solidFill>
+                  <a:schemeClr val="accent1"/>
+                </a:solidFill>
+              </a14:hiddenFill>
+            </a:ext>
+            <a:ext uri="{91240B29-F687-4F45-9708-019B960494DF}">
+              <a14:hiddenLine xmlns:a14="http://schemas.microsoft.com/office/drawing/2010/main" w="9525">
+                <a:solidFill>
+                  <a:schemeClr val="tx1"/>
+                </a:solidFill>
+                <a:miter lim="800000"/>
+                <a:headEnd/>
+                <a:tailEnd/>
+              </a14:hiddenLine>
+            </a:ext>
+            <a:ext uri="{AF507438-7753-43E0-B8FC-AC1667EBCBE1}">
+              <a14:hiddenEffects xmlns:a14="http://schemas.microsoft.com/office/drawing/2010/main">
+                <a:effectLst>
+                  <a:outerShdw dist="35921" dir="2700000" algn="ctr" rotWithShape="0">
+                    <a:schemeClr val="bg2"/>
+                  </a:outerShdw>
+                </a:effectLst>
+              </a14:hiddenEffects>
+            </a:ext>
+          </a:extLst>
+        </p:spPr>
+      </p:pic>
+    </p:spTree>
+    <p:extLst>
+      <p:ext uri="{BB962C8B-B14F-4D97-AF65-F5344CB8AC3E}">
+        <p14:creationId xmlns:p14="http://schemas.microsoft.com/office/powerpoint/2010/main" val="1480056678"/>
+      </p:ext>
+    </p:extLst>
+  </p:cSld>
+  <p:clrMapOvr>
+    <a:masterClrMapping/>
+  </p:clrMapOvr>
+</p:sld>
+</file>
+
+<file path=ppt/slides/slide24.xml><?xml version="1.0" encoding="utf-8"?>
+<p:sld xmlns:a="http://schemas.openxmlformats.org/drawingml/2006/main" xmlns:r="http://schemas.openxmlformats.org/officeDocument/2006/relationships" xmlns:p="http://schemas.openxmlformats.org/presentationml/2006/main">
+  <p:cSld>
+    <p:spTree>
+      <p:nvGrpSpPr>
+        <p:cNvPr id="1" name=""/>
+        <p:cNvGrpSpPr/>
+        <p:nvPr/>
+      </p:nvGrpSpPr>
+      <p:grpSpPr>
+        <a:xfrm>
+          <a:off x="0" y="0"/>
+          <a:ext cx="0" cy="0"/>
+          <a:chOff x="0" y="0"/>
+          <a:chExt cx="0" cy="0"/>
+        </a:xfrm>
+      </p:grpSpPr>
+      <p:sp>
+        <p:nvSpPr>
+          <p:cNvPr id="2" name="Title 1"/>
+          <p:cNvSpPr>
+            <a:spLocks noGrp="1"/>
+          </p:cNvSpPr>
+          <p:nvPr>
+            <p:ph type="title"/>
+          </p:nvPr>
+        </p:nvSpPr>
+        <p:spPr/>
+        <p:txBody>
+          <a:bodyPr/>
+          <a:lstStyle/>
+          <a:p>
+            <a:r>
+              <a:rPr lang="en-US" dirty="0">
+                <a:solidFill>
+                  <a:srgbClr val="DE411B"/>
+                </a:solidFill>
+              </a:rPr>
+              <a:t/>
+            </a:r>
+            <a:br>
+              <a:rPr lang="en-US" dirty="0">
+                <a:solidFill>
+                  <a:srgbClr val="DE411B"/>
+                </a:solidFill>
+              </a:rPr>
+            </a:br>
+            <a:r>
+              <a:rPr lang="en-US" dirty="0">
+                <a:solidFill>
+                  <a:schemeClr val="tx1"/>
+                </a:solidFill>
+              </a:rPr>
+              <a:t>overriding and overloading</a:t>
+            </a:r>
+            <a:endParaRPr lang="ro-RO" dirty="0"/>
+          </a:p>
+        </p:txBody>
+      </p:sp>
+      <p:sp>
+        <p:nvSpPr>
+          <p:cNvPr id="6" name="Content Placeholder 2"/>
+          <p:cNvSpPr>
+            <a:spLocks noGrp="1"/>
+          </p:cNvSpPr>
+          <p:nvPr>
+            <p:ph idx="19"/>
+          </p:nvPr>
+        </p:nvSpPr>
+        <p:spPr>
+          <a:xfrm>
+            <a:off x="3739089" y="1621073"/>
+            <a:ext cx="4790956" cy="424732"/>
+          </a:xfrm>
+        </p:spPr>
+        <p:txBody>
+          <a:bodyPr/>
+          <a:lstStyle/>
+          <a:p>
+            <a:r>
+              <a:rPr lang="en-US" dirty="0" smtClean="0"/>
+              <a:t>overloading</a:t>
+            </a:r>
+            <a:endParaRPr lang="en-US" dirty="0"/>
+          </a:p>
+        </p:txBody>
+      </p:sp>
+      <p:pic>
+        <p:nvPicPr>
+          <p:cNvPr id="7170" name="Picture 2"/>
+          <p:cNvPicPr>
+            <a:picLocks noChangeAspect="1" noChangeArrowheads="1"/>
+          </p:cNvPicPr>
+          <p:nvPr/>
+        </p:nvPicPr>
+        <p:blipFill>
+          <a:blip r:embed="rId2">
+            <a:extLst>
+              <a:ext uri="{28A0092B-C50C-407E-A947-70E740481C1C}">
+                <a14:useLocalDpi xmlns:a14="http://schemas.microsoft.com/office/drawing/2010/main" val="0"/>
+              </a:ext>
+            </a:extLst>
+          </a:blip>
+          <a:srcRect/>
+          <a:stretch>
+            <a:fillRect/>
+          </a:stretch>
+        </p:blipFill>
+        <p:spPr bwMode="auto">
+          <a:xfrm>
+            <a:off x="1038750" y="2603500"/>
+            <a:ext cx="5457825" cy="647700"/>
+          </a:xfrm>
+          <a:prstGeom prst="rect">
+            <a:avLst/>
+          </a:prstGeom>
+          <a:noFill/>
+          <a:ln>
+            <a:noFill/>
+          </a:ln>
+          <a:effectLst/>
+          <a:extLst>
+            <a:ext uri="{909E8E84-426E-40DD-AFC4-6F175D3DCCD1}">
+              <a14:hiddenFill xmlns:a14="http://schemas.microsoft.com/office/drawing/2010/main">
+                <a:solidFill>
+                  <a:schemeClr val="accent1"/>
+                </a:solidFill>
+              </a14:hiddenFill>
+            </a:ext>
+            <a:ext uri="{91240B29-F687-4F45-9708-019B960494DF}">
+              <a14:hiddenLine xmlns:a14="http://schemas.microsoft.com/office/drawing/2010/main" w="9525">
+                <a:solidFill>
+                  <a:schemeClr val="tx1"/>
+                </a:solidFill>
+                <a:miter lim="800000"/>
+                <a:headEnd/>
+                <a:tailEnd/>
+              </a14:hiddenLine>
+            </a:ext>
+            <a:ext uri="{AF507438-7753-43E0-B8FC-AC1667EBCBE1}">
+              <a14:hiddenEffects xmlns:a14="http://schemas.microsoft.com/office/drawing/2010/main">
+                <a:effectLst>
+                  <a:outerShdw dist="35921" dir="2700000" algn="ctr" rotWithShape="0">
+                    <a:schemeClr val="bg2"/>
+                  </a:outerShdw>
+                </a:effectLst>
+              </a14:hiddenEffects>
+            </a:ext>
+          </a:extLst>
+        </p:spPr>
+      </p:pic>
+      <p:pic>
+        <p:nvPicPr>
+          <p:cNvPr id="7171" name="Picture 3"/>
+          <p:cNvPicPr>
+            <a:picLocks noChangeAspect="1" noChangeArrowheads="1"/>
+          </p:cNvPicPr>
+          <p:nvPr/>
+        </p:nvPicPr>
+        <p:blipFill>
+          <a:blip r:embed="rId3">
+            <a:extLst>
+              <a:ext uri="{28A0092B-C50C-407E-A947-70E740481C1C}">
+                <a14:useLocalDpi xmlns:a14="http://schemas.microsoft.com/office/drawing/2010/main" val="0"/>
+              </a:ext>
+            </a:extLst>
+          </a:blip>
+          <a:srcRect/>
+          <a:stretch>
+            <a:fillRect/>
+          </a:stretch>
+        </p:blipFill>
+        <p:spPr bwMode="auto">
+          <a:xfrm>
+            <a:off x="1038749" y="3539066"/>
+            <a:ext cx="5286375" cy="1257300"/>
+          </a:xfrm>
+          <a:prstGeom prst="rect">
+            <a:avLst/>
+          </a:prstGeom>
+          <a:noFill/>
+          <a:ln>
+            <a:noFill/>
+          </a:ln>
+          <a:effectLst/>
+          <a:extLst>
+            <a:ext uri="{909E8E84-426E-40DD-AFC4-6F175D3DCCD1}">
+              <a14:hiddenFill xmlns:a14="http://schemas.microsoft.com/office/drawing/2010/main">
+                <a:solidFill>
+                  <a:schemeClr val="accent1"/>
+                </a:solidFill>
+              </a14:hiddenFill>
+            </a:ext>
+            <a:ext uri="{91240B29-F687-4F45-9708-019B960494DF}">
+              <a14:hiddenLine xmlns:a14="http://schemas.microsoft.com/office/drawing/2010/main" w="9525">
+                <a:solidFill>
+                  <a:schemeClr val="tx1"/>
+                </a:solidFill>
+                <a:miter lim="800000"/>
+                <a:headEnd/>
+                <a:tailEnd/>
+              </a14:hiddenLine>
+            </a:ext>
+            <a:ext uri="{AF507438-7753-43E0-B8FC-AC1667EBCBE1}">
+              <a14:hiddenEffects xmlns:a14="http://schemas.microsoft.com/office/drawing/2010/main">
+                <a:effectLst>
+                  <a:outerShdw dist="35921" dir="2700000" algn="ctr" rotWithShape="0">
+                    <a:schemeClr val="bg2"/>
+                  </a:outerShdw>
+                </a:effectLst>
+              </a14:hiddenEffects>
+            </a:ext>
+          </a:extLst>
+        </p:spPr>
+      </p:pic>
+      <p:pic>
+        <p:nvPicPr>
+          <p:cNvPr id="7" name="Picture 2"/>
+          <p:cNvPicPr>
+            <a:picLocks noChangeAspect="1" noChangeArrowheads="1"/>
+          </p:cNvPicPr>
+          <p:nvPr/>
+        </p:nvPicPr>
+        <p:blipFill>
+          <a:blip r:embed="rId4">
+            <a:extLst>
+              <a:ext uri="{28A0092B-C50C-407E-A947-70E740481C1C}">
+                <a14:useLocalDpi xmlns:a14="http://schemas.microsoft.com/office/drawing/2010/main" val="0"/>
+              </a:ext>
+            </a:extLst>
+          </a:blip>
+          <a:srcRect/>
+          <a:stretch>
+            <a:fillRect/>
+          </a:stretch>
+        </p:blipFill>
+        <p:spPr bwMode="auto">
+          <a:xfrm>
+            <a:off x="6810375" y="2241021"/>
+            <a:ext cx="3905250" cy="3629025"/>
+          </a:xfrm>
+          <a:prstGeom prst="rect">
+            <a:avLst/>
+          </a:prstGeom>
+          <a:noFill/>
+          <a:ln>
+            <a:noFill/>
+          </a:ln>
+          <a:effectLst/>
+          <a:extLst>
+            <a:ext uri="{909E8E84-426E-40DD-AFC4-6F175D3DCCD1}">
+              <a14:hiddenFill xmlns:a14="http://schemas.microsoft.com/office/drawing/2010/main">
+                <a:solidFill>
+                  <a:schemeClr val="accent1"/>
+                </a:solidFill>
+              </a14:hiddenFill>
+            </a:ext>
+            <a:ext uri="{91240B29-F687-4F45-9708-019B960494DF}">
+              <a14:hiddenLine xmlns:a14="http://schemas.microsoft.com/office/drawing/2010/main" w="9525">
+                <a:solidFill>
+                  <a:schemeClr val="tx1"/>
+                </a:solidFill>
+                <a:miter lim="800000"/>
+                <a:headEnd/>
+                <a:tailEnd/>
+              </a14:hiddenLine>
+            </a:ext>
+            <a:ext uri="{AF507438-7753-43E0-B8FC-AC1667EBCBE1}">
+              <a14:hiddenEffects xmlns:a14="http://schemas.microsoft.com/office/drawing/2010/main">
+                <a:effectLst>
+                  <a:outerShdw dist="35921" dir="2700000" algn="ctr" rotWithShape="0">
+                    <a:schemeClr val="bg2"/>
+                  </a:outerShdw>
+                </a:effectLst>
+              </a14:hiddenEffects>
+            </a:ext>
+          </a:extLst>
+        </p:spPr>
+      </p:pic>
+    </p:spTree>
+    <p:extLst>
+      <p:ext uri="{BB962C8B-B14F-4D97-AF65-F5344CB8AC3E}">
+        <p14:creationId xmlns:p14="http://schemas.microsoft.com/office/powerpoint/2010/main" val="260524149"/>
+      </p:ext>
+    </p:extLst>
+  </p:cSld>
+  <p:clrMapOvr>
+    <a:masterClrMapping/>
+  </p:clrMapOvr>
+</p:sld>
+</file>
+
+<file path=ppt/slides/slide25.xml><?xml version="1.0" encoding="utf-8"?>
+<p:sld xmlns:a="http://schemas.openxmlformats.org/drawingml/2006/main" xmlns:r="http://schemas.openxmlformats.org/officeDocument/2006/relationships" xmlns:p="http://schemas.openxmlformats.org/presentationml/2006/main">
+  <p:cSld>
+    <p:spTree>
+      <p:nvGrpSpPr>
+        <p:cNvPr id="1" name=""/>
+        <p:cNvGrpSpPr/>
+        <p:nvPr/>
+      </p:nvGrpSpPr>
+      <p:grpSpPr>
+        <a:xfrm>
+          <a:off x="0" y="0"/>
+          <a:ext cx="0" cy="0"/>
+          <a:chOff x="0" y="0"/>
+          <a:chExt cx="0" cy="0"/>
+        </a:xfrm>
+      </p:grpSpPr>
+      <p:sp>
+        <p:nvSpPr>
+          <p:cNvPr id="2" name="Title 1"/>
+          <p:cNvSpPr>
+            <a:spLocks noGrp="1"/>
+          </p:cNvSpPr>
+          <p:nvPr>
+            <p:ph type="title"/>
+          </p:nvPr>
+        </p:nvSpPr>
+        <p:spPr/>
+        <p:txBody>
+          <a:bodyPr/>
+          <a:lstStyle/>
+          <a:p>
+            <a:pPr algn="ctr"/>
+            <a:r>
+              <a:rPr lang="en-US" dirty="0" smtClean="0"/>
+              <a:t>agenda</a:t>
+            </a:r>
+            <a:endParaRPr lang="en-GB" dirty="0"/>
+          </a:p>
+        </p:txBody>
+      </p:sp>
+      <p:sp>
+        <p:nvSpPr>
+          <p:cNvPr id="3" name="Content Placeholder 2"/>
+          <p:cNvSpPr>
+            <a:spLocks noGrp="1"/>
+          </p:cNvSpPr>
+          <p:nvPr>
+            <p:ph idx="14"/>
+          </p:nvPr>
+        </p:nvSpPr>
+        <p:spPr/>
+        <p:txBody>
+          <a:bodyPr/>
+          <a:lstStyle/>
+          <a:p>
+            <a:r>
+              <a:rPr lang="en-US" sz="2800" dirty="0"/>
+              <a:t>Encapsulation</a:t>
+            </a:r>
+          </a:p>
+          <a:p>
+            <a:r>
+              <a:rPr lang="en-US" sz="2800" dirty="0"/>
+              <a:t>inheritance</a:t>
+            </a:r>
+          </a:p>
+          <a:p>
+            <a:r>
+              <a:rPr lang="en-US" sz="2800" dirty="0"/>
+              <a:t>Class object</a:t>
+            </a:r>
+          </a:p>
+          <a:p>
+            <a:r>
+              <a:rPr lang="en-US" sz="2800" dirty="0"/>
+              <a:t>IS-a and has-a relationships</a:t>
+            </a:r>
+          </a:p>
+          <a:p>
+            <a:r>
+              <a:rPr lang="en-US" sz="2800" dirty="0"/>
+              <a:t>Polymorphism</a:t>
+            </a:r>
+          </a:p>
+          <a:p>
+            <a:r>
+              <a:rPr lang="en-US" sz="2800" dirty="0"/>
+              <a:t>Overriding and overloading</a:t>
+            </a:r>
+          </a:p>
+          <a:p>
+            <a:r>
+              <a:rPr lang="en-US" sz="2800" dirty="0">
+                <a:solidFill>
+                  <a:srgbClr val="DE411B"/>
+                </a:solidFill>
+              </a:rPr>
+              <a:t>Constructors</a:t>
+            </a:r>
+          </a:p>
+          <a:p>
+            <a:r>
+              <a:rPr lang="en-US" sz="2800" dirty="0" smtClean="0"/>
+              <a:t>Assignments and casting</a:t>
+            </a:r>
+            <a:endParaRPr lang="en-GB" sz="2800" dirty="0"/>
+          </a:p>
+        </p:txBody>
+      </p:sp>
+    </p:spTree>
+    <p:extLst>
+      <p:ext uri="{BB962C8B-B14F-4D97-AF65-F5344CB8AC3E}">
+        <p14:creationId xmlns:p14="http://schemas.microsoft.com/office/powerpoint/2010/main" val="789930559"/>
+      </p:ext>
+    </p:extLst>
+  </p:cSld>
+  <p:clrMapOvr>
+    <a:masterClrMapping/>
+  </p:clrMapOvr>
+  <p:timing>
+    <p:tnLst>
+      <p:par>
+        <p:cTn id="1" dur="indefinite" restart="never" nodeType="tmRoot"/>
+      </p:par>
+    </p:tnLst>
+  </p:timing>
+</p:sld>
+</file>
+
+<file path=ppt/slides/slide26.xml><?xml version="1.0" encoding="utf-8"?>
+<p:sld xmlns:a="http://schemas.openxmlformats.org/drawingml/2006/main" xmlns:r="http://schemas.openxmlformats.org/officeDocument/2006/relationships" xmlns:p="http://schemas.openxmlformats.org/presentationml/2006/main">
+  <p:cSld>
+    <p:spTree>
+      <p:nvGrpSpPr>
+        <p:cNvPr id="1" name=""/>
+        <p:cNvGrpSpPr/>
+        <p:nvPr/>
+      </p:nvGrpSpPr>
+      <p:grpSpPr>
+        <a:xfrm>
+          <a:off x="0" y="0"/>
+          <a:ext cx="0" cy="0"/>
+          <a:chOff x="0" y="0"/>
+          <a:chExt cx="0" cy="0"/>
+        </a:xfrm>
+      </p:grpSpPr>
+      <p:sp>
+        <p:nvSpPr>
+          <p:cNvPr id="2" name="Title 1"/>
+          <p:cNvSpPr>
+            <a:spLocks noGrp="1"/>
+          </p:cNvSpPr>
+          <p:nvPr>
+            <p:ph type="title"/>
+          </p:nvPr>
+        </p:nvSpPr>
+        <p:spPr/>
+        <p:txBody>
+          <a:bodyPr/>
+          <a:lstStyle/>
+          <a:p>
+            <a:pPr algn="l"/>
+            <a:r>
+              <a:rPr lang="en-US" dirty="0" smtClean="0">
+                <a:solidFill>
+                  <a:srgbClr val="DE411B"/>
+                </a:solidFill>
+              </a:rPr>
+              <a:t/>
+            </a:r>
+            <a:br>
+              <a:rPr lang="en-US" dirty="0" smtClean="0">
+                <a:solidFill>
+                  <a:srgbClr val="DE411B"/>
+                </a:solidFill>
+              </a:rPr>
+            </a:br>
+            <a:r>
+              <a:rPr lang="en-US" dirty="0" smtClean="0">
+                <a:solidFill>
+                  <a:schemeClr val="tx1"/>
+                </a:solidFill>
+              </a:rPr>
+              <a:t>constructors</a:t>
+            </a:r>
+            <a:endParaRPr lang="en-US" dirty="0"/>
+          </a:p>
+        </p:txBody>
+      </p:sp>
+      <p:sp>
+        <p:nvSpPr>
+          <p:cNvPr id="17" name="Content Placeholder 16"/>
+          <p:cNvSpPr>
+            <a:spLocks noGrp="1"/>
+          </p:cNvSpPr>
+          <p:nvPr>
+            <p:ph idx="22"/>
+          </p:nvPr>
+        </p:nvSpPr>
+        <p:spPr>
+          <a:xfrm>
+            <a:off x="1395882" y="2210318"/>
+            <a:ext cx="3589397" cy="3657081"/>
+          </a:xfrm>
+        </p:spPr>
+        <p:txBody>
+          <a:bodyPr/>
+          <a:lstStyle/>
+          <a:p>
+            <a:pPr marL="285750" indent="-285750" algn="l">
+              <a:buFont typeface="Arial" panose="020B0604020202020204" pitchFamily="34" charset="0"/>
+              <a:buChar char="•"/>
+            </a:pPr>
+            <a:r>
+              <a:rPr lang="en-US" dirty="0"/>
+              <a:t>If a</a:t>
+            </a:r>
+            <a:r>
+              <a:rPr lang="en-US" dirty="0" smtClean="0"/>
+              <a:t> </a:t>
+            </a:r>
+            <a:r>
+              <a:rPr lang="en-US" dirty="0"/>
+              <a:t>method overrides one of its superclass's methods, you can invoke the overridden method through the use of the keyword </a:t>
+            </a:r>
+            <a:r>
+              <a:rPr lang="en-US" dirty="0">
+                <a:latin typeface="Consolas" pitchFamily="49" charset="0"/>
+              </a:rPr>
+              <a:t>super</a:t>
+            </a:r>
+            <a:r>
+              <a:rPr lang="en-US" dirty="0" smtClean="0"/>
+              <a:t>.</a:t>
+            </a:r>
+          </a:p>
+          <a:p>
+            <a:pPr marL="285750" indent="-285750" algn="l">
+              <a:buFont typeface="Arial" panose="020B0604020202020204" pitchFamily="34" charset="0"/>
+              <a:buChar char="•"/>
+            </a:pPr>
+            <a:r>
+              <a:rPr lang="en-US" dirty="0">
+                <a:latin typeface="Consolas" pitchFamily="49" charset="0"/>
+              </a:rPr>
+              <a:t>super</a:t>
+            </a:r>
+            <a:r>
+              <a:rPr lang="en-US" dirty="0"/>
+              <a:t> </a:t>
+            </a:r>
+            <a:r>
+              <a:rPr lang="en-US" dirty="0" smtClean="0"/>
+              <a:t>can be </a:t>
+            </a:r>
+            <a:r>
+              <a:rPr lang="en-US" dirty="0"/>
+              <a:t>used to refer immediate parent class instance </a:t>
+            </a:r>
+            <a:r>
+              <a:rPr lang="en-US" dirty="0" smtClean="0"/>
+              <a:t>variables</a:t>
+            </a:r>
+          </a:p>
+          <a:p>
+            <a:pPr marL="285750" indent="-285750" algn="l">
+              <a:buFont typeface="Arial" panose="020B0604020202020204" pitchFamily="34" charset="0"/>
+              <a:buChar char="•"/>
+            </a:pPr>
+            <a:r>
+              <a:rPr lang="en-US" dirty="0"/>
+              <a:t>The </a:t>
+            </a:r>
+            <a:r>
+              <a:rPr lang="en-US" dirty="0">
+                <a:latin typeface="Consolas" pitchFamily="49" charset="0"/>
+              </a:rPr>
+              <a:t>super</a:t>
+            </a:r>
+            <a:r>
+              <a:rPr lang="en-US" dirty="0"/>
+              <a:t> keyword can also be used to invoke the parent class constructor</a:t>
+            </a:r>
+            <a:endParaRPr lang="ro-RO" dirty="0" smtClean="0"/>
+          </a:p>
+          <a:p>
+            <a:pPr marL="285750" indent="-285750" algn="l">
+              <a:buFont typeface="Arial" panose="020B0604020202020204" pitchFamily="34" charset="0"/>
+              <a:buChar char="•"/>
+            </a:pPr>
+            <a:endParaRPr lang="en-US" dirty="0" smtClean="0">
+              <a:latin typeface="Consolas" pitchFamily="49" charset="0"/>
+            </a:endParaRPr>
+          </a:p>
+          <a:p>
+            <a:pPr marL="285750" indent="-285750" algn="l">
+              <a:buFont typeface="Arial" panose="020B0604020202020204" pitchFamily="34" charset="0"/>
+              <a:buChar char="•"/>
+            </a:pPr>
+            <a:endParaRPr lang="en-US" dirty="0" smtClean="0"/>
+          </a:p>
+        </p:txBody>
+      </p:sp>
+      <p:sp>
+        <p:nvSpPr>
+          <p:cNvPr id="7" name="Content Placeholder 2"/>
+          <p:cNvSpPr>
+            <a:spLocks noGrp="1"/>
+          </p:cNvSpPr>
+          <p:nvPr>
+            <p:ph idx="19"/>
+          </p:nvPr>
+        </p:nvSpPr>
+        <p:spPr>
+          <a:xfrm>
+            <a:off x="995888" y="1604140"/>
+            <a:ext cx="4790956" cy="424732"/>
+          </a:xfrm>
+        </p:spPr>
+        <p:txBody>
+          <a:bodyPr/>
+          <a:lstStyle/>
+          <a:p>
+            <a:r>
+              <a:rPr lang="en-US" dirty="0" smtClean="0"/>
+              <a:t>Super keyword</a:t>
+            </a:r>
+            <a:endParaRPr lang="en-US" dirty="0"/>
+          </a:p>
+        </p:txBody>
+      </p:sp>
+      <p:pic>
+        <p:nvPicPr>
+          <p:cNvPr id="9218" name="Picture 2"/>
+          <p:cNvPicPr>
+            <a:picLocks noChangeAspect="1" noChangeArrowheads="1"/>
+          </p:cNvPicPr>
+          <p:nvPr/>
+        </p:nvPicPr>
+        <p:blipFill>
+          <a:blip r:embed="rId2">
+            <a:extLst>
+              <a:ext uri="{28A0092B-C50C-407E-A947-70E740481C1C}">
+                <a14:useLocalDpi xmlns:a14="http://schemas.microsoft.com/office/drawing/2010/main" val="0"/>
+              </a:ext>
+            </a:extLst>
+          </a:blip>
+          <a:srcRect/>
+          <a:stretch>
+            <a:fillRect/>
+          </a:stretch>
+        </p:blipFill>
+        <p:spPr bwMode="auto">
+          <a:xfrm>
+            <a:off x="5366279" y="1679045"/>
+            <a:ext cx="6353175" cy="4295775"/>
+          </a:xfrm>
+          <a:prstGeom prst="rect">
+            <a:avLst/>
+          </a:prstGeom>
+          <a:noFill/>
+          <a:ln>
+            <a:noFill/>
+          </a:ln>
+          <a:effectLst/>
+          <a:extLst>
+            <a:ext uri="{909E8E84-426E-40DD-AFC4-6F175D3DCCD1}">
+              <a14:hiddenFill xmlns:a14="http://schemas.microsoft.com/office/drawing/2010/main">
+                <a:solidFill>
+                  <a:schemeClr val="accent1"/>
+                </a:solidFill>
+              </a14:hiddenFill>
+            </a:ext>
+            <a:ext uri="{91240B29-F687-4F45-9708-019B960494DF}">
+              <a14:hiddenLine xmlns:a14="http://schemas.microsoft.com/office/drawing/2010/main" w="9525">
+                <a:solidFill>
+                  <a:schemeClr val="tx1"/>
+                </a:solidFill>
+                <a:miter lim="800000"/>
+                <a:headEnd/>
+                <a:tailEnd/>
+              </a14:hiddenLine>
+            </a:ext>
+            <a:ext uri="{AF507438-7753-43E0-B8FC-AC1667EBCBE1}">
+              <a14:hiddenEffects xmlns:a14="http://schemas.microsoft.com/office/drawing/2010/main">
+                <a:effectLst>
+                  <a:outerShdw dist="35921" dir="2700000" algn="ctr" rotWithShape="0">
+                    <a:schemeClr val="bg2"/>
+                  </a:outerShdw>
+                </a:effectLst>
+              </a14:hiddenEffects>
+            </a:ext>
+          </a:extLst>
+        </p:spPr>
+      </p:pic>
+    </p:spTree>
+    <p:extLst>
+      <p:ext uri="{BB962C8B-B14F-4D97-AF65-F5344CB8AC3E}">
+        <p14:creationId xmlns:p14="http://schemas.microsoft.com/office/powerpoint/2010/main" val="4158006515"/>
+      </p:ext>
+    </p:extLst>
+  </p:cSld>
+  <p:clrMapOvr>
+    <a:masterClrMapping/>
+  </p:clrMapOvr>
+</p:sld>
+</file>
+
+<file path=ppt/slides/slide27.xml><?xml version="1.0" encoding="utf-8"?>
+<p:sld xmlns:a="http://schemas.openxmlformats.org/drawingml/2006/main" xmlns:r="http://schemas.openxmlformats.org/officeDocument/2006/relationships" xmlns:p="http://schemas.openxmlformats.org/presentationml/2006/main">
+  <p:cSld>
+    <p:spTree>
+      <p:nvGrpSpPr>
+        <p:cNvPr id="1" name=""/>
+        <p:cNvGrpSpPr/>
+        <p:nvPr/>
+      </p:nvGrpSpPr>
+      <p:grpSpPr>
+        <a:xfrm>
+          <a:off x="0" y="0"/>
+          <a:ext cx="0" cy="0"/>
+          <a:chOff x="0" y="0"/>
+          <a:chExt cx="0" cy="0"/>
+        </a:xfrm>
+      </p:grpSpPr>
+      <p:sp>
+        <p:nvSpPr>
+          <p:cNvPr id="2" name="Title 1"/>
+          <p:cNvSpPr>
+            <a:spLocks noGrp="1"/>
+          </p:cNvSpPr>
+          <p:nvPr>
+            <p:ph type="title"/>
+          </p:nvPr>
+        </p:nvSpPr>
+        <p:spPr/>
+        <p:txBody>
+          <a:bodyPr/>
+          <a:lstStyle/>
+          <a:p>
+            <a:pPr algn="l"/>
+            <a:r>
+              <a:rPr lang="en-US" dirty="0" smtClean="0">
+                <a:solidFill>
+                  <a:srgbClr val="DE411B"/>
+                </a:solidFill>
+              </a:rPr>
+              <a:t/>
+            </a:r>
+            <a:br>
+              <a:rPr lang="en-US" dirty="0" smtClean="0">
+                <a:solidFill>
+                  <a:srgbClr val="DE411B"/>
+                </a:solidFill>
+              </a:rPr>
+            </a:br>
+            <a:r>
+              <a:rPr lang="en-US" dirty="0" smtClean="0">
+                <a:solidFill>
+                  <a:schemeClr val="tx1"/>
+                </a:solidFill>
+              </a:rPr>
+              <a:t>constructors</a:t>
+            </a:r>
+            <a:endParaRPr lang="en-US" dirty="0"/>
+          </a:p>
+        </p:txBody>
+      </p:sp>
+      <p:pic>
+        <p:nvPicPr>
+          <p:cNvPr id="10242" name="Picture 2"/>
+          <p:cNvPicPr>
+            <a:picLocks noChangeAspect="1" noChangeArrowheads="1"/>
+          </p:cNvPicPr>
+          <p:nvPr/>
+        </p:nvPicPr>
+        <p:blipFill>
+          <a:blip r:embed="rId2">
+            <a:extLst>
+              <a:ext uri="{28A0092B-C50C-407E-A947-70E740481C1C}">
+                <a14:useLocalDpi xmlns:a14="http://schemas.microsoft.com/office/drawing/2010/main" val="0"/>
+              </a:ext>
+            </a:extLst>
+          </a:blip>
+          <a:srcRect/>
+          <a:stretch>
+            <a:fillRect/>
+          </a:stretch>
+        </p:blipFill>
+        <p:spPr bwMode="auto">
+          <a:xfrm>
+            <a:off x="1463146" y="1643063"/>
+            <a:ext cx="7419975" cy="4638675"/>
+          </a:xfrm>
+          <a:prstGeom prst="rect">
+            <a:avLst/>
+          </a:prstGeom>
+          <a:noFill/>
+          <a:ln>
+            <a:noFill/>
+          </a:ln>
+          <a:effectLst/>
+          <a:extLst>
+            <a:ext uri="{909E8E84-426E-40DD-AFC4-6F175D3DCCD1}">
+              <a14:hiddenFill xmlns:a14="http://schemas.microsoft.com/office/drawing/2010/main">
+                <a:solidFill>
+                  <a:schemeClr val="accent1"/>
+                </a:solidFill>
+              </a14:hiddenFill>
+            </a:ext>
+            <a:ext uri="{91240B29-F687-4F45-9708-019B960494DF}">
+              <a14:hiddenLine xmlns:a14="http://schemas.microsoft.com/office/drawing/2010/main" w="9525">
+                <a:solidFill>
+                  <a:schemeClr val="tx1"/>
+                </a:solidFill>
+                <a:miter lim="800000"/>
+                <a:headEnd/>
+                <a:tailEnd/>
+              </a14:hiddenLine>
+            </a:ext>
+            <a:ext uri="{AF507438-7753-43E0-B8FC-AC1667EBCBE1}">
+              <a14:hiddenEffects xmlns:a14="http://schemas.microsoft.com/office/drawing/2010/main">
+                <a:effectLst>
+                  <a:outerShdw dist="35921" dir="2700000" algn="ctr" rotWithShape="0">
+                    <a:schemeClr val="bg2"/>
+                  </a:outerShdw>
+                </a:effectLst>
+              </a14:hiddenEffects>
+            </a:ext>
+          </a:extLst>
+        </p:spPr>
+      </p:pic>
+    </p:spTree>
+    <p:extLst>
+      <p:ext uri="{BB962C8B-B14F-4D97-AF65-F5344CB8AC3E}">
+        <p14:creationId xmlns:p14="http://schemas.microsoft.com/office/powerpoint/2010/main" val="4058932216"/>
+      </p:ext>
+    </p:extLst>
+  </p:cSld>
+  <p:clrMapOvr>
+    <a:masterClrMapping/>
+  </p:clrMapOvr>
+</p:sld>
+</file>
+
+<file path=ppt/slides/slide28.xml><?xml version="1.0" encoding="utf-8"?>
+<p:sld xmlns:a="http://schemas.openxmlformats.org/drawingml/2006/main" xmlns:r="http://schemas.openxmlformats.org/officeDocument/2006/relationships" xmlns:p="http://schemas.openxmlformats.org/presentationml/2006/main">
+  <p:cSld>
+    <p:spTree>
+      <p:nvGrpSpPr>
+        <p:cNvPr id="1" name=""/>
+        <p:cNvGrpSpPr/>
+        <p:nvPr/>
+      </p:nvGrpSpPr>
+      <p:grpSpPr>
+        <a:xfrm>
+          <a:off x="0" y="0"/>
+          <a:ext cx="0" cy="0"/>
+          <a:chOff x="0" y="0"/>
+          <a:chExt cx="0" cy="0"/>
+        </a:xfrm>
+      </p:grpSpPr>
+      <p:sp>
+        <p:nvSpPr>
+          <p:cNvPr id="2" name="Title 1"/>
+          <p:cNvSpPr>
+            <a:spLocks noGrp="1"/>
+          </p:cNvSpPr>
+          <p:nvPr>
+            <p:ph type="title"/>
+          </p:nvPr>
+        </p:nvSpPr>
+        <p:spPr/>
+        <p:txBody>
+          <a:bodyPr/>
+          <a:lstStyle/>
+          <a:p>
+            <a:pPr algn="ctr"/>
+            <a:r>
+              <a:rPr lang="en-US" dirty="0" smtClean="0"/>
+              <a:t>agenda</a:t>
+            </a:r>
+            <a:endParaRPr lang="en-GB" dirty="0"/>
+          </a:p>
+        </p:txBody>
+      </p:sp>
+      <p:sp>
+        <p:nvSpPr>
+          <p:cNvPr id="3" name="Content Placeholder 2"/>
+          <p:cNvSpPr>
+            <a:spLocks noGrp="1"/>
+          </p:cNvSpPr>
+          <p:nvPr>
+            <p:ph idx="14"/>
+          </p:nvPr>
+        </p:nvSpPr>
+        <p:spPr/>
+        <p:txBody>
+          <a:bodyPr/>
+          <a:lstStyle/>
+          <a:p>
+            <a:r>
+              <a:rPr lang="en-US" sz="2800" dirty="0"/>
+              <a:t>Encapsulation</a:t>
+            </a:r>
+          </a:p>
+          <a:p>
+            <a:r>
+              <a:rPr lang="en-US" sz="2800" dirty="0"/>
+              <a:t>inheritance</a:t>
+            </a:r>
+          </a:p>
+          <a:p>
+            <a:r>
+              <a:rPr lang="en-US" sz="2800" dirty="0"/>
+              <a:t>Class object</a:t>
+            </a:r>
+          </a:p>
+          <a:p>
+            <a:r>
+              <a:rPr lang="en-US" sz="2800" dirty="0"/>
+              <a:t>IS-a and has-a relationships</a:t>
+            </a:r>
+          </a:p>
+          <a:p>
+            <a:r>
+              <a:rPr lang="en-US" sz="2800" dirty="0"/>
+              <a:t>Polymorphism</a:t>
+            </a:r>
+          </a:p>
+          <a:p>
+            <a:r>
+              <a:rPr lang="en-US" sz="2800" dirty="0"/>
+              <a:t>Overriding and overloading</a:t>
+            </a:r>
+          </a:p>
+          <a:p>
+            <a:r>
+              <a:rPr lang="en-US" sz="2800" dirty="0"/>
+              <a:t>Constructors</a:t>
+            </a:r>
+          </a:p>
+          <a:p>
+            <a:r>
+              <a:rPr lang="en-US" sz="2800" dirty="0">
+                <a:solidFill>
+                  <a:srgbClr val="DE411B"/>
+                </a:solidFill>
+              </a:rPr>
+              <a:t>Assignments and casting</a:t>
+            </a:r>
+            <a:endParaRPr lang="en-GB" sz="2800" dirty="0">
+              <a:solidFill>
+                <a:srgbClr val="DE411B"/>
+              </a:solidFill>
+            </a:endParaRPr>
+          </a:p>
+        </p:txBody>
+      </p:sp>
+    </p:spTree>
+    <p:extLst>
+      <p:ext uri="{BB962C8B-B14F-4D97-AF65-F5344CB8AC3E}">
+        <p14:creationId xmlns:p14="http://schemas.microsoft.com/office/powerpoint/2010/main" val="3788886508"/>
+      </p:ext>
+    </p:extLst>
+  </p:cSld>
+  <p:clrMapOvr>
+    <a:masterClrMapping/>
+  </p:clrMapOvr>
+  <p:timing>
+    <p:tnLst>
+      <p:par>
+        <p:cTn id="1" dur="indefinite" restart="never" nodeType="tmRoot"/>
+      </p:par>
+    </p:tnLst>
+  </p:timing>
+</p:sld>
+</file>
+
+<file path=ppt/slides/slide29.xml><?xml version="1.0" encoding="utf-8"?>
+<p:sld xmlns:a="http://schemas.openxmlformats.org/drawingml/2006/main" xmlns:r="http://schemas.openxmlformats.org/officeDocument/2006/relationships" xmlns:p="http://schemas.openxmlformats.org/presentationml/2006/main">
+  <p:cSld>
+    <p:spTree>
+      <p:nvGrpSpPr>
+        <p:cNvPr id="1" name=""/>
+        <p:cNvGrpSpPr/>
+        <p:nvPr/>
+      </p:nvGrpSpPr>
+      <p:grpSpPr>
+        <a:xfrm>
+          <a:off x="0" y="0"/>
+          <a:ext cx="0" cy="0"/>
+          <a:chOff x="0" y="0"/>
+          <a:chExt cx="0" cy="0"/>
+        </a:xfrm>
+      </p:grpSpPr>
+      <p:sp>
+        <p:nvSpPr>
+          <p:cNvPr id="2" name="Title 1"/>
+          <p:cNvSpPr>
+            <a:spLocks noGrp="1"/>
+          </p:cNvSpPr>
+          <p:nvPr>
+            <p:ph type="title"/>
+          </p:nvPr>
+        </p:nvSpPr>
+        <p:spPr/>
+        <p:txBody>
+          <a:bodyPr/>
+          <a:lstStyle/>
+          <a:p>
+            <a:pPr algn="l"/>
+            <a:r>
+              <a:rPr lang="en-US" dirty="0" smtClean="0">
+                <a:solidFill>
+                  <a:srgbClr val="DE411B"/>
+                </a:solidFill>
+              </a:rPr>
+              <a:t/>
+            </a:r>
+            <a:br>
+              <a:rPr lang="en-US" dirty="0" smtClean="0">
+                <a:solidFill>
+                  <a:srgbClr val="DE411B"/>
+                </a:solidFill>
+              </a:rPr>
+            </a:br>
+            <a:r>
+              <a:rPr lang="en-US" dirty="0" smtClean="0">
+                <a:solidFill>
+                  <a:schemeClr val="tx1"/>
+                </a:solidFill>
+              </a:rPr>
+              <a:t>assignments and casting</a:t>
+            </a:r>
+            <a:endParaRPr lang="en-US" dirty="0"/>
+          </a:p>
+        </p:txBody>
+      </p:sp>
+      <p:sp>
+        <p:nvSpPr>
+          <p:cNvPr id="17" name="Content Placeholder 16"/>
+          <p:cNvSpPr>
+            <a:spLocks noGrp="1"/>
+          </p:cNvSpPr>
+          <p:nvPr>
+            <p:ph idx="22"/>
+          </p:nvPr>
+        </p:nvSpPr>
+        <p:spPr>
+          <a:xfrm>
+            <a:off x="1404349" y="1973251"/>
+            <a:ext cx="5817718" cy="4021149"/>
+          </a:xfrm>
+        </p:spPr>
+        <p:txBody>
+          <a:bodyPr/>
+          <a:lstStyle/>
+          <a:p>
+            <a:pPr marL="285750" indent="-285750" algn="l">
+              <a:buFont typeface="Arial" panose="020B0604020202020204" pitchFamily="34" charset="0"/>
+              <a:buChar char="•"/>
+            </a:pPr>
+            <a:r>
+              <a:rPr lang="en-US" dirty="0"/>
+              <a:t>If you have a reference variable that refers to a subtype object, you can assign it to a reference variable of the subtype. You must make an explicit cast to do this, and the result is that you can access the subtype's members with this new reference variable</a:t>
+            </a:r>
+            <a:r>
+              <a:rPr lang="en-US" dirty="0" smtClean="0"/>
+              <a:t>.</a:t>
+            </a:r>
+          </a:p>
+          <a:p>
+            <a:pPr marL="285750" indent="-285750" algn="l">
+              <a:buFont typeface="Arial" panose="020B0604020202020204" pitchFamily="34" charset="0"/>
+              <a:buChar char="•"/>
+            </a:pPr>
+            <a:r>
+              <a:rPr lang="en-US" dirty="0"/>
+              <a:t>You can assign a reference variable to a </a:t>
+            </a:r>
+            <a:r>
+              <a:rPr lang="en-US" dirty="0" err="1"/>
+              <a:t>supertype</a:t>
+            </a:r>
+            <a:r>
+              <a:rPr lang="en-US" dirty="0"/>
+              <a:t> reference variable explicitly or implicitly. </a:t>
+            </a:r>
+          </a:p>
+          <a:p>
+            <a:pPr marL="285750" indent="-285750" algn="l">
+              <a:buFont typeface="Arial" panose="020B0604020202020204" pitchFamily="34" charset="0"/>
+              <a:buChar char="•"/>
+            </a:pPr>
+            <a:r>
+              <a:rPr lang="en-US" dirty="0" smtClean="0"/>
+              <a:t>It is an </a:t>
+            </a:r>
+            <a:r>
+              <a:rPr lang="en-US" dirty="0"/>
+              <a:t>inherently safe operation because the assignment restricts the access capabilities of the new variable</a:t>
+            </a:r>
+            <a:r>
+              <a:rPr lang="en-US" dirty="0" smtClean="0"/>
+              <a:t>.</a:t>
+            </a:r>
+          </a:p>
+          <a:p>
+            <a:pPr lvl="2"/>
+            <a:r>
+              <a:rPr lang="en-US" dirty="0" smtClean="0">
+                <a:latin typeface="Consolas" pitchFamily="49" charset="0"/>
+              </a:rPr>
+              <a:t>Zebra z = new Zebra();</a:t>
+            </a:r>
+          </a:p>
+          <a:p>
+            <a:pPr lvl="2"/>
+            <a:r>
+              <a:rPr lang="en-US" dirty="0" smtClean="0">
+                <a:latin typeface="Consolas" pitchFamily="49" charset="0"/>
+              </a:rPr>
+              <a:t>Animal a = z;</a:t>
+            </a:r>
+          </a:p>
+          <a:p>
+            <a:pPr lvl="2"/>
+            <a:r>
+              <a:rPr lang="en-US" dirty="0" smtClean="0">
+                <a:latin typeface="Consolas" pitchFamily="49" charset="0"/>
+              </a:rPr>
+              <a:t>Zebra z1 = (Zebra) a;</a:t>
+            </a:r>
+            <a:endParaRPr lang="en-US" dirty="0">
+              <a:latin typeface="Consolas" pitchFamily="49" charset="0"/>
+            </a:endParaRPr>
+          </a:p>
+          <a:p>
+            <a:pPr marL="285750" indent="-285750" algn="l">
+              <a:buFont typeface="Arial" panose="020B0604020202020204" pitchFamily="34" charset="0"/>
+              <a:buChar char="•"/>
+            </a:pPr>
+            <a:endParaRPr lang="en-US" dirty="0" smtClean="0">
+              <a:latin typeface="Consolas" pitchFamily="49" charset="0"/>
+            </a:endParaRPr>
+          </a:p>
+          <a:p>
+            <a:pPr marL="285750" indent="-285750" algn="l">
+              <a:buFont typeface="Arial" panose="020B0604020202020204" pitchFamily="34" charset="0"/>
+              <a:buChar char="•"/>
+            </a:pPr>
+            <a:endParaRPr lang="en-US" dirty="0" smtClean="0"/>
+          </a:p>
+        </p:txBody>
+      </p:sp>
+      <p:pic>
+        <p:nvPicPr>
+          <p:cNvPr id="11266" name="Picture 2"/>
+          <p:cNvPicPr>
+            <a:picLocks noChangeAspect="1" noChangeArrowheads="1"/>
+          </p:cNvPicPr>
+          <p:nvPr/>
+        </p:nvPicPr>
+        <p:blipFill>
+          <a:blip r:embed="rId2">
+            <a:extLst>
+              <a:ext uri="{28A0092B-C50C-407E-A947-70E740481C1C}">
+                <a14:useLocalDpi xmlns:a14="http://schemas.microsoft.com/office/drawing/2010/main" val="0"/>
+              </a:ext>
+            </a:extLst>
+          </a:blip>
+          <a:srcRect/>
+          <a:stretch>
+            <a:fillRect/>
+          </a:stretch>
+        </p:blipFill>
+        <p:spPr bwMode="auto">
+          <a:xfrm>
+            <a:off x="7523703" y="2333096"/>
+            <a:ext cx="4067161" cy="3009371"/>
+          </a:xfrm>
+          <a:prstGeom prst="rect">
+            <a:avLst/>
+          </a:prstGeom>
+          <a:noFill/>
+          <a:ln>
+            <a:noFill/>
+          </a:ln>
+          <a:effectLst/>
+          <a:extLst>
+            <a:ext uri="{909E8E84-426E-40DD-AFC4-6F175D3DCCD1}">
+              <a14:hiddenFill xmlns:a14="http://schemas.microsoft.com/office/drawing/2010/main">
+                <a:solidFill>
+                  <a:schemeClr val="accent1"/>
+                </a:solidFill>
+              </a14:hiddenFill>
+            </a:ext>
+            <a:ext uri="{91240B29-F687-4F45-9708-019B960494DF}">
+              <a14:hiddenLine xmlns:a14="http://schemas.microsoft.com/office/drawing/2010/main" w="9525">
+                <a:solidFill>
+                  <a:schemeClr val="tx1"/>
+                </a:solidFill>
+                <a:miter lim="800000"/>
+                <a:headEnd/>
+                <a:tailEnd/>
+              </a14:hiddenLine>
+            </a:ext>
+            <a:ext uri="{AF507438-7753-43E0-B8FC-AC1667EBCBE1}">
+              <a14:hiddenEffects xmlns:a14="http://schemas.microsoft.com/office/drawing/2010/main">
+                <a:effectLst>
+                  <a:outerShdw dist="35921" dir="2700000" algn="ctr" rotWithShape="0">
+                    <a:schemeClr val="bg2"/>
+                  </a:outerShdw>
+                </a:effectLst>
+              </a14:hiddenEffects>
+            </a:ext>
+          </a:extLst>
+        </p:spPr>
+      </p:pic>
+    </p:spTree>
+    <p:extLst>
+      <p:ext uri="{BB962C8B-B14F-4D97-AF65-F5344CB8AC3E}">
+        <p14:creationId xmlns:p14="http://schemas.microsoft.com/office/powerpoint/2010/main" val="3198595296"/>
+      </p:ext>
+    </p:extLst>
+  </p:cSld>
+  <p:clrMapOvr>
+    <a:masterClrMapping/>
+  </p:clrMapOvr>
+  <p:timing>
+    <p:tnLst>
+      <p:par>
+        <p:cTn id="1" dur="indefinite" restart="never" nodeType="tmRoot"/>
+      </p:par>
+    </p:tnLst>
+  </p:timing>
 </p:sld>
 </file>
 
@@ -12489,6 +17722,93 @@
 </p:sld>
 </file>
 
+<file path=ppt/slides/slide30.xml><?xml version="1.0" encoding="utf-8"?>
+<p:sld xmlns:a="http://schemas.openxmlformats.org/drawingml/2006/main" xmlns:r="http://schemas.openxmlformats.org/officeDocument/2006/relationships" xmlns:p="http://schemas.openxmlformats.org/presentationml/2006/main">
+  <p:cSld>
+    <p:spTree>
+      <p:nvGrpSpPr>
+        <p:cNvPr id="1" name=""/>
+        <p:cNvGrpSpPr/>
+        <p:nvPr/>
+      </p:nvGrpSpPr>
+      <p:grpSpPr>
+        <a:xfrm>
+          <a:off x="0" y="0"/>
+          <a:ext cx="0" cy="0"/>
+          <a:chOff x="0" y="0"/>
+          <a:chExt cx="0" cy="0"/>
+        </a:xfrm>
+      </p:grpSpPr>
+      <p:sp>
+        <p:nvSpPr>
+          <p:cNvPr id="2" name="Title 1"/>
+          <p:cNvSpPr>
+            <a:spLocks noGrp="1"/>
+          </p:cNvSpPr>
+          <p:nvPr>
+            <p:ph type="title"/>
+          </p:nvPr>
+        </p:nvSpPr>
+        <p:spPr/>
+        <p:txBody>
+          <a:bodyPr/>
+          <a:lstStyle/>
+          <a:p>
+            <a:pPr algn="ctr"/>
+            <a:r>
+              <a:rPr lang="en-US" dirty="0" smtClean="0"/>
+              <a:t>Thank you!</a:t>
+            </a:r>
+            <a:endParaRPr lang="en-GB" dirty="0"/>
+          </a:p>
+        </p:txBody>
+      </p:sp>
+      <p:sp>
+        <p:nvSpPr>
+          <p:cNvPr id="3" name="Content Placeholder 2"/>
+          <p:cNvSpPr>
+            <a:spLocks noGrp="1"/>
+          </p:cNvSpPr>
+          <p:nvPr>
+            <p:ph idx="14"/>
+          </p:nvPr>
+        </p:nvSpPr>
+        <p:spPr/>
+        <p:txBody>
+          <a:bodyPr/>
+          <a:lstStyle/>
+          <a:p>
+            <a:pPr marL="0" indent="0">
+              <a:buNone/>
+            </a:pPr>
+            <a:endParaRPr lang="en-GB" sz="2800" dirty="0">
+              <a:solidFill>
+                <a:srgbClr val="DE411B"/>
+              </a:solidFill>
+            </a:endParaRPr>
+          </a:p>
+        </p:txBody>
+      </p:sp>
+    </p:spTree>
+    <p:extLst>
+      <p:ext uri="{BB962C8B-B14F-4D97-AF65-F5344CB8AC3E}">
+        <p14:creationId xmlns:p14="http://schemas.microsoft.com/office/powerpoint/2010/main" val="2403739705"/>
+      </p:ext>
+    </p:extLst>
+  </p:cSld>
+  <p:clrMapOvr>
+    <a:masterClrMapping/>
+  </p:clrMapOvr>
+  <p:timing>
+    <p:tnLst>
+      <p:par>
+        <p:cTn id="1" dur="indefinite" restart="never" nodeType="tmRoot"/>
+      </p:par>
+    </p:tnLst>
+  </p:timing>
+</p:sld>
+</file>
+
 <file path=ppt/slides/slide4.xml><?xml version="1.0" encoding="utf-8"?>
 <p:sld xmlns:a="http://schemas.openxmlformats.org/drawingml/2006/main" xmlns:r="http://schemas.openxmlformats.org/officeDocument/2006/relationships" xmlns:p="http://schemas.openxmlformats.org/presentationml/2006/main">
   <p:cSld>
@@ -12518,7 +17838,7 @@
         </p:nvSpPr>
         <p:spPr>
           <a:xfrm>
-            <a:off x="8171412" y="2659244"/>
+            <a:off x="7807345" y="2659244"/>
             <a:ext cx="3149138" cy="2595069"/>
           </a:xfrm>
         </p:spPr>
@@ -12661,7 +17981,22 @@
             </a:r>
             <a:r>
               <a:rPr lang="en-US" sz="1600" dirty="0" smtClean="0"/>
-              <a:t>: eat, trot, sleep</a:t>
+              <a:t>: eat</a:t>
+            </a:r>
+            <a:r>
+              <a:rPr lang="en-US" sz="1600" dirty="0"/>
+              <a:t>, </a:t>
+            </a:r>
+            <a:r>
+              <a:rPr lang="en-US" sz="1600" dirty="0" smtClean="0"/>
+              <a:t>sleep,</a:t>
+            </a:r>
+            <a:endParaRPr lang="en-US" sz="1600" dirty="0"/>
+          </a:p>
+          <a:p>
+            <a:r>
+              <a:rPr lang="en-US" sz="1600" dirty="0" smtClean="0"/>
+              <a:t>trot</a:t>
             </a:r>
             <a:endParaRPr lang="en-US" sz="1600" dirty="0"/>
           </a:p>
@@ -12912,63 +18247,6 @@
       </p:grpSpPr>
       <p:sp>
         <p:nvSpPr>
-          <p:cNvPr id="2" name="Content Placeholder 1"/>
-          <p:cNvSpPr>
-            <a:spLocks noGrp="1"/>
-          </p:cNvSpPr>
-          <p:nvPr>
-            <p:ph idx="13"/>
-          </p:nvPr>
-        </p:nvSpPr>
-        <p:spPr/>
-        <p:txBody>
-          <a:bodyPr/>
-          <a:lstStyle/>
-          <a:p>
-            <a:endParaRPr lang="en-US" dirty="0"/>
-          </a:p>
-        </p:txBody>
-      </p:sp>
-      <p:sp>
-        <p:nvSpPr>
-          <p:cNvPr id="3" name="Content Placeholder 2"/>
-          <p:cNvSpPr>
-            <a:spLocks noGrp="1"/>
-          </p:cNvSpPr>
-          <p:nvPr>
-            <p:ph idx="14"/>
-          </p:nvPr>
-        </p:nvSpPr>
-        <p:spPr/>
-        <p:txBody>
-          <a:bodyPr/>
-          <a:lstStyle/>
-          <a:p>
-            <a:endParaRPr lang="en-US" dirty="0"/>
-          </a:p>
-        </p:txBody>
-      </p:sp>
-      <p:sp>
-        <p:nvSpPr>
-          <p:cNvPr id="4" name="Content Placeholder 3"/>
-          <p:cNvSpPr>
-            <a:spLocks noGrp="1"/>
-          </p:cNvSpPr>
-          <p:nvPr>
-            <p:ph idx="15"/>
-          </p:nvPr>
-        </p:nvSpPr>
-        <p:spPr/>
-        <p:txBody>
-          <a:bodyPr/>
-          <a:lstStyle/>
-          <a:p>
-            <a:endParaRPr lang="en-US"/>
-          </a:p>
-        </p:txBody>
-      </p:sp>
-      <p:sp>
-        <p:nvSpPr>
           <p:cNvPr id="5" name="Title 4"/>
           <p:cNvSpPr>
             <a:spLocks noGrp="1"/>
@@ -13013,10 +18291,1171 @@
           </a:p>
         </p:txBody>
       </p:sp>
+      <p:pic>
+        <p:nvPicPr>
+          <p:cNvPr id="6" name="Content Placeholder 7"/>
+          <p:cNvPicPr>
+            <a:picLocks noGrp="1" noChangeAspect="1"/>
+          </p:cNvPicPr>
+          <p:nvPr>
+            <p:ph idx="14"/>
+          </p:nvPr>
+        </p:nvPicPr>
+        <p:blipFill>
+          <a:blip r:embed="rId2"/>
+          <a:stretch>
+            <a:fillRect/>
+          </a:stretch>
+        </p:blipFill>
+        <p:spPr>
+          <a:xfrm>
+            <a:off x="6089209" y="2436675"/>
+            <a:ext cx="3124905" cy="2343679"/>
+          </a:xfrm>
+          <a:prstGeom prst="rect">
+            <a:avLst/>
+          </a:prstGeom>
+          <a:noFill/>
+        </p:spPr>
+      </p:pic>
+      <p:sp>
+        <p:nvSpPr>
+          <p:cNvPr id="7" name="TextBox 6"/>
+          <p:cNvSpPr txBox="1"/>
+          <p:nvPr/>
+        </p:nvSpPr>
+        <p:spPr>
+          <a:xfrm>
+            <a:off x="8801792" y="2786244"/>
+            <a:ext cx="2493818" cy="1569660"/>
+          </a:xfrm>
+          <a:prstGeom prst="rect">
+            <a:avLst/>
+          </a:prstGeom>
+          <a:noFill/>
+        </p:spPr>
+        <p:txBody>
+          <a:bodyPr wrap="square" rtlCol="0">
+            <a:spAutoFit/>
+          </a:bodyPr>
+          <a:lstStyle/>
+          <a:p>
+            <a:r>
+              <a:rPr lang="en-US" sz="1600" dirty="0" smtClean="0">
+                <a:solidFill>
+                  <a:schemeClr val="accent1"/>
+                </a:solidFill>
+              </a:rPr>
+              <a:t>State</a:t>
+            </a:r>
+            <a:r>
+              <a:rPr lang="en-US" sz="1600" dirty="0" smtClean="0"/>
+              <a:t>: weight, color, nickname, </a:t>
+            </a:r>
+            <a:r>
+              <a:rPr lang="en-US" sz="1600" u="sng" dirty="0" smtClean="0"/>
+              <a:t>number of stripes</a:t>
+            </a:r>
+          </a:p>
+          <a:p>
+            <a:endParaRPr lang="en-US" sz="1600" dirty="0"/>
+          </a:p>
+          <a:p>
+            <a:r>
+              <a:rPr lang="en-US" sz="1600" dirty="0" err="1" smtClean="0">
+                <a:solidFill>
+                  <a:schemeClr val="accent1"/>
+                </a:solidFill>
+              </a:rPr>
+              <a:t>Behaviour</a:t>
+            </a:r>
+            <a:r>
+              <a:rPr lang="en-US" sz="1600" dirty="0" smtClean="0"/>
+              <a:t>: eat, </a:t>
+            </a:r>
+            <a:r>
+              <a:rPr lang="en-US" sz="1600" dirty="0" smtClean="0"/>
+              <a:t>sleep,</a:t>
+            </a:r>
+            <a:endParaRPr lang="en-US" sz="1600" dirty="0"/>
+          </a:p>
+          <a:p>
+            <a:r>
+              <a:rPr lang="en-US" sz="1600" u="sng" dirty="0" smtClean="0"/>
+              <a:t>trot</a:t>
+            </a:r>
+            <a:endParaRPr lang="en-US" sz="1600" u="sng" dirty="0"/>
+          </a:p>
+        </p:txBody>
+      </p:sp>
+      <p:sp>
+        <p:nvSpPr>
+          <p:cNvPr id="9" name="TextBox 8"/>
+          <p:cNvSpPr txBox="1"/>
+          <p:nvPr/>
+        </p:nvSpPr>
+        <p:spPr>
+          <a:xfrm>
+            <a:off x="3222259" y="2786244"/>
+            <a:ext cx="2493818" cy="1077218"/>
+          </a:xfrm>
+          <a:prstGeom prst="rect">
+            <a:avLst/>
+          </a:prstGeom>
+          <a:noFill/>
+        </p:spPr>
+        <p:txBody>
+          <a:bodyPr wrap="square" rtlCol="0">
+            <a:spAutoFit/>
+          </a:bodyPr>
+          <a:lstStyle/>
+          <a:p>
+            <a:r>
+              <a:rPr lang="en-US" sz="1600" dirty="0" smtClean="0">
+                <a:solidFill>
+                  <a:schemeClr val="accent1"/>
+                </a:solidFill>
+              </a:rPr>
+              <a:t>State</a:t>
+            </a:r>
+            <a:r>
+              <a:rPr lang="en-US" sz="1600" dirty="0" smtClean="0"/>
+              <a:t>: weight, color, </a:t>
+            </a:r>
+            <a:r>
+              <a:rPr lang="en-US" sz="1600" dirty="0" smtClean="0"/>
+              <a:t>nickname</a:t>
+            </a:r>
+          </a:p>
+          <a:p>
+            <a:endParaRPr lang="en-US" sz="1600" dirty="0"/>
+          </a:p>
+          <a:p>
+            <a:r>
+              <a:rPr lang="en-US" sz="1600" dirty="0" err="1" smtClean="0">
+                <a:solidFill>
+                  <a:schemeClr val="accent1"/>
+                </a:solidFill>
+              </a:rPr>
+              <a:t>Behaviour</a:t>
+            </a:r>
+            <a:r>
+              <a:rPr lang="en-US" sz="1600" dirty="0" smtClean="0"/>
+              <a:t>: eat, </a:t>
+            </a:r>
+            <a:r>
+              <a:rPr lang="en-US" sz="1600" dirty="0" smtClean="0"/>
+              <a:t>sleep</a:t>
+            </a:r>
+            <a:endParaRPr lang="en-US" sz="1600" dirty="0"/>
+          </a:p>
+        </p:txBody>
+      </p:sp>
+      <p:sp>
+        <p:nvSpPr>
+          <p:cNvPr id="12" name="TextBox 11"/>
+          <p:cNvSpPr txBox="1"/>
+          <p:nvPr/>
+        </p:nvSpPr>
+        <p:spPr>
+          <a:xfrm>
+            <a:off x="1270001" y="3377683"/>
+            <a:ext cx="1507066" cy="461665"/>
+          </a:xfrm>
+          <a:prstGeom prst="rect">
+            <a:avLst/>
+          </a:prstGeom>
+          <a:noFill/>
+        </p:spPr>
+        <p:txBody>
+          <a:bodyPr wrap="square" rtlCol="0">
+            <a:spAutoFit/>
+          </a:bodyPr>
+          <a:lstStyle/>
+          <a:p>
+            <a:r>
+              <a:rPr lang="en-US" sz="2400" b="1" dirty="0" smtClean="0"/>
+              <a:t>ANIMAL</a:t>
+            </a:r>
+            <a:endParaRPr lang="ro-RO" sz="2400" b="1" dirty="0"/>
+          </a:p>
+        </p:txBody>
+      </p:sp>
+      <p:sp>
+        <p:nvSpPr>
+          <p:cNvPr id="13" name="Oval 12"/>
+          <p:cNvSpPr/>
+          <p:nvPr/>
+        </p:nvSpPr>
+        <p:spPr>
+          <a:xfrm>
+            <a:off x="690726" y="2032085"/>
+            <a:ext cx="2531533" cy="3022600"/>
+          </a:xfrm>
+          <a:prstGeom prst="ellipse">
+            <a:avLst/>
+          </a:prstGeom>
+          <a:noFill/>
+        </p:spPr>
+        <p:style>
+          <a:lnRef idx="2">
+            <a:schemeClr val="accent1">
+              <a:shade val="50000"/>
+            </a:schemeClr>
+          </a:lnRef>
+          <a:fillRef idx="1">
+            <a:schemeClr val="accent1"/>
+          </a:fillRef>
+          <a:effectRef idx="0">
+            <a:schemeClr val="accent1"/>
+          </a:effectRef>
+          <a:fontRef idx="minor">
+            <a:schemeClr val="lt1"/>
+          </a:fontRef>
+        </p:style>
+        <p:txBody>
+          <a:bodyPr rtlCol="0" anchor="ctr"/>
+          <a:lstStyle/>
+          <a:p>
+            <a:pPr algn="ctr"/>
+            <a:endParaRPr lang="ro-RO"/>
+          </a:p>
+        </p:txBody>
+      </p:sp>
+      <p:sp>
+        <p:nvSpPr>
+          <p:cNvPr id="14" name="Oval 13"/>
+          <p:cNvSpPr/>
+          <p:nvPr/>
+        </p:nvSpPr>
+        <p:spPr>
+          <a:xfrm>
+            <a:off x="6189132" y="2184485"/>
+            <a:ext cx="2531533" cy="3022600"/>
+          </a:xfrm>
+          <a:prstGeom prst="ellipse">
+            <a:avLst/>
+          </a:prstGeom>
+          <a:noFill/>
+        </p:spPr>
+        <p:style>
+          <a:lnRef idx="2">
+            <a:schemeClr val="accent1">
+              <a:shade val="50000"/>
+            </a:schemeClr>
+          </a:lnRef>
+          <a:fillRef idx="1">
+            <a:schemeClr val="accent1"/>
+          </a:fillRef>
+          <a:effectRef idx="0">
+            <a:schemeClr val="accent1"/>
+          </a:effectRef>
+          <a:fontRef idx="minor">
+            <a:schemeClr val="lt1"/>
+          </a:fontRef>
+        </p:style>
+        <p:txBody>
+          <a:bodyPr rtlCol="0" anchor="ctr"/>
+          <a:lstStyle/>
+          <a:p>
+            <a:pPr algn="ctr"/>
+            <a:endParaRPr lang="ro-RO"/>
+          </a:p>
+        </p:txBody>
+      </p:sp>
+      <p:cxnSp>
+        <p:nvCxnSpPr>
+          <p:cNvPr id="19" name="Elbow Connector 18"/>
+          <p:cNvCxnSpPr>
+            <a:stCxn id="14" idx="3"/>
+            <a:endCxn id="13" idx="5"/>
+          </p:cNvCxnSpPr>
+          <p:nvPr/>
+        </p:nvCxnSpPr>
+        <p:spPr>
+          <a:xfrm rot="5400000" flipH="1">
+            <a:off x="4629496" y="2834065"/>
+            <a:ext cx="152400" cy="3708341"/>
+          </a:xfrm>
+          <a:prstGeom prst="bentConnector3">
+            <a:avLst>
+              <a:gd name="adj1" fmla="val -440453"/>
+            </a:avLst>
+          </a:prstGeom>
+          <a:ln>
+            <a:tailEnd type="arrow"/>
+          </a:ln>
+        </p:spPr>
+        <p:style>
+          <a:lnRef idx="1">
+            <a:schemeClr val="accent1"/>
+          </a:lnRef>
+          <a:fillRef idx="0">
+            <a:schemeClr val="accent1"/>
+          </a:fillRef>
+          <a:effectRef idx="0">
+            <a:schemeClr val="accent1"/>
+          </a:effectRef>
+          <a:fontRef idx="minor">
+            <a:schemeClr val="tx1"/>
+          </a:fontRef>
+        </p:style>
+      </p:cxnSp>
+      <p:sp>
+        <p:nvSpPr>
+          <p:cNvPr id="20" name="TextBox 19"/>
+          <p:cNvSpPr txBox="1"/>
+          <p:nvPr/>
+        </p:nvSpPr>
+        <p:spPr>
+          <a:xfrm>
+            <a:off x="4276744" y="5020733"/>
+            <a:ext cx="1439333" cy="369332"/>
+          </a:xfrm>
+          <a:prstGeom prst="rect">
+            <a:avLst/>
+          </a:prstGeom>
+          <a:noFill/>
+        </p:spPr>
+        <p:txBody>
+          <a:bodyPr wrap="square" rtlCol="0">
+            <a:spAutoFit/>
+          </a:bodyPr>
+          <a:lstStyle/>
+          <a:p>
+            <a:r>
+              <a:rPr lang="en-US" dirty="0" smtClean="0"/>
+              <a:t>inherits</a:t>
+            </a:r>
+            <a:endParaRPr lang="ro-RO" dirty="0"/>
+          </a:p>
+        </p:txBody>
+      </p:sp>
+      <p:sp>
+        <p:nvSpPr>
+          <p:cNvPr id="22" name="TextBox 21"/>
+          <p:cNvSpPr txBox="1"/>
+          <p:nvPr/>
+        </p:nvSpPr>
+        <p:spPr>
+          <a:xfrm>
+            <a:off x="7179733" y="5207085"/>
+            <a:ext cx="1117600" cy="369332"/>
+          </a:xfrm>
+          <a:prstGeom prst="rect">
+            <a:avLst/>
+          </a:prstGeom>
+          <a:noFill/>
+        </p:spPr>
+        <p:txBody>
+          <a:bodyPr wrap="square" rtlCol="0">
+            <a:spAutoFit/>
+          </a:bodyPr>
+          <a:lstStyle/>
+          <a:p>
+            <a:r>
+              <a:rPr lang="en-US" dirty="0" smtClean="0"/>
+              <a:t>child</a:t>
+            </a:r>
+            <a:endParaRPr lang="ro-RO" dirty="0"/>
+          </a:p>
+        </p:txBody>
+      </p:sp>
+      <p:sp>
+        <p:nvSpPr>
+          <p:cNvPr id="23" name="TextBox 22"/>
+          <p:cNvSpPr txBox="1"/>
+          <p:nvPr/>
+        </p:nvSpPr>
+        <p:spPr>
+          <a:xfrm>
+            <a:off x="1522259" y="5078568"/>
+            <a:ext cx="1329266" cy="369332"/>
+          </a:xfrm>
+          <a:prstGeom prst="rect">
+            <a:avLst/>
+          </a:prstGeom>
+          <a:noFill/>
+        </p:spPr>
+        <p:txBody>
+          <a:bodyPr wrap="square" rtlCol="0">
+            <a:spAutoFit/>
+          </a:bodyPr>
+          <a:lstStyle/>
+          <a:p>
+            <a:r>
+              <a:rPr lang="en-US" dirty="0" smtClean="0"/>
+              <a:t>parent</a:t>
+            </a:r>
+            <a:endParaRPr lang="ro-RO" dirty="0"/>
+          </a:p>
+        </p:txBody>
+      </p:sp>
     </p:spTree>
     <p:extLst>
       <p:ext uri="{BB962C8B-B14F-4D97-AF65-F5344CB8AC3E}">
         <p14:creationId xmlns:p14="http://schemas.microsoft.com/office/powerpoint/2010/main" val="2838268498"/>
+      </p:ext>
+    </p:extLst>
+  </p:cSld>
+  <p:clrMapOvr>
+    <a:masterClrMapping/>
+  </p:clrMapOvr>
+</p:sld>
+</file>
+
+<file path=ppt/slides/slide8.xml><?xml version="1.0" encoding="utf-8"?>
+<p:sld xmlns:a="http://schemas.openxmlformats.org/drawingml/2006/main" xmlns:r="http://schemas.openxmlformats.org/officeDocument/2006/relationships" xmlns:p="http://schemas.openxmlformats.org/presentationml/2006/main">
+  <p:cSld>
+    <p:spTree>
+      <p:nvGrpSpPr>
+        <p:cNvPr id="1" name=""/>
+        <p:cNvGrpSpPr/>
+        <p:nvPr/>
+      </p:nvGrpSpPr>
+      <p:grpSpPr>
+        <a:xfrm>
+          <a:off x="0" y="0"/>
+          <a:ext cx="0" cy="0"/>
+          <a:chOff x="0" y="0"/>
+          <a:chExt cx="0" cy="0"/>
+        </a:xfrm>
+      </p:grpSpPr>
+      <p:sp>
+        <p:nvSpPr>
+          <p:cNvPr id="2" name="Title 1"/>
+          <p:cNvSpPr>
+            <a:spLocks noGrp="1"/>
+          </p:cNvSpPr>
+          <p:nvPr>
+            <p:ph type="title"/>
+          </p:nvPr>
+        </p:nvSpPr>
+        <p:spPr/>
+        <p:txBody>
+          <a:bodyPr/>
+          <a:lstStyle/>
+          <a:p>
+            <a:pPr algn="l"/>
+            <a:r>
+              <a:rPr lang="en-US" dirty="0">
+                <a:solidFill>
+                  <a:srgbClr val="DE411B"/>
+                </a:solidFill>
+              </a:rPr>
+              <a:t/>
+            </a:r>
+            <a:br>
+              <a:rPr lang="en-US" dirty="0">
+                <a:solidFill>
+                  <a:srgbClr val="DE411B"/>
+                </a:solidFill>
+              </a:rPr>
+            </a:br>
+            <a:r>
+              <a:rPr lang="en-US" dirty="0">
+                <a:solidFill>
+                  <a:schemeClr val="tx1"/>
+                </a:solidFill>
+              </a:rPr>
+              <a:t>INHERITANCE</a:t>
+            </a:r>
+            <a:endParaRPr lang="en-US" dirty="0"/>
+          </a:p>
+        </p:txBody>
+      </p:sp>
+      <p:sp>
+        <p:nvSpPr>
+          <p:cNvPr id="17" name="Content Placeholder 16"/>
+          <p:cNvSpPr>
+            <a:spLocks noGrp="1"/>
+          </p:cNvSpPr>
+          <p:nvPr>
+            <p:ph idx="22"/>
+          </p:nvPr>
+        </p:nvSpPr>
+        <p:spPr>
+          <a:xfrm>
+            <a:off x="1235015" y="2684452"/>
+            <a:ext cx="4542486" cy="2359249"/>
+          </a:xfrm>
+        </p:spPr>
+        <p:txBody>
+          <a:bodyPr/>
+          <a:lstStyle/>
+          <a:p>
+            <a:pPr marL="285750" indent="-285750" algn="l">
+              <a:buFont typeface="Arial" panose="020B0604020202020204" pitchFamily="34" charset="0"/>
+              <a:buChar char="•"/>
+            </a:pPr>
+            <a:r>
+              <a:rPr lang="en-US" dirty="0"/>
+              <a:t>Creates specialized objects without starting from </a:t>
+            </a:r>
+            <a:r>
+              <a:rPr lang="en-US" dirty="0" smtClean="0"/>
+              <a:t>scratch</a:t>
+            </a:r>
+          </a:p>
+          <a:p>
+            <a:pPr marL="285750" indent="-285750" algn="l">
+              <a:buFont typeface="Arial" panose="020B0604020202020204" pitchFamily="34" charset="0"/>
+              <a:buChar char="•"/>
+            </a:pPr>
+            <a:r>
+              <a:rPr lang="en-US" dirty="0" smtClean="0"/>
+              <a:t>Code reusability</a:t>
+            </a:r>
+          </a:p>
+          <a:p>
+            <a:pPr marL="285750" indent="-285750" algn="l">
+              <a:buFont typeface="Arial" panose="020B0604020202020204" pitchFamily="34" charset="0"/>
+              <a:buChar char="•"/>
+            </a:pPr>
+            <a:r>
+              <a:rPr lang="en-US" dirty="0" smtClean="0"/>
+              <a:t>Polymorphism</a:t>
+            </a:r>
+          </a:p>
+        </p:txBody>
+      </p:sp>
+      <p:sp>
+        <p:nvSpPr>
+          <p:cNvPr id="3" name="Content Placeholder 2"/>
+          <p:cNvSpPr>
+            <a:spLocks noGrp="1"/>
+          </p:cNvSpPr>
+          <p:nvPr>
+            <p:ph idx="19"/>
+          </p:nvPr>
+        </p:nvSpPr>
+        <p:spPr>
+          <a:xfrm>
+            <a:off x="1210834" y="1866607"/>
+            <a:ext cx="4790956" cy="424732"/>
+          </a:xfrm>
+        </p:spPr>
+        <p:txBody>
+          <a:bodyPr/>
+          <a:lstStyle/>
+          <a:p>
+            <a:r>
+              <a:rPr lang="en-US" dirty="0" smtClean="0"/>
+              <a:t>BENEFITS</a:t>
+            </a:r>
+            <a:endParaRPr lang="en-US" dirty="0"/>
+          </a:p>
+        </p:txBody>
+      </p:sp>
+      <p:sp>
+        <p:nvSpPr>
+          <p:cNvPr id="6" name="Content Placeholder 16"/>
+          <p:cNvSpPr txBox="1">
+            <a:spLocks/>
+          </p:cNvSpPr>
+          <p:nvPr/>
+        </p:nvSpPr>
+        <p:spPr>
+          <a:xfrm>
+            <a:off x="6275144" y="2684452"/>
+            <a:ext cx="4542486" cy="2359249"/>
+          </a:xfrm>
+          <a:prstGeom prst="rect">
+            <a:avLst/>
+          </a:prstGeom>
+        </p:spPr>
+        <p:txBody>
+          <a:bodyPr vert="horz" lIns="0" tIns="45720" rIns="91440" bIns="45720" rtlCol="0" anchor="t" anchorCtr="0">
+            <a:noAutofit/>
+          </a:bodyPr>
+          <a:lstStyle>
+            <a:lvl1pPr marL="0" marR="0" indent="0" algn="ctr" defTabSz="914400" rtl="0" eaLnBrk="1" fontAlgn="auto" latinLnBrk="0" hangingPunct="1">
+              <a:lnSpc>
+                <a:spcPct val="90000"/>
+              </a:lnSpc>
+              <a:spcBef>
+                <a:spcPts val="1000"/>
+              </a:spcBef>
+              <a:spcAft>
+                <a:spcPts val="0"/>
+              </a:spcAft>
+              <a:buClrTx/>
+              <a:buSzTx/>
+              <a:buFont typeface="Arial" panose="020B0604020202020204" pitchFamily="34" charset="0"/>
+              <a:buNone/>
+              <a:tabLst/>
+              <a:defRPr lang="en-US" sz="1800" b="0" kern="1200" cap="none" baseline="0" dirty="0" smtClean="0">
+                <a:solidFill>
+                  <a:schemeClr val="tx1"/>
+                </a:solidFill>
+                <a:latin typeface="+mn-lt"/>
+                <a:ea typeface="Arial" charset="0"/>
+                <a:cs typeface="Arial" charset="0"/>
+              </a:defRPr>
+            </a:lvl1pPr>
+            <a:lvl2pPr marL="0" indent="0" algn="l" defTabSz="914400" rtl="0" eaLnBrk="1" latinLnBrk="0" hangingPunct="1">
+              <a:lnSpc>
+                <a:spcPct val="90000"/>
+              </a:lnSpc>
+              <a:spcBef>
+                <a:spcPts val="500"/>
+              </a:spcBef>
+              <a:buFont typeface="Arial" panose="020B0604020202020204" pitchFamily="34" charset="0"/>
+              <a:buNone/>
+              <a:defRPr sz="1600" kern="1200">
+                <a:solidFill>
+                  <a:srgbClr val="4A4E52"/>
+                </a:solidFill>
+                <a:latin typeface="+mn-lt"/>
+                <a:ea typeface="+mn-ea"/>
+                <a:cs typeface="+mn-cs"/>
+              </a:defRPr>
+            </a:lvl2pPr>
+            <a:lvl3pPr marL="1257300" indent="-342900" algn="l" defTabSz="914400" rtl="0" eaLnBrk="1" latinLnBrk="0" hangingPunct="1">
+              <a:lnSpc>
+                <a:spcPct val="90000"/>
+              </a:lnSpc>
+              <a:spcBef>
+                <a:spcPts val="500"/>
+              </a:spcBef>
+              <a:buClr>
+                <a:srgbClr val="81ADB5"/>
+              </a:buClr>
+              <a:buFont typeface="Arial" panose="020B0604020202020204" pitchFamily="34" charset="0"/>
+              <a:buChar char="•"/>
+              <a:defRPr sz="1600" kern="1200">
+                <a:solidFill>
+                  <a:srgbClr val="4A4E52"/>
+                </a:solidFill>
+                <a:latin typeface="+mn-lt"/>
+                <a:ea typeface="+mn-ea"/>
+                <a:cs typeface="+mn-cs"/>
+              </a:defRPr>
+            </a:lvl3pPr>
+            <a:lvl4pPr marL="1600200" indent="-228600" algn="l" defTabSz="914400" rtl="0" eaLnBrk="1" latinLnBrk="0" hangingPunct="1">
+              <a:lnSpc>
+                <a:spcPct val="90000"/>
+              </a:lnSpc>
+              <a:spcBef>
+                <a:spcPts val="500"/>
+              </a:spcBef>
+              <a:buFont typeface="Calibri" panose="020F0502020204030204" pitchFamily="34" charset="0"/>
+              <a:buChar char="-"/>
+              <a:defRPr sz="1500" kern="1200">
+                <a:solidFill>
+                  <a:srgbClr val="4A4E52"/>
+                </a:solidFill>
+                <a:latin typeface="+mn-lt"/>
+                <a:ea typeface="+mn-ea"/>
+                <a:cs typeface="+mn-cs"/>
+              </a:defRPr>
+            </a:lvl4pPr>
+            <a:lvl5pPr marL="2057400" indent="-228600" algn="l" defTabSz="914400" rtl="0" eaLnBrk="1" latinLnBrk="0" hangingPunct="1">
+              <a:lnSpc>
+                <a:spcPct val="90000"/>
+              </a:lnSpc>
+              <a:spcBef>
+                <a:spcPts val="500"/>
+              </a:spcBef>
+              <a:buFont typeface="Arial" panose="020B0604020202020204" pitchFamily="34" charset="0"/>
+              <a:buChar char="•"/>
+              <a:defRPr sz="1800" kern="1200">
+                <a:solidFill>
+                  <a:srgbClr val="4A4E52"/>
+                </a:solidFill>
+                <a:latin typeface="+mn-lt"/>
+                <a:ea typeface="+mn-ea"/>
+                <a:cs typeface="+mn-cs"/>
+              </a:defRPr>
+            </a:lvl5pPr>
+            <a:lvl6pPr marL="2514600" indent="-228600" algn="l" defTabSz="914400" rtl="0" eaLnBrk="1" latinLnBrk="0" hangingPunct="1">
+              <a:lnSpc>
+                <a:spcPct val="90000"/>
+              </a:lnSpc>
+              <a:spcBef>
+                <a:spcPts val="500"/>
+              </a:spcBef>
+              <a:buFont typeface="Arial" panose="020B0604020202020204" pitchFamily="34" charset="0"/>
+              <a:buChar char="•"/>
+              <a:defRPr sz="1800" kern="1200">
+                <a:solidFill>
+                  <a:schemeClr val="tx1"/>
+                </a:solidFill>
+                <a:latin typeface="+mn-lt"/>
+                <a:ea typeface="+mn-ea"/>
+                <a:cs typeface="+mn-cs"/>
+              </a:defRPr>
+            </a:lvl6pPr>
+            <a:lvl7pPr marL="2971800" indent="-228600" algn="l" defTabSz="914400" rtl="0" eaLnBrk="1" latinLnBrk="0" hangingPunct="1">
+              <a:lnSpc>
+                <a:spcPct val="90000"/>
+              </a:lnSpc>
+              <a:spcBef>
+                <a:spcPts val="500"/>
+              </a:spcBef>
+              <a:buFont typeface="Arial" panose="020B0604020202020204" pitchFamily="34" charset="0"/>
+              <a:buChar char="•"/>
+              <a:defRPr sz="1800" kern="1200">
+                <a:solidFill>
+                  <a:schemeClr val="tx1"/>
+                </a:solidFill>
+                <a:latin typeface="+mn-lt"/>
+                <a:ea typeface="+mn-ea"/>
+                <a:cs typeface="+mn-cs"/>
+              </a:defRPr>
+            </a:lvl7pPr>
+            <a:lvl8pPr marL="3429000" indent="-228600" algn="l" defTabSz="914400" rtl="0" eaLnBrk="1" latinLnBrk="0" hangingPunct="1">
+              <a:lnSpc>
+                <a:spcPct val="90000"/>
+              </a:lnSpc>
+              <a:spcBef>
+                <a:spcPts val="500"/>
+              </a:spcBef>
+              <a:buFont typeface="Arial" panose="020B0604020202020204" pitchFamily="34" charset="0"/>
+              <a:buChar char="•"/>
+              <a:defRPr sz="1800" kern="1200">
+                <a:solidFill>
+                  <a:schemeClr val="tx1"/>
+                </a:solidFill>
+                <a:latin typeface="+mn-lt"/>
+                <a:ea typeface="+mn-ea"/>
+                <a:cs typeface="+mn-cs"/>
+              </a:defRPr>
+            </a:lvl8pPr>
+            <a:lvl9pPr marL="3886200" indent="-228600" algn="l" defTabSz="914400" rtl="0" eaLnBrk="1" latinLnBrk="0" hangingPunct="1">
+              <a:lnSpc>
+                <a:spcPct val="90000"/>
+              </a:lnSpc>
+              <a:spcBef>
+                <a:spcPts val="500"/>
+              </a:spcBef>
+              <a:buFont typeface="Arial" panose="020B0604020202020204" pitchFamily="34" charset="0"/>
+              <a:buChar char="•"/>
+              <a:defRPr sz="1800" kern="1200">
+                <a:solidFill>
+                  <a:schemeClr val="tx1"/>
+                </a:solidFill>
+                <a:latin typeface="+mn-lt"/>
+                <a:ea typeface="+mn-ea"/>
+                <a:cs typeface="+mn-cs"/>
+              </a:defRPr>
+            </a:lvl9pPr>
+          </a:lstStyle>
+          <a:p>
+            <a:pPr marL="285750" indent="-285750" algn="l">
+              <a:buFont typeface="Arial" panose="020B0604020202020204" pitchFamily="34" charset="0"/>
+              <a:buChar char="•"/>
+            </a:pPr>
+            <a:r>
+              <a:rPr lang="en-US" dirty="0"/>
+              <a:t>You can create inheritance relationships in Java by </a:t>
+            </a:r>
+            <a:r>
+              <a:rPr lang="en-US" i="1" dirty="0"/>
+              <a:t>extending</a:t>
+            </a:r>
+            <a:r>
+              <a:rPr lang="en-US" dirty="0"/>
+              <a:t> a class</a:t>
+            </a:r>
+          </a:p>
+          <a:p>
+            <a:pPr marL="285750" indent="-285750" algn="l">
+              <a:buFont typeface="Arial" panose="020B0604020202020204" pitchFamily="34" charset="0"/>
+              <a:buChar char="•"/>
+            </a:pPr>
+            <a:r>
+              <a:rPr lang="en-US" dirty="0"/>
+              <a:t>A class that is derived from another class is called a </a:t>
+            </a:r>
+            <a:r>
+              <a:rPr lang="en-US" i="1" dirty="0"/>
+              <a:t>subclass</a:t>
+            </a:r>
+          </a:p>
+          <a:p>
+            <a:pPr marL="285750" indent="-285750" algn="l">
+              <a:buFont typeface="Arial" panose="020B0604020202020204" pitchFamily="34" charset="0"/>
+              <a:buChar char="•"/>
+            </a:pPr>
+            <a:r>
+              <a:rPr lang="en-US" dirty="0"/>
+              <a:t>A subclass inherits all of the </a:t>
+            </a:r>
+            <a:r>
+              <a:rPr lang="en-US" i="1" dirty="0"/>
+              <a:t>public</a:t>
+            </a:r>
+            <a:r>
+              <a:rPr lang="en-US" dirty="0"/>
+              <a:t> and </a:t>
+            </a:r>
+            <a:r>
+              <a:rPr lang="en-US" i="1" dirty="0"/>
+              <a:t>protected</a:t>
+            </a:r>
+            <a:r>
+              <a:rPr lang="en-US" dirty="0"/>
+              <a:t> members </a:t>
+            </a:r>
+            <a:r>
+              <a:rPr lang="en-US" dirty="0" smtClean="0"/>
+              <a:t>(fields, methods) of </a:t>
+            </a:r>
+            <a:r>
+              <a:rPr lang="en-US" dirty="0"/>
+              <a:t>its </a:t>
+            </a:r>
+            <a:r>
+              <a:rPr lang="en-US" dirty="0" smtClean="0"/>
+              <a:t>parents (</a:t>
+            </a:r>
+            <a:r>
+              <a:rPr lang="en-US" i="1" dirty="0" err="1" smtClean="0"/>
+              <a:t>superclasses</a:t>
+            </a:r>
+            <a:r>
+              <a:rPr lang="en-US" dirty="0" smtClean="0"/>
+              <a:t>)</a:t>
+            </a:r>
+          </a:p>
+          <a:p>
+            <a:pPr marL="285750" indent="-285750" algn="l">
+              <a:buFont typeface="Arial" panose="020B0604020202020204" pitchFamily="34" charset="0"/>
+              <a:buChar char="•"/>
+            </a:pPr>
+            <a:r>
+              <a:rPr lang="en-US" dirty="0" smtClean="0"/>
+              <a:t>Java supports only single inheritance!</a:t>
+            </a:r>
+            <a:endParaRPr lang="en-US" dirty="0"/>
+          </a:p>
+        </p:txBody>
+      </p:sp>
+      <p:sp>
+        <p:nvSpPr>
+          <p:cNvPr id="7" name="Content Placeholder 2"/>
+          <p:cNvSpPr txBox="1">
+            <a:spLocks/>
+          </p:cNvSpPr>
+          <p:nvPr/>
+        </p:nvSpPr>
+        <p:spPr>
+          <a:xfrm>
+            <a:off x="6251854" y="1866607"/>
+            <a:ext cx="4790956" cy="424732"/>
+          </a:xfrm>
+          <a:prstGeom prst="rect">
+            <a:avLst/>
+          </a:prstGeom>
+        </p:spPr>
+        <p:txBody>
+          <a:bodyPr vert="horz" lIns="0" tIns="45720" rIns="91440" bIns="45720" rtlCol="0" anchor="b" anchorCtr="0">
+            <a:spAutoFit/>
+          </a:bodyPr>
+          <a:lstStyle>
+            <a:lvl1pPr marL="0" marR="0" indent="0" algn="ctr" defTabSz="914400" rtl="0" eaLnBrk="1" fontAlgn="auto" latinLnBrk="0" hangingPunct="1">
+              <a:lnSpc>
+                <a:spcPct val="90000"/>
+              </a:lnSpc>
+              <a:spcBef>
+                <a:spcPts val="1000"/>
+              </a:spcBef>
+              <a:spcAft>
+                <a:spcPts val="0"/>
+              </a:spcAft>
+              <a:buClrTx/>
+              <a:buSzTx/>
+              <a:buFont typeface="Arial" panose="020B0604020202020204" pitchFamily="34" charset="0"/>
+              <a:buNone/>
+              <a:tabLst/>
+              <a:defRPr lang="en-US" sz="2400" b="1" kern="1200" cap="all" baseline="0" dirty="0" smtClean="0">
+                <a:solidFill>
+                  <a:srgbClr val="DF411C"/>
+                </a:solidFill>
+                <a:latin typeface="+mj-lt"/>
+                <a:ea typeface="Arial" charset="0"/>
+                <a:cs typeface="Arial" charset="0"/>
+              </a:defRPr>
+            </a:lvl1pPr>
+            <a:lvl2pPr marL="0" indent="0" algn="l" defTabSz="914400" rtl="0" eaLnBrk="1" latinLnBrk="0" hangingPunct="1">
+              <a:lnSpc>
+                <a:spcPct val="90000"/>
+              </a:lnSpc>
+              <a:spcBef>
+                <a:spcPts val="500"/>
+              </a:spcBef>
+              <a:buFont typeface="Arial" panose="020B0604020202020204" pitchFamily="34" charset="0"/>
+              <a:buNone/>
+              <a:defRPr sz="1600" kern="1200">
+                <a:solidFill>
+                  <a:srgbClr val="4A4E52"/>
+                </a:solidFill>
+                <a:latin typeface="+mn-lt"/>
+                <a:ea typeface="+mn-ea"/>
+                <a:cs typeface="+mn-cs"/>
+              </a:defRPr>
+            </a:lvl2pPr>
+            <a:lvl3pPr marL="1257300" indent="-342900" algn="l" defTabSz="914400" rtl="0" eaLnBrk="1" latinLnBrk="0" hangingPunct="1">
+              <a:lnSpc>
+                <a:spcPct val="90000"/>
+              </a:lnSpc>
+              <a:spcBef>
+                <a:spcPts val="500"/>
+              </a:spcBef>
+              <a:buClr>
+                <a:srgbClr val="81ADB5"/>
+              </a:buClr>
+              <a:buFont typeface="Arial" panose="020B0604020202020204" pitchFamily="34" charset="0"/>
+              <a:buChar char="•"/>
+              <a:defRPr sz="1600" kern="1200">
+                <a:solidFill>
+                  <a:srgbClr val="4A4E52"/>
+                </a:solidFill>
+                <a:latin typeface="+mn-lt"/>
+                <a:ea typeface="+mn-ea"/>
+                <a:cs typeface="+mn-cs"/>
+              </a:defRPr>
+            </a:lvl3pPr>
+            <a:lvl4pPr marL="1600200" indent="-228600" algn="l" defTabSz="914400" rtl="0" eaLnBrk="1" latinLnBrk="0" hangingPunct="1">
+              <a:lnSpc>
+                <a:spcPct val="90000"/>
+              </a:lnSpc>
+              <a:spcBef>
+                <a:spcPts val="500"/>
+              </a:spcBef>
+              <a:buFont typeface="Calibri" panose="020F0502020204030204" pitchFamily="34" charset="0"/>
+              <a:buChar char="-"/>
+              <a:defRPr sz="1500" kern="1200">
+                <a:solidFill>
+                  <a:srgbClr val="4A4E52"/>
+                </a:solidFill>
+                <a:latin typeface="+mn-lt"/>
+                <a:ea typeface="+mn-ea"/>
+                <a:cs typeface="+mn-cs"/>
+              </a:defRPr>
+            </a:lvl4pPr>
+            <a:lvl5pPr marL="2057400" indent="-228600" algn="l" defTabSz="914400" rtl="0" eaLnBrk="1" latinLnBrk="0" hangingPunct="1">
+              <a:lnSpc>
+                <a:spcPct val="90000"/>
+              </a:lnSpc>
+              <a:spcBef>
+                <a:spcPts val="500"/>
+              </a:spcBef>
+              <a:buFont typeface="Arial" panose="020B0604020202020204" pitchFamily="34" charset="0"/>
+              <a:buChar char="•"/>
+              <a:defRPr sz="1800" kern="1200">
+                <a:solidFill>
+                  <a:srgbClr val="4A4E52"/>
+                </a:solidFill>
+                <a:latin typeface="+mn-lt"/>
+                <a:ea typeface="+mn-ea"/>
+                <a:cs typeface="+mn-cs"/>
+              </a:defRPr>
+            </a:lvl5pPr>
+            <a:lvl6pPr marL="2514600" indent="-228600" algn="l" defTabSz="914400" rtl="0" eaLnBrk="1" latinLnBrk="0" hangingPunct="1">
+              <a:lnSpc>
+                <a:spcPct val="90000"/>
+              </a:lnSpc>
+              <a:spcBef>
+                <a:spcPts val="500"/>
+              </a:spcBef>
+              <a:buFont typeface="Arial" panose="020B0604020202020204" pitchFamily="34" charset="0"/>
+              <a:buChar char="•"/>
+              <a:defRPr sz="1800" kern="1200">
+                <a:solidFill>
+                  <a:schemeClr val="tx1"/>
+                </a:solidFill>
+                <a:latin typeface="+mn-lt"/>
+                <a:ea typeface="+mn-ea"/>
+                <a:cs typeface="+mn-cs"/>
+              </a:defRPr>
+            </a:lvl6pPr>
+            <a:lvl7pPr marL="2971800" indent="-228600" algn="l" defTabSz="914400" rtl="0" eaLnBrk="1" latinLnBrk="0" hangingPunct="1">
+              <a:lnSpc>
+                <a:spcPct val="90000"/>
+              </a:lnSpc>
+              <a:spcBef>
+                <a:spcPts val="500"/>
+              </a:spcBef>
+              <a:buFont typeface="Arial" panose="020B0604020202020204" pitchFamily="34" charset="0"/>
+              <a:buChar char="•"/>
+              <a:defRPr sz="1800" kern="1200">
+                <a:solidFill>
+                  <a:schemeClr val="tx1"/>
+                </a:solidFill>
+                <a:latin typeface="+mn-lt"/>
+                <a:ea typeface="+mn-ea"/>
+                <a:cs typeface="+mn-cs"/>
+              </a:defRPr>
+            </a:lvl7pPr>
+            <a:lvl8pPr marL="3429000" indent="-228600" algn="l" defTabSz="914400" rtl="0" eaLnBrk="1" latinLnBrk="0" hangingPunct="1">
+              <a:lnSpc>
+                <a:spcPct val="90000"/>
+              </a:lnSpc>
+              <a:spcBef>
+                <a:spcPts val="500"/>
+              </a:spcBef>
+              <a:buFont typeface="Arial" panose="020B0604020202020204" pitchFamily="34" charset="0"/>
+              <a:buChar char="•"/>
+              <a:defRPr sz="1800" kern="1200">
+                <a:solidFill>
+                  <a:schemeClr val="tx1"/>
+                </a:solidFill>
+                <a:latin typeface="+mn-lt"/>
+                <a:ea typeface="+mn-ea"/>
+                <a:cs typeface="+mn-cs"/>
+              </a:defRPr>
+            </a:lvl8pPr>
+            <a:lvl9pPr marL="3886200" indent="-228600" algn="l" defTabSz="914400" rtl="0" eaLnBrk="1" latinLnBrk="0" hangingPunct="1">
+              <a:lnSpc>
+                <a:spcPct val="90000"/>
+              </a:lnSpc>
+              <a:spcBef>
+                <a:spcPts val="500"/>
+              </a:spcBef>
+              <a:buFont typeface="Arial" panose="020B0604020202020204" pitchFamily="34" charset="0"/>
+              <a:buChar char="•"/>
+              <a:defRPr sz="1800" kern="1200">
+                <a:solidFill>
+                  <a:schemeClr val="tx1"/>
+                </a:solidFill>
+                <a:latin typeface="+mn-lt"/>
+                <a:ea typeface="+mn-ea"/>
+                <a:cs typeface="+mn-cs"/>
+              </a:defRPr>
+            </a:lvl9pPr>
+          </a:lstStyle>
+          <a:p>
+            <a:r>
+              <a:rPr lang="en-US" dirty="0" smtClean="0"/>
+              <a:t>HOW is it done?</a:t>
+            </a:r>
+            <a:endParaRPr lang="en-US" dirty="0"/>
+          </a:p>
+        </p:txBody>
+      </p:sp>
+    </p:spTree>
+    <p:extLst>
+      <p:ext uri="{BB962C8B-B14F-4D97-AF65-F5344CB8AC3E}">
+        <p14:creationId xmlns:p14="http://schemas.microsoft.com/office/powerpoint/2010/main" val="2564031307"/>
+      </p:ext>
+    </p:extLst>
+  </p:cSld>
+  <p:clrMapOvr>
+    <a:masterClrMapping/>
+  </p:clrMapOvr>
+</p:sld>
+</file>
+
+<file path=ppt/slides/slide9.xml><?xml version="1.0" encoding="utf-8"?>
+<p:sld xmlns:a="http://schemas.openxmlformats.org/drawingml/2006/main" xmlns:r="http://schemas.openxmlformats.org/officeDocument/2006/relationships" xmlns:p="http://schemas.openxmlformats.org/presentationml/2006/main">
+  <p:cSld>
+    <p:spTree>
+      <p:nvGrpSpPr>
+        <p:cNvPr id="1" name=""/>
+        <p:cNvGrpSpPr/>
+        <p:nvPr/>
+      </p:nvGrpSpPr>
+      <p:grpSpPr>
+        <a:xfrm>
+          <a:off x="0" y="0"/>
+          <a:ext cx="0" cy="0"/>
+          <a:chOff x="0" y="0"/>
+          <a:chExt cx="0" cy="0"/>
+        </a:xfrm>
+      </p:grpSpPr>
+      <p:sp>
+        <p:nvSpPr>
+          <p:cNvPr id="2" name="Title 1"/>
+          <p:cNvSpPr>
+            <a:spLocks noGrp="1"/>
+          </p:cNvSpPr>
+          <p:nvPr>
+            <p:ph type="title"/>
+          </p:nvPr>
+        </p:nvSpPr>
+        <p:spPr/>
+        <p:txBody>
+          <a:bodyPr/>
+          <a:lstStyle/>
+          <a:p>
+            <a:r>
+              <a:rPr lang="en-US" dirty="0" smtClean="0"/>
+              <a:t>INHERITANCE</a:t>
+            </a:r>
+            <a:endParaRPr lang="ro-RO" dirty="0"/>
+          </a:p>
+        </p:txBody>
+      </p:sp>
+      <p:pic>
+        <p:nvPicPr>
+          <p:cNvPr id="1027" name="Picture 3"/>
+          <p:cNvPicPr>
+            <a:picLocks noChangeAspect="1" noChangeArrowheads="1"/>
+          </p:cNvPicPr>
+          <p:nvPr/>
+        </p:nvPicPr>
+        <p:blipFill>
+          <a:blip r:embed="rId2">
+            <a:extLst>
+              <a:ext uri="{28A0092B-C50C-407E-A947-70E740481C1C}">
+                <a14:useLocalDpi xmlns:a14="http://schemas.microsoft.com/office/drawing/2010/main" val="0"/>
+              </a:ext>
+            </a:extLst>
+          </a:blip>
+          <a:srcRect/>
+          <a:stretch>
+            <a:fillRect/>
+          </a:stretch>
+        </p:blipFill>
+        <p:spPr bwMode="auto">
+          <a:xfrm>
+            <a:off x="1640946" y="1824039"/>
+            <a:ext cx="7887804" cy="3772428"/>
+          </a:xfrm>
+          <a:prstGeom prst="rect">
+            <a:avLst/>
+          </a:prstGeom>
+          <a:noFill/>
+          <a:ln>
+            <a:noFill/>
+          </a:ln>
+          <a:effectLst/>
+          <a:extLst>
+            <a:ext uri="{909E8E84-426E-40DD-AFC4-6F175D3DCCD1}">
+              <a14:hiddenFill xmlns:a14="http://schemas.microsoft.com/office/drawing/2010/main">
+                <a:solidFill>
+                  <a:schemeClr val="accent1"/>
+                </a:solidFill>
+              </a14:hiddenFill>
+            </a:ext>
+            <a:ext uri="{91240B29-F687-4F45-9708-019B960494DF}">
+              <a14:hiddenLine xmlns:a14="http://schemas.microsoft.com/office/drawing/2010/main" w="9525">
+                <a:solidFill>
+                  <a:schemeClr val="tx1"/>
+                </a:solidFill>
+                <a:miter lim="800000"/>
+                <a:headEnd/>
+                <a:tailEnd/>
+              </a14:hiddenLine>
+            </a:ext>
+            <a:ext uri="{AF507438-7753-43E0-B8FC-AC1667EBCBE1}">
+              <a14:hiddenEffects xmlns:a14="http://schemas.microsoft.com/office/drawing/2010/main">
+                <a:effectLst>
+                  <a:outerShdw dist="35921" dir="2700000" algn="ctr" rotWithShape="0">
+                    <a:schemeClr val="bg2"/>
+                  </a:outerShdw>
+                </a:effectLst>
+              </a14:hiddenEffects>
+            </a:ext>
+          </a:extLst>
+        </p:spPr>
+      </p:pic>
+    </p:spTree>
+    <p:extLst>
+      <p:ext uri="{BB962C8B-B14F-4D97-AF65-F5344CB8AC3E}">
+        <p14:creationId xmlns:p14="http://schemas.microsoft.com/office/powerpoint/2010/main" val="325352869"/>
       </p:ext>
     </p:extLst>
   </p:cSld>
@@ -13221,7 +19660,7 @@
   <a:extraClrSchemeLst/>
   <a:extLst>
     <a:ext uri="{05A4C25C-085E-4340-85A3-A5531E510DB2}">
-      <thm15:themeFamily xmlns:thm15="http://schemas.microsoft.com/office/thememl/2012/main" name="PPT-template-July2016" id="{40B1ABE2-0BCE-4A9E-94F9-0B4ECE406944}" vid="{986F3450-D3E7-4A90-95EB-285E0F70E164}"/>
+      <thm15:themeFamily xmlns:thm15="http://schemas.microsoft.com/office/thememl/2012/main" xmlns="" name="PPT-template-July2016" id="{40B1ABE2-0BCE-4A9E-94F9-0B4ECE406944}" vid="{986F3450-D3E7-4A90-95EB-285E0F70E164}"/>
     </a:ext>
   </a:extLst>
 </a:theme>
